--- a/qlik_apis.pptx
+++ b/qlik_apis.pptx
@@ -5,17 +5,22 @@
     <p:sldMasterId id="2147483648" r:id="rId1"/>
   </p:sldMasterIdLst>
   <p:notesMasterIdLst>
-    <p:notesMasterId r:id="rId10"/>
+    <p:notesMasterId r:id="rId15"/>
   </p:notesMasterIdLst>
   <p:sldIdLst>
     <p:sldId id="256" r:id="rId2"/>
-    <p:sldId id="260" r:id="rId3"/>
-    <p:sldId id="263" r:id="rId4"/>
-    <p:sldId id="264" r:id="rId5"/>
-    <p:sldId id="262" r:id="rId6"/>
-    <p:sldId id="257" r:id="rId7"/>
-    <p:sldId id="258" r:id="rId8"/>
-    <p:sldId id="269" r:id="rId9"/>
+    <p:sldId id="270" r:id="rId3"/>
+    <p:sldId id="273" r:id="rId4"/>
+    <p:sldId id="272" r:id="rId5"/>
+    <p:sldId id="274" r:id="rId6"/>
+    <p:sldId id="275" r:id="rId7"/>
+    <p:sldId id="263" r:id="rId8"/>
+    <p:sldId id="264" r:id="rId9"/>
+    <p:sldId id="262" r:id="rId10"/>
+    <p:sldId id="257" r:id="rId11"/>
+    <p:sldId id="258" r:id="rId12"/>
+    <p:sldId id="260" r:id="rId13"/>
+    <p:sldId id="269" r:id="rId14"/>
   </p:sldIdLst>
   <p:sldSz cx="12192000" cy="6858000"/>
   <p:notesSz cx="6858000" cy="9144000"/>
@@ -204,7 +209,7 @@
           <a:p>
             <a:fld id="{F6E7A8F2-C6CE-49B6-A752-A2227416A48E}" type="datetimeFigureOut">
               <a:rPr lang="pt-BR" smtClean="0"/>
-              <a:t>12/03/2025</a:t>
+              <a:t>13/03/2025</a:t>
             </a:fld>
             <a:endParaRPr lang="pt-BR"/>
           </a:p>
@@ -362,7 +367,7 @@
           <a:p>
             <a:fld id="{56B0C8AA-4100-47FD-9FDF-B52F81DE7BD5}" type="slidenum">
               <a:rPr lang="pt-BR" smtClean="0"/>
-              <a:t>‹nº›</a:t>
+              <a:t>‹#›</a:t>
             </a:fld>
             <a:endParaRPr lang="pt-BR"/>
           </a:p>
@@ -618,7 +623,7 @@
           <a:p>
             <a:fld id="{A90964A6-0D45-4C96-9DF9-1B95F3390CF7}" type="datetime1">
               <a:rPr lang="pt-BR" smtClean="0"/>
-              <a:t>12/03/2025</a:t>
+              <a:t>13/03/2025</a:t>
             </a:fld>
             <a:endParaRPr lang="pt-BR"/>
           </a:p>
@@ -672,7 +677,7 @@
           <a:p>
             <a:fld id="{F3BB853E-F875-40C7-BA44-D1D1A34315C9}" type="slidenum">
               <a:rPr lang="pt-BR" smtClean="0"/>
-              <a:t>‹nº›</a:t>
+              <a:t>‹#›</a:t>
             </a:fld>
             <a:endParaRPr lang="pt-BR"/>
           </a:p>
@@ -816,7 +821,7 @@
           <a:p>
             <a:fld id="{837A4ABC-24D2-4238-98FB-983FD1284757}" type="datetime1">
               <a:rPr lang="pt-BR" smtClean="0"/>
-              <a:t>12/03/2025</a:t>
+              <a:t>13/03/2025</a:t>
             </a:fld>
             <a:endParaRPr lang="pt-BR"/>
           </a:p>
@@ -870,7 +875,7 @@
           <a:p>
             <a:fld id="{F3BB853E-F875-40C7-BA44-D1D1A34315C9}" type="slidenum">
               <a:rPr lang="pt-BR" smtClean="0"/>
-              <a:t>‹nº›</a:t>
+              <a:t>‹#›</a:t>
             </a:fld>
             <a:endParaRPr lang="pt-BR"/>
           </a:p>
@@ -1024,7 +1029,7 @@
           <a:p>
             <a:fld id="{0D64A121-C322-42B6-A035-89D16540A94E}" type="datetime1">
               <a:rPr lang="pt-BR" smtClean="0"/>
-              <a:t>12/03/2025</a:t>
+              <a:t>13/03/2025</a:t>
             </a:fld>
             <a:endParaRPr lang="pt-BR"/>
           </a:p>
@@ -1078,7 +1083,7 @@
           <a:p>
             <a:fld id="{F3BB853E-F875-40C7-BA44-D1D1A34315C9}" type="slidenum">
               <a:rPr lang="pt-BR" smtClean="0"/>
-              <a:t>‹nº›</a:t>
+              <a:t>‹#›</a:t>
             </a:fld>
             <a:endParaRPr lang="pt-BR"/>
           </a:p>
@@ -1222,7 +1227,7 @@
           <a:p>
             <a:fld id="{2F9CBEC2-F8B3-4EEA-99DE-803BE0F6CF4F}" type="datetime1">
               <a:rPr lang="pt-BR" smtClean="0"/>
-              <a:t>12/03/2025</a:t>
+              <a:t>13/03/2025</a:t>
             </a:fld>
             <a:endParaRPr lang="pt-BR"/>
           </a:p>
@@ -1276,7 +1281,7 @@
           <a:p>
             <a:fld id="{F3BB853E-F875-40C7-BA44-D1D1A34315C9}" type="slidenum">
               <a:rPr lang="pt-BR" smtClean="0"/>
-              <a:t>‹nº›</a:t>
+              <a:t>‹#›</a:t>
             </a:fld>
             <a:endParaRPr lang="pt-BR"/>
           </a:p>
@@ -1497,7 +1502,7 @@
           <a:p>
             <a:fld id="{8E31BCA5-A3BC-40E2-AC55-29F123383569}" type="datetime1">
               <a:rPr lang="pt-BR" smtClean="0"/>
-              <a:t>12/03/2025</a:t>
+              <a:t>13/03/2025</a:t>
             </a:fld>
             <a:endParaRPr lang="pt-BR"/>
           </a:p>
@@ -1551,7 +1556,7 @@
           <a:p>
             <a:fld id="{F3BB853E-F875-40C7-BA44-D1D1A34315C9}" type="slidenum">
               <a:rPr lang="pt-BR" smtClean="0"/>
-              <a:t>‹nº›</a:t>
+              <a:t>‹#›</a:t>
             </a:fld>
             <a:endParaRPr lang="pt-BR"/>
           </a:p>
@@ -1762,7 +1767,7 @@
           <a:p>
             <a:fld id="{F84FDBD2-31FE-4E39-8410-8CDF5B98ED50}" type="datetime1">
               <a:rPr lang="pt-BR" smtClean="0"/>
-              <a:t>12/03/2025</a:t>
+              <a:t>13/03/2025</a:t>
             </a:fld>
             <a:endParaRPr lang="pt-BR"/>
           </a:p>
@@ -1816,7 +1821,7 @@
           <a:p>
             <a:fld id="{F3BB853E-F875-40C7-BA44-D1D1A34315C9}" type="slidenum">
               <a:rPr lang="pt-BR" smtClean="0"/>
-              <a:t>‹nº›</a:t>
+              <a:t>‹#›</a:t>
             </a:fld>
             <a:endParaRPr lang="pt-BR"/>
           </a:p>
@@ -2174,7 +2179,7 @@
           <a:p>
             <a:fld id="{3F4ED0DA-3959-4E6B-9D6E-8CE2CBD5CEF3}" type="datetime1">
               <a:rPr lang="pt-BR" smtClean="0"/>
-              <a:t>12/03/2025</a:t>
+              <a:t>13/03/2025</a:t>
             </a:fld>
             <a:endParaRPr lang="pt-BR"/>
           </a:p>
@@ -2228,7 +2233,7 @@
           <a:p>
             <a:fld id="{F3BB853E-F875-40C7-BA44-D1D1A34315C9}" type="slidenum">
               <a:rPr lang="pt-BR" smtClean="0"/>
-              <a:t>‹nº›</a:t>
+              <a:t>‹#›</a:t>
             </a:fld>
             <a:endParaRPr lang="pt-BR"/>
           </a:p>
@@ -2315,7 +2320,7 @@
           <a:p>
             <a:fld id="{725641ED-A411-42D7-BE2E-D5CBC256C3AE}" type="datetime1">
               <a:rPr lang="pt-BR" smtClean="0"/>
-              <a:t>12/03/2025</a:t>
+              <a:t>13/03/2025</a:t>
             </a:fld>
             <a:endParaRPr lang="pt-BR"/>
           </a:p>
@@ -2369,7 +2374,7 @@
           <a:p>
             <a:fld id="{F3BB853E-F875-40C7-BA44-D1D1A34315C9}" type="slidenum">
               <a:rPr lang="pt-BR" smtClean="0"/>
-              <a:t>‹nº›</a:t>
+              <a:t>‹#›</a:t>
             </a:fld>
             <a:endParaRPr lang="pt-BR"/>
           </a:p>
@@ -2428,7 +2433,7 @@
           <a:p>
             <a:fld id="{0BCB213A-0468-4C59-A7E0-F8B0C267523A}" type="datetime1">
               <a:rPr lang="pt-BR" smtClean="0"/>
-              <a:t>12/03/2025</a:t>
+              <a:t>13/03/2025</a:t>
             </a:fld>
             <a:endParaRPr lang="pt-BR"/>
           </a:p>
@@ -2482,7 +2487,7 @@
           <a:p>
             <a:fld id="{F3BB853E-F875-40C7-BA44-D1D1A34315C9}" type="slidenum">
               <a:rPr lang="pt-BR" smtClean="0"/>
-              <a:t>‹nº›</a:t>
+              <a:t>‹#›</a:t>
             </a:fld>
             <a:endParaRPr lang="pt-BR"/>
           </a:p>
@@ -2739,7 +2744,7 @@
           <a:p>
             <a:fld id="{186F7E2C-AA48-4D3A-A12D-350C01D90B5D}" type="datetime1">
               <a:rPr lang="pt-BR" smtClean="0"/>
-              <a:t>12/03/2025</a:t>
+              <a:t>13/03/2025</a:t>
             </a:fld>
             <a:endParaRPr lang="pt-BR"/>
           </a:p>
@@ -2793,7 +2798,7 @@
           <a:p>
             <a:fld id="{F3BB853E-F875-40C7-BA44-D1D1A34315C9}" type="slidenum">
               <a:rPr lang="pt-BR" smtClean="0"/>
-              <a:t>‹nº›</a:t>
+              <a:t>‹#›</a:t>
             </a:fld>
             <a:endParaRPr lang="pt-BR"/>
           </a:p>
@@ -3027,7 +3032,7 @@
           <a:p>
             <a:fld id="{78ACC8F9-59A6-493A-9A64-313DCE6F9DBE}" type="datetime1">
               <a:rPr lang="pt-BR" smtClean="0"/>
-              <a:t>12/03/2025</a:t>
+              <a:t>13/03/2025</a:t>
             </a:fld>
             <a:endParaRPr lang="pt-BR"/>
           </a:p>
@@ -3081,7 +3086,7 @@
           <a:p>
             <a:fld id="{F3BB853E-F875-40C7-BA44-D1D1A34315C9}" type="slidenum">
               <a:rPr lang="pt-BR" smtClean="0"/>
-              <a:t>‹nº›</a:t>
+              <a:t>‹#›</a:t>
             </a:fld>
             <a:endParaRPr lang="pt-BR"/>
           </a:p>
@@ -3268,7 +3273,7 @@
           <a:p>
             <a:fld id="{6638A9F5-BC6A-437C-A253-83093F56DABA}" type="datetime1">
               <a:rPr lang="pt-BR" smtClean="0"/>
-              <a:t>12/03/2025</a:t>
+              <a:t>13/03/2025</a:t>
             </a:fld>
             <a:endParaRPr lang="pt-BR"/>
           </a:p>
@@ -3358,7 +3363,7 @@
           <a:p>
             <a:fld id="{F3BB853E-F875-40C7-BA44-D1D1A34315C9}" type="slidenum">
               <a:rPr lang="pt-BR" smtClean="0"/>
-              <a:t>‹nº›</a:t>
+              <a:t>‹#›</a:t>
             </a:fld>
             <a:endParaRPr lang="pt-BR"/>
           </a:p>
@@ -3772,6 +3777,1964 @@
 </p:sld>
 </file>
 
+<file path=ppt/slides/slide10.xml><?xml version="1.0" encoding="utf-8"?>
+<p:sld xmlns:a="http://schemas.openxmlformats.org/drawingml/2006/main" xmlns:r="http://schemas.openxmlformats.org/officeDocument/2006/relationships" xmlns:p="http://schemas.openxmlformats.org/presentationml/2006/main">
+  <p:cSld>
+    <p:spTree>
+      <p:nvGrpSpPr>
+        <p:cNvPr id="1" name=""/>
+        <p:cNvGrpSpPr/>
+        <p:nvPr/>
+      </p:nvGrpSpPr>
+      <p:grpSpPr>
+        <a:xfrm>
+          <a:off x="0" y="0"/>
+          <a:ext cx="0" cy="0"/>
+          <a:chOff x="0" y="0"/>
+          <a:chExt cx="0" cy="0"/>
+        </a:xfrm>
+      </p:grpSpPr>
+      <p:pic>
+        <p:nvPicPr>
+          <p:cNvPr id="3" name="Imagem 2">
+            <a:extLst>
+              <a:ext uri="{FF2B5EF4-FFF2-40B4-BE49-F238E27FC236}">
+                <a16:creationId xmlns:a16="http://schemas.microsoft.com/office/drawing/2014/main" id="{11779981-3D3D-3474-08B9-DCD498BAE445}"/>
+              </a:ext>
+            </a:extLst>
+          </p:cNvPr>
+          <p:cNvPicPr>
+            <a:picLocks noChangeAspect="1"/>
+          </p:cNvPicPr>
+          <p:nvPr/>
+        </p:nvPicPr>
+        <p:blipFill>
+          <a:blip r:embed="rId2"/>
+          <a:stretch>
+            <a:fillRect/>
+          </a:stretch>
+        </p:blipFill>
+        <p:spPr>
+          <a:xfrm>
+            <a:off x="983391" y="3127103"/>
+            <a:ext cx="7172325" cy="1914525"/>
+          </a:xfrm>
+          <a:prstGeom prst="rect">
+            <a:avLst/>
+          </a:prstGeom>
+        </p:spPr>
+      </p:pic>
+      <p:pic>
+        <p:nvPicPr>
+          <p:cNvPr id="5" name="Imagem 4">
+            <a:extLst>
+              <a:ext uri="{FF2B5EF4-FFF2-40B4-BE49-F238E27FC236}">
+                <a16:creationId xmlns:a16="http://schemas.microsoft.com/office/drawing/2014/main" id="{34FA5319-996D-B6F5-07A7-70E957290038}"/>
+              </a:ext>
+            </a:extLst>
+          </p:cNvPr>
+          <p:cNvPicPr>
+            <a:picLocks noChangeAspect="1"/>
+          </p:cNvPicPr>
+          <p:nvPr/>
+        </p:nvPicPr>
+        <p:blipFill>
+          <a:blip r:embed="rId3"/>
+          <a:stretch>
+            <a:fillRect/>
+          </a:stretch>
+        </p:blipFill>
+        <p:spPr>
+          <a:xfrm>
+            <a:off x="4980018" y="4131409"/>
+            <a:ext cx="7105650" cy="2628900"/>
+          </a:xfrm>
+          <a:prstGeom prst="rect">
+            <a:avLst/>
+          </a:prstGeom>
+        </p:spPr>
+      </p:pic>
+      <p:sp>
+        <p:nvSpPr>
+          <p:cNvPr id="10" name="CaixaDeTexto 9">
+            <a:extLst>
+              <a:ext uri="{FF2B5EF4-FFF2-40B4-BE49-F238E27FC236}">
+                <a16:creationId xmlns:a16="http://schemas.microsoft.com/office/drawing/2014/main" id="{38952EC5-1CB2-0121-3039-8CBDA0B801AE}"/>
+              </a:ext>
+            </a:extLst>
+          </p:cNvPr>
+          <p:cNvSpPr txBox="1"/>
+          <p:nvPr/>
+        </p:nvSpPr>
+        <p:spPr>
+          <a:xfrm>
+            <a:off x="175971" y="189457"/>
+            <a:ext cx="11177451" cy="707886"/>
+          </a:xfrm>
+          <a:prstGeom prst="rect">
+            <a:avLst/>
+          </a:prstGeom>
+          <a:noFill/>
+        </p:spPr>
+        <p:txBody>
+          <a:bodyPr wrap="square" rtlCol="0">
+            <a:spAutoFit/>
+          </a:bodyPr>
+          <a:lstStyle/>
+          <a:p>
+            <a:r>
+              <a:rPr lang="pt-BR" sz="4000" dirty="0"/>
+              <a:t>Primeiros Passos “</a:t>
+            </a:r>
+            <a:r>
+              <a:rPr lang="pt-BR" sz="4000" dirty="0" err="1"/>
+              <a:t>Logando</a:t>
+            </a:r>
+            <a:r>
+              <a:rPr lang="pt-BR" sz="4000" dirty="0"/>
+              <a:t>” no “</a:t>
+            </a:r>
+            <a:r>
+              <a:rPr lang="pt-BR" sz="4000" dirty="0" err="1"/>
+              <a:t>tenant</a:t>
+            </a:r>
+            <a:r>
+              <a:rPr lang="pt-BR" sz="4000" dirty="0"/>
+              <a:t>” (Ambiente)</a:t>
+            </a:r>
+          </a:p>
+        </p:txBody>
+      </p:sp>
+      <p:sp>
+        <p:nvSpPr>
+          <p:cNvPr id="12" name="CaixaDeTexto 11">
+            <a:extLst>
+              <a:ext uri="{FF2B5EF4-FFF2-40B4-BE49-F238E27FC236}">
+                <a16:creationId xmlns:a16="http://schemas.microsoft.com/office/drawing/2014/main" id="{96284F2F-1BC5-6C03-CF3D-F44572544078}"/>
+              </a:ext>
+            </a:extLst>
+          </p:cNvPr>
+          <p:cNvSpPr txBox="1"/>
+          <p:nvPr/>
+        </p:nvSpPr>
+        <p:spPr>
+          <a:xfrm>
+            <a:off x="318051" y="1205948"/>
+            <a:ext cx="10853531" cy="1200329"/>
+          </a:xfrm>
+          <a:prstGeom prst="rect">
+            <a:avLst/>
+          </a:prstGeom>
+          <a:noFill/>
+        </p:spPr>
+        <p:txBody>
+          <a:bodyPr wrap="square" rtlCol="0">
+            <a:spAutoFit/>
+          </a:bodyPr>
+          <a:lstStyle/>
+          <a:p>
+            <a:r>
+              <a:rPr lang="pt-BR" dirty="0"/>
+              <a:t>Após instalar é necessário “</a:t>
+            </a:r>
+            <a:r>
+              <a:rPr lang="pt-BR" dirty="0" err="1"/>
+              <a:t>logar</a:t>
+            </a:r>
+            <a:r>
+              <a:rPr lang="pt-BR" dirty="0"/>
+              <a:t>” no “</a:t>
+            </a:r>
+            <a:r>
+              <a:rPr lang="pt-BR" dirty="0" err="1"/>
+              <a:t>tenant</a:t>
+            </a:r>
+            <a:r>
+              <a:rPr lang="pt-BR" dirty="0"/>
+              <a:t>” desejado, para isso é necessário saber a </a:t>
+            </a:r>
+            <a:r>
+              <a:rPr lang="pt-BR" dirty="0" err="1"/>
+              <a:t>url</a:t>
+            </a:r>
+            <a:r>
+              <a:rPr lang="pt-BR" dirty="0"/>
+              <a:t> e chave:</a:t>
+            </a:r>
+          </a:p>
+          <a:p>
+            <a:endParaRPr lang="pt-BR" dirty="0"/>
+          </a:p>
+          <a:p>
+            <a:r>
+              <a:rPr lang="pt-BR" dirty="0">
+                <a:highlight>
+                  <a:srgbClr val="FFFF00"/>
+                </a:highlight>
+              </a:rPr>
+              <a:t>Para gerar uma Chave</a:t>
+            </a:r>
+            <a:r>
+              <a:rPr lang="pt-BR" dirty="0"/>
+              <a:t>: Acesse seu </a:t>
+            </a:r>
+            <a:r>
+              <a:rPr lang="pt-BR" dirty="0" err="1"/>
+              <a:t>Qlik-Saas</a:t>
+            </a:r>
+            <a:r>
+              <a:rPr lang="pt-BR" dirty="0"/>
+              <a:t> &gt; Acesse seu perfil &gt; Configurações de Perfil &gt; Chaves de </a:t>
+            </a:r>
+            <a:r>
+              <a:rPr lang="pt-BR" dirty="0" err="1"/>
+              <a:t>Api</a:t>
+            </a:r>
+            <a:r>
+              <a:rPr lang="pt-BR" dirty="0"/>
+              <a:t>:</a:t>
+            </a:r>
+          </a:p>
+          <a:p>
+            <a:r>
+              <a:rPr lang="pt-BR" dirty="0"/>
+              <a:t>		Gere uma nova chave e salve em um lugar seguro.</a:t>
+            </a:r>
+          </a:p>
+        </p:txBody>
+      </p:sp>
+      <p:pic>
+        <p:nvPicPr>
+          <p:cNvPr id="14" name="Imagem 13">
+            <a:extLst>
+              <a:ext uri="{FF2B5EF4-FFF2-40B4-BE49-F238E27FC236}">
+                <a16:creationId xmlns:a16="http://schemas.microsoft.com/office/drawing/2014/main" id="{59E96DB8-8BC9-7805-7E72-4903C0A87E0F}"/>
+              </a:ext>
+            </a:extLst>
+          </p:cNvPr>
+          <p:cNvPicPr>
+            <a:picLocks noChangeAspect="1"/>
+          </p:cNvPicPr>
+          <p:nvPr/>
+        </p:nvPicPr>
+        <p:blipFill>
+          <a:blip r:embed="rId4"/>
+          <a:stretch>
+            <a:fillRect/>
+          </a:stretch>
+        </p:blipFill>
+        <p:spPr>
+          <a:xfrm>
+            <a:off x="357807" y="2439703"/>
+            <a:ext cx="2562225" cy="714375"/>
+          </a:xfrm>
+          <a:prstGeom prst="rect">
+            <a:avLst/>
+          </a:prstGeom>
+        </p:spPr>
+      </p:pic>
+      <p:sp>
+        <p:nvSpPr>
+          <p:cNvPr id="22" name="CaixaDeTexto 21">
+            <a:extLst>
+              <a:ext uri="{FF2B5EF4-FFF2-40B4-BE49-F238E27FC236}">
+                <a16:creationId xmlns:a16="http://schemas.microsoft.com/office/drawing/2014/main" id="{02336016-8C26-4848-D0D2-0EA4DE9A6AEE}"/>
+              </a:ext>
+            </a:extLst>
+          </p:cNvPr>
+          <p:cNvSpPr txBox="1"/>
+          <p:nvPr/>
+        </p:nvSpPr>
+        <p:spPr>
+          <a:xfrm>
+            <a:off x="39755" y="2439703"/>
+            <a:ext cx="318052" cy="369332"/>
+          </a:xfrm>
+          <a:prstGeom prst="rect">
+            <a:avLst/>
+          </a:prstGeom>
+          <a:noFill/>
+          <a:ln w="28575">
+            <a:solidFill>
+              <a:srgbClr val="FF0000"/>
+            </a:solidFill>
+          </a:ln>
+        </p:spPr>
+        <p:txBody>
+          <a:bodyPr wrap="square" rtlCol="0">
+            <a:spAutoFit/>
+          </a:bodyPr>
+          <a:lstStyle/>
+          <a:p>
+            <a:r>
+              <a:rPr lang="pt-BR" b="1" dirty="0">
+                <a:solidFill>
+                  <a:srgbClr val="FF0000"/>
+                </a:solidFill>
+              </a:rPr>
+              <a:t>1</a:t>
+            </a:r>
+          </a:p>
+        </p:txBody>
+      </p:sp>
+      <p:sp>
+        <p:nvSpPr>
+          <p:cNvPr id="23" name="CaixaDeTexto 22">
+            <a:extLst>
+              <a:ext uri="{FF2B5EF4-FFF2-40B4-BE49-F238E27FC236}">
+                <a16:creationId xmlns:a16="http://schemas.microsoft.com/office/drawing/2014/main" id="{05354D65-20E5-D466-6F63-1F9E98455023}"/>
+              </a:ext>
+            </a:extLst>
+          </p:cNvPr>
+          <p:cNvSpPr txBox="1"/>
+          <p:nvPr/>
+        </p:nvSpPr>
+        <p:spPr>
+          <a:xfrm>
+            <a:off x="626509" y="3187504"/>
+            <a:ext cx="318052" cy="369332"/>
+          </a:xfrm>
+          <a:prstGeom prst="rect">
+            <a:avLst/>
+          </a:prstGeom>
+          <a:noFill/>
+          <a:ln w="28575">
+            <a:solidFill>
+              <a:srgbClr val="FF0000"/>
+            </a:solidFill>
+          </a:ln>
+        </p:spPr>
+        <p:txBody>
+          <a:bodyPr wrap="square" rtlCol="0">
+            <a:spAutoFit/>
+          </a:bodyPr>
+          <a:lstStyle/>
+          <a:p>
+            <a:r>
+              <a:rPr lang="pt-BR" b="1" dirty="0">
+                <a:solidFill>
+                  <a:srgbClr val="FF0000"/>
+                </a:solidFill>
+              </a:rPr>
+              <a:t>2</a:t>
+            </a:r>
+          </a:p>
+        </p:txBody>
+      </p:sp>
+      <p:sp>
+        <p:nvSpPr>
+          <p:cNvPr id="24" name="CaixaDeTexto 23">
+            <a:extLst>
+              <a:ext uri="{FF2B5EF4-FFF2-40B4-BE49-F238E27FC236}">
+                <a16:creationId xmlns:a16="http://schemas.microsoft.com/office/drawing/2014/main" id="{20795D0A-09ED-47BC-62EF-37D94471C273}"/>
+              </a:ext>
+            </a:extLst>
+          </p:cNvPr>
+          <p:cNvSpPr txBox="1"/>
+          <p:nvPr/>
+        </p:nvSpPr>
+        <p:spPr>
+          <a:xfrm>
+            <a:off x="6454736" y="4101815"/>
+            <a:ext cx="318052" cy="369332"/>
+          </a:xfrm>
+          <a:prstGeom prst="rect">
+            <a:avLst/>
+          </a:prstGeom>
+          <a:noFill/>
+          <a:ln w="28575">
+            <a:solidFill>
+              <a:srgbClr val="FF0000"/>
+            </a:solidFill>
+          </a:ln>
+        </p:spPr>
+        <p:txBody>
+          <a:bodyPr wrap="square" rtlCol="0">
+            <a:spAutoFit/>
+          </a:bodyPr>
+          <a:lstStyle/>
+          <a:p>
+            <a:r>
+              <a:rPr lang="pt-BR" b="1" dirty="0">
+                <a:solidFill>
+                  <a:srgbClr val="FF0000"/>
+                </a:solidFill>
+              </a:rPr>
+              <a:t>3</a:t>
+            </a:r>
+          </a:p>
+        </p:txBody>
+      </p:sp>
+      <p:sp>
+        <p:nvSpPr>
+          <p:cNvPr id="25" name="CaixaDeTexto 24">
+            <a:extLst>
+              <a:ext uri="{FF2B5EF4-FFF2-40B4-BE49-F238E27FC236}">
+                <a16:creationId xmlns:a16="http://schemas.microsoft.com/office/drawing/2014/main" id="{58BC897F-D318-617F-A0F7-DB4A8C12AB03}"/>
+              </a:ext>
+            </a:extLst>
+          </p:cNvPr>
+          <p:cNvSpPr txBox="1"/>
+          <p:nvPr/>
+        </p:nvSpPr>
+        <p:spPr>
+          <a:xfrm>
+            <a:off x="106332" y="5276639"/>
+            <a:ext cx="4704207" cy="923330"/>
+          </a:xfrm>
+          <a:prstGeom prst="rect">
+            <a:avLst/>
+          </a:prstGeom>
+          <a:noFill/>
+          <a:ln w="38100">
+            <a:solidFill>
+              <a:srgbClr val="0070C0"/>
+            </a:solidFill>
+          </a:ln>
+        </p:spPr>
+        <p:txBody>
+          <a:bodyPr wrap="square" rtlCol="0">
+            <a:spAutoFit/>
+          </a:bodyPr>
+          <a:lstStyle/>
+          <a:p>
+            <a:r>
+              <a:rPr lang="pt-BR" dirty="0">
+                <a:solidFill>
+                  <a:schemeClr val="bg1"/>
+                </a:solidFill>
+                <a:highlight>
+                  <a:srgbClr val="0000FF"/>
+                </a:highlight>
+              </a:rPr>
+              <a:t>Comando(s) Usado(s) aqui:</a:t>
+            </a:r>
+          </a:p>
+          <a:p>
+            <a:endParaRPr lang="pt-BR" dirty="0"/>
+          </a:p>
+          <a:p>
+            <a:r>
+              <a:rPr lang="pt-BR" dirty="0" err="1"/>
+              <a:t>qlik</a:t>
+            </a:r>
+            <a:r>
+              <a:rPr lang="pt-BR" dirty="0"/>
+              <a:t> </a:t>
+            </a:r>
+            <a:r>
+              <a:rPr lang="pt-BR" dirty="0" err="1"/>
+              <a:t>context</a:t>
+            </a:r>
+            <a:r>
+              <a:rPr lang="pt-BR" dirty="0"/>
+              <a:t> </a:t>
+            </a:r>
+            <a:r>
+              <a:rPr lang="pt-BR" dirty="0" err="1"/>
+              <a:t>init</a:t>
+            </a:r>
+            <a:r>
+              <a:rPr lang="pt-BR" dirty="0"/>
+              <a:t>	</a:t>
+            </a:r>
+          </a:p>
+        </p:txBody>
+      </p:sp>
+    </p:spTree>
+    <p:extLst>
+      <p:ext uri="{BB962C8B-B14F-4D97-AF65-F5344CB8AC3E}">
+        <p14:creationId xmlns:p14="http://schemas.microsoft.com/office/powerpoint/2010/main" val="3861360314"/>
+      </p:ext>
+    </p:extLst>
+  </p:cSld>
+  <p:clrMapOvr>
+    <a:masterClrMapping/>
+  </p:clrMapOvr>
+</p:sld>
+</file>
+
+<file path=ppt/slides/slide11.xml><?xml version="1.0" encoding="utf-8"?>
+<p:sld xmlns:a="http://schemas.openxmlformats.org/drawingml/2006/main" xmlns:r="http://schemas.openxmlformats.org/officeDocument/2006/relationships" xmlns:p="http://schemas.openxmlformats.org/presentationml/2006/main">
+  <p:cSld>
+    <p:spTree>
+      <p:nvGrpSpPr>
+        <p:cNvPr id="1" name=""/>
+        <p:cNvGrpSpPr/>
+        <p:nvPr/>
+      </p:nvGrpSpPr>
+      <p:grpSpPr>
+        <a:xfrm>
+          <a:off x="0" y="0"/>
+          <a:ext cx="0" cy="0"/>
+          <a:chOff x="0" y="0"/>
+          <a:chExt cx="0" cy="0"/>
+        </a:xfrm>
+      </p:grpSpPr>
+      <p:sp>
+        <p:nvSpPr>
+          <p:cNvPr id="10" name="CaixaDeTexto 9">
+            <a:extLst>
+              <a:ext uri="{FF2B5EF4-FFF2-40B4-BE49-F238E27FC236}">
+                <a16:creationId xmlns:a16="http://schemas.microsoft.com/office/drawing/2014/main" id="{38952EC5-1CB2-0121-3039-8CBDA0B801AE}"/>
+              </a:ext>
+            </a:extLst>
+          </p:cNvPr>
+          <p:cNvSpPr txBox="1"/>
+          <p:nvPr/>
+        </p:nvSpPr>
+        <p:spPr>
+          <a:xfrm>
+            <a:off x="175971" y="189457"/>
+            <a:ext cx="11177451" cy="707886"/>
+          </a:xfrm>
+          <a:prstGeom prst="rect">
+            <a:avLst/>
+          </a:prstGeom>
+          <a:noFill/>
+        </p:spPr>
+        <p:txBody>
+          <a:bodyPr wrap="square" rtlCol="0">
+            <a:spAutoFit/>
+          </a:bodyPr>
+          <a:lstStyle/>
+          <a:p>
+            <a:r>
+              <a:rPr lang="pt-BR" sz="4000" dirty="0"/>
+              <a:t>Listar “</a:t>
+            </a:r>
+            <a:r>
+              <a:rPr lang="pt-BR" sz="4000" dirty="0" err="1"/>
+              <a:t>tenants</a:t>
+            </a:r>
+            <a:r>
+              <a:rPr lang="pt-BR" sz="4000" dirty="0"/>
+              <a:t>” (Ambientes) Logados</a:t>
+            </a:r>
+          </a:p>
+        </p:txBody>
+      </p:sp>
+      <p:sp>
+        <p:nvSpPr>
+          <p:cNvPr id="12" name="CaixaDeTexto 11">
+            <a:extLst>
+              <a:ext uri="{FF2B5EF4-FFF2-40B4-BE49-F238E27FC236}">
+                <a16:creationId xmlns:a16="http://schemas.microsoft.com/office/drawing/2014/main" id="{96284F2F-1BC5-6C03-CF3D-F44572544078}"/>
+              </a:ext>
+            </a:extLst>
+          </p:cNvPr>
+          <p:cNvSpPr txBox="1"/>
+          <p:nvPr/>
+        </p:nvSpPr>
+        <p:spPr>
+          <a:xfrm>
+            <a:off x="175971" y="973106"/>
+            <a:ext cx="10853531" cy="369332"/>
+          </a:xfrm>
+          <a:prstGeom prst="rect">
+            <a:avLst/>
+          </a:prstGeom>
+          <a:noFill/>
+        </p:spPr>
+        <p:txBody>
+          <a:bodyPr wrap="square" rtlCol="0">
+            <a:spAutoFit/>
+          </a:bodyPr>
+          <a:lstStyle/>
+          <a:p>
+            <a:r>
+              <a:rPr lang="pt-BR" dirty="0"/>
+              <a:t>Para saber quais “</a:t>
+            </a:r>
+            <a:r>
+              <a:rPr lang="pt-BR" dirty="0" err="1"/>
+              <a:t>tenants</a:t>
+            </a:r>
+            <a:r>
+              <a:rPr lang="pt-BR" dirty="0"/>
+              <a:t>” você está logado use o comando </a:t>
+            </a:r>
+            <a:r>
+              <a:rPr lang="pt-BR" dirty="0" err="1">
+                <a:solidFill>
+                  <a:schemeClr val="bg1"/>
+                </a:solidFill>
+                <a:highlight>
+                  <a:srgbClr val="0000FF"/>
+                </a:highlight>
+              </a:rPr>
+              <a:t>qlik</a:t>
+            </a:r>
+            <a:r>
+              <a:rPr lang="pt-BR" dirty="0">
+                <a:solidFill>
+                  <a:schemeClr val="bg1"/>
+                </a:solidFill>
+                <a:highlight>
+                  <a:srgbClr val="0000FF"/>
+                </a:highlight>
+              </a:rPr>
+              <a:t> </a:t>
+            </a:r>
+            <a:r>
+              <a:rPr lang="pt-BR" dirty="0" err="1">
+                <a:solidFill>
+                  <a:schemeClr val="bg1"/>
+                </a:solidFill>
+                <a:highlight>
+                  <a:srgbClr val="0000FF"/>
+                </a:highlight>
+              </a:rPr>
+              <a:t>context</a:t>
+            </a:r>
+            <a:r>
+              <a:rPr lang="pt-BR" dirty="0">
+                <a:solidFill>
+                  <a:schemeClr val="bg1"/>
+                </a:solidFill>
+                <a:highlight>
+                  <a:srgbClr val="0000FF"/>
+                </a:highlight>
+              </a:rPr>
+              <a:t> </a:t>
+            </a:r>
+            <a:r>
+              <a:rPr lang="pt-BR" dirty="0" err="1">
+                <a:solidFill>
+                  <a:schemeClr val="bg1"/>
+                </a:solidFill>
+                <a:highlight>
+                  <a:srgbClr val="0000FF"/>
+                </a:highlight>
+              </a:rPr>
+              <a:t>ls</a:t>
+            </a:r>
+            <a:endParaRPr lang="pt-BR" dirty="0">
+              <a:solidFill>
+                <a:schemeClr val="bg1"/>
+              </a:solidFill>
+              <a:highlight>
+                <a:srgbClr val="0000FF"/>
+              </a:highlight>
+            </a:endParaRPr>
+          </a:p>
+        </p:txBody>
+      </p:sp>
+      <p:sp>
+        <p:nvSpPr>
+          <p:cNvPr id="13" name="CaixaDeTexto 12">
+            <a:extLst>
+              <a:ext uri="{FF2B5EF4-FFF2-40B4-BE49-F238E27FC236}">
+                <a16:creationId xmlns:a16="http://schemas.microsoft.com/office/drawing/2014/main" id="{0195AAA1-DF30-2EC4-B068-DA9E202CF641}"/>
+              </a:ext>
+            </a:extLst>
+          </p:cNvPr>
+          <p:cNvSpPr txBox="1"/>
+          <p:nvPr/>
+        </p:nvSpPr>
+        <p:spPr>
+          <a:xfrm>
+            <a:off x="175970" y="2260685"/>
+            <a:ext cx="11671473" cy="369332"/>
+          </a:xfrm>
+          <a:prstGeom prst="rect">
+            <a:avLst/>
+          </a:prstGeom>
+          <a:noFill/>
+        </p:spPr>
+        <p:txBody>
+          <a:bodyPr wrap="square" rtlCol="0">
+            <a:spAutoFit/>
+          </a:bodyPr>
+          <a:lstStyle/>
+          <a:p>
+            <a:r>
+              <a:rPr lang="pt-BR" dirty="0"/>
+              <a:t>Observe que a coluna “</a:t>
+            </a:r>
+            <a:r>
+              <a:rPr lang="pt-BR" dirty="0" err="1"/>
+              <a:t>Current</a:t>
+            </a:r>
+            <a:r>
+              <a:rPr lang="pt-BR" dirty="0"/>
+              <a:t>” não está preenchida, use o comando </a:t>
+            </a:r>
+            <a:r>
+              <a:rPr lang="pt-BR" dirty="0" err="1">
+                <a:solidFill>
+                  <a:schemeClr val="bg1"/>
+                </a:solidFill>
+                <a:highlight>
+                  <a:srgbClr val="0000FF"/>
+                </a:highlight>
+              </a:rPr>
+              <a:t>qlik</a:t>
+            </a:r>
+            <a:r>
+              <a:rPr lang="pt-BR" dirty="0">
+                <a:solidFill>
+                  <a:schemeClr val="bg1"/>
+                </a:solidFill>
+                <a:highlight>
+                  <a:srgbClr val="0000FF"/>
+                </a:highlight>
+              </a:rPr>
+              <a:t> </a:t>
+            </a:r>
+            <a:r>
+              <a:rPr lang="pt-BR" dirty="0" err="1">
+                <a:solidFill>
+                  <a:schemeClr val="bg1"/>
+                </a:solidFill>
+                <a:highlight>
+                  <a:srgbClr val="0000FF"/>
+                </a:highlight>
+              </a:rPr>
+              <a:t>context</a:t>
+            </a:r>
+            <a:r>
+              <a:rPr lang="pt-BR" dirty="0">
+                <a:solidFill>
+                  <a:schemeClr val="bg1"/>
+                </a:solidFill>
+                <a:highlight>
+                  <a:srgbClr val="0000FF"/>
+                </a:highlight>
+              </a:rPr>
+              <a:t> use xxxx.us.qlikcloud.com</a:t>
+            </a:r>
+          </a:p>
+        </p:txBody>
+      </p:sp>
+      <p:sp>
+        <p:nvSpPr>
+          <p:cNvPr id="17" name="CaixaDeTexto 16">
+            <a:extLst>
+              <a:ext uri="{FF2B5EF4-FFF2-40B4-BE49-F238E27FC236}">
+                <a16:creationId xmlns:a16="http://schemas.microsoft.com/office/drawing/2014/main" id="{67341BD2-FD3E-BD6E-94E2-EE4F06BB0562}"/>
+              </a:ext>
+            </a:extLst>
+          </p:cNvPr>
+          <p:cNvSpPr txBox="1"/>
+          <p:nvPr/>
+        </p:nvSpPr>
+        <p:spPr>
+          <a:xfrm>
+            <a:off x="175969" y="3624027"/>
+            <a:ext cx="11403496" cy="369332"/>
+          </a:xfrm>
+          <a:prstGeom prst="rect">
+            <a:avLst/>
+          </a:prstGeom>
+          <a:noFill/>
+        </p:spPr>
+        <p:txBody>
+          <a:bodyPr wrap="square" rtlCol="0">
+            <a:spAutoFit/>
+          </a:bodyPr>
+          <a:lstStyle/>
+          <a:p>
+            <a:r>
+              <a:rPr lang="pt-BR" dirty="0"/>
+              <a:t>Agora se usarmos o comando </a:t>
+            </a:r>
+            <a:r>
+              <a:rPr lang="pt-BR" dirty="0" err="1">
+                <a:solidFill>
+                  <a:schemeClr val="bg1"/>
+                </a:solidFill>
+                <a:highlight>
+                  <a:srgbClr val="0000FF"/>
+                </a:highlight>
+              </a:rPr>
+              <a:t>qlik</a:t>
+            </a:r>
+            <a:r>
+              <a:rPr lang="pt-BR" dirty="0">
+                <a:solidFill>
+                  <a:schemeClr val="bg1"/>
+                </a:solidFill>
+                <a:highlight>
+                  <a:srgbClr val="0000FF"/>
+                </a:highlight>
+              </a:rPr>
+              <a:t> </a:t>
+            </a:r>
+            <a:r>
+              <a:rPr lang="pt-BR" dirty="0" err="1">
+                <a:solidFill>
+                  <a:schemeClr val="bg1"/>
+                </a:solidFill>
+                <a:highlight>
+                  <a:srgbClr val="0000FF"/>
+                </a:highlight>
+              </a:rPr>
+              <a:t>context</a:t>
+            </a:r>
+            <a:r>
+              <a:rPr lang="pt-BR" dirty="0">
+                <a:solidFill>
+                  <a:schemeClr val="bg1"/>
+                </a:solidFill>
+                <a:highlight>
+                  <a:srgbClr val="0000FF"/>
+                </a:highlight>
+              </a:rPr>
+              <a:t> </a:t>
+            </a:r>
+            <a:r>
+              <a:rPr lang="pt-BR" dirty="0" err="1">
+                <a:solidFill>
+                  <a:schemeClr val="bg1"/>
+                </a:solidFill>
+                <a:highlight>
+                  <a:srgbClr val="0000FF"/>
+                </a:highlight>
+              </a:rPr>
+              <a:t>ls</a:t>
+            </a:r>
+            <a:r>
+              <a:rPr lang="pt-BR" dirty="0">
+                <a:solidFill>
+                  <a:schemeClr val="bg1"/>
+                </a:solidFill>
+              </a:rPr>
+              <a:t> </a:t>
+            </a:r>
+            <a:r>
+              <a:rPr lang="pt-BR" dirty="0"/>
+              <a:t>teremos</a:t>
+            </a:r>
+            <a:r>
+              <a:rPr lang="pt-BR" dirty="0">
+                <a:solidFill>
+                  <a:schemeClr val="bg1"/>
+                </a:solidFill>
+              </a:rPr>
+              <a:t> </a:t>
+            </a:r>
+            <a:r>
+              <a:rPr lang="pt-BR" dirty="0"/>
+              <a:t>o</a:t>
+            </a:r>
+            <a:r>
+              <a:rPr lang="pt-BR" dirty="0">
+                <a:solidFill>
+                  <a:schemeClr val="bg1"/>
+                </a:solidFill>
+              </a:rPr>
+              <a:t> </a:t>
+            </a:r>
+            <a:r>
+              <a:rPr lang="pt-BR" dirty="0"/>
+              <a:t>resultado abaixo, já com o campo “</a:t>
+            </a:r>
+            <a:r>
+              <a:rPr lang="pt-BR" dirty="0" err="1"/>
+              <a:t>Current</a:t>
+            </a:r>
+            <a:r>
+              <a:rPr lang="pt-BR" dirty="0"/>
+              <a:t>” preenchido:</a:t>
+            </a:r>
+          </a:p>
+        </p:txBody>
+      </p:sp>
+      <p:pic>
+        <p:nvPicPr>
+          <p:cNvPr id="9" name="Imagem 8">
+            <a:extLst>
+              <a:ext uri="{FF2B5EF4-FFF2-40B4-BE49-F238E27FC236}">
+                <a16:creationId xmlns:a16="http://schemas.microsoft.com/office/drawing/2014/main" id="{DB786C8C-3C2B-F11F-D740-1694229F7BCB}"/>
+              </a:ext>
+            </a:extLst>
+          </p:cNvPr>
+          <p:cNvPicPr>
+            <a:picLocks noChangeAspect="1"/>
+          </p:cNvPicPr>
+          <p:nvPr/>
+        </p:nvPicPr>
+        <p:blipFill>
+          <a:blip r:embed="rId2"/>
+          <a:stretch>
+            <a:fillRect/>
+          </a:stretch>
+        </p:blipFill>
+        <p:spPr>
+          <a:xfrm>
+            <a:off x="175969" y="3952446"/>
+            <a:ext cx="6981825" cy="962025"/>
+          </a:xfrm>
+          <a:prstGeom prst="rect">
+            <a:avLst/>
+          </a:prstGeom>
+        </p:spPr>
+      </p:pic>
+      <p:pic>
+        <p:nvPicPr>
+          <p:cNvPr id="19" name="Imagem 18">
+            <a:extLst>
+              <a:ext uri="{FF2B5EF4-FFF2-40B4-BE49-F238E27FC236}">
+                <a16:creationId xmlns:a16="http://schemas.microsoft.com/office/drawing/2014/main" id="{C81B51FE-D556-4BF2-9144-230712B0AE56}"/>
+              </a:ext>
+            </a:extLst>
+          </p:cNvPr>
+          <p:cNvPicPr>
+            <a:picLocks noChangeAspect="1"/>
+          </p:cNvPicPr>
+          <p:nvPr/>
+        </p:nvPicPr>
+        <p:blipFill>
+          <a:blip r:embed="rId3"/>
+          <a:stretch>
+            <a:fillRect/>
+          </a:stretch>
+        </p:blipFill>
+        <p:spPr>
+          <a:xfrm>
+            <a:off x="175971" y="1304631"/>
+            <a:ext cx="6848475" cy="990600"/>
+          </a:xfrm>
+          <a:prstGeom prst="rect">
+            <a:avLst/>
+          </a:prstGeom>
+        </p:spPr>
+      </p:pic>
+      <p:sp>
+        <p:nvSpPr>
+          <p:cNvPr id="25" name="CaixaDeTexto 24">
+            <a:extLst>
+              <a:ext uri="{FF2B5EF4-FFF2-40B4-BE49-F238E27FC236}">
+                <a16:creationId xmlns:a16="http://schemas.microsoft.com/office/drawing/2014/main" id="{8345AAD8-677D-B2B1-3004-EE0FE3A9CBEF}"/>
+              </a:ext>
+            </a:extLst>
+          </p:cNvPr>
+          <p:cNvSpPr txBox="1"/>
+          <p:nvPr/>
+        </p:nvSpPr>
+        <p:spPr>
+          <a:xfrm>
+            <a:off x="2199861" y="5007731"/>
+            <a:ext cx="9051235" cy="1477328"/>
+          </a:xfrm>
+          <a:prstGeom prst="rect">
+            <a:avLst/>
+          </a:prstGeom>
+          <a:noFill/>
+          <a:ln w="38100">
+            <a:solidFill>
+              <a:srgbClr val="0070C0"/>
+            </a:solidFill>
+          </a:ln>
+        </p:spPr>
+        <p:txBody>
+          <a:bodyPr wrap="square" rtlCol="0">
+            <a:spAutoFit/>
+          </a:bodyPr>
+          <a:lstStyle/>
+          <a:p>
+            <a:r>
+              <a:rPr lang="pt-BR" dirty="0">
+                <a:solidFill>
+                  <a:schemeClr val="bg1"/>
+                </a:solidFill>
+                <a:highlight>
+                  <a:srgbClr val="0000FF"/>
+                </a:highlight>
+              </a:rPr>
+              <a:t>Comando(s) Usado(s) aqui:</a:t>
+            </a:r>
+          </a:p>
+          <a:p>
+            <a:endParaRPr lang="pt-BR" dirty="0">
+              <a:solidFill>
+                <a:schemeClr val="bg1"/>
+              </a:solidFill>
+              <a:highlight>
+                <a:srgbClr val="0000FF"/>
+              </a:highlight>
+            </a:endParaRPr>
+          </a:p>
+          <a:p>
+            <a:r>
+              <a:rPr lang="pt-BR" dirty="0" err="1"/>
+              <a:t>qlik</a:t>
+            </a:r>
+            <a:r>
+              <a:rPr lang="pt-BR" dirty="0"/>
+              <a:t> </a:t>
+            </a:r>
+            <a:r>
+              <a:rPr lang="pt-BR" dirty="0" err="1"/>
+              <a:t>context</a:t>
+            </a:r>
+            <a:r>
+              <a:rPr lang="pt-BR" dirty="0"/>
+              <a:t> </a:t>
+            </a:r>
+            <a:r>
+              <a:rPr lang="pt-BR" dirty="0" err="1"/>
+              <a:t>init</a:t>
+            </a:r>
+            <a:endParaRPr lang="pt-BR" dirty="0"/>
+          </a:p>
+          <a:p>
+            <a:r>
+              <a:rPr lang="pt-BR" dirty="0" err="1"/>
+              <a:t>qlik</a:t>
+            </a:r>
+            <a:r>
+              <a:rPr lang="pt-BR" dirty="0"/>
+              <a:t> </a:t>
+            </a:r>
+            <a:r>
+              <a:rPr lang="pt-BR" dirty="0" err="1"/>
+              <a:t>context</a:t>
+            </a:r>
+            <a:r>
+              <a:rPr lang="pt-BR" dirty="0"/>
+              <a:t> </a:t>
+            </a:r>
+            <a:r>
+              <a:rPr lang="pt-BR" dirty="0" err="1"/>
+              <a:t>ls</a:t>
+            </a:r>
+            <a:endParaRPr lang="pt-BR" dirty="0"/>
+          </a:p>
+          <a:p>
+            <a:r>
+              <a:rPr lang="pt-BR" dirty="0" err="1"/>
+              <a:t>qlik</a:t>
+            </a:r>
+            <a:r>
+              <a:rPr lang="pt-BR" dirty="0"/>
+              <a:t> </a:t>
+            </a:r>
+            <a:r>
+              <a:rPr lang="pt-BR" dirty="0" err="1"/>
+              <a:t>context</a:t>
+            </a:r>
+            <a:r>
+              <a:rPr lang="pt-BR" dirty="0"/>
+              <a:t> use xxxx.us.qlikcloud.com 	</a:t>
+            </a:r>
+          </a:p>
+        </p:txBody>
+      </p:sp>
+      <p:pic>
+        <p:nvPicPr>
+          <p:cNvPr id="26" name="Imagem 25">
+            <a:extLst>
+              <a:ext uri="{FF2B5EF4-FFF2-40B4-BE49-F238E27FC236}">
+                <a16:creationId xmlns:a16="http://schemas.microsoft.com/office/drawing/2014/main" id="{041EF441-CBB5-8436-7645-DF1E914E703A}"/>
+              </a:ext>
+            </a:extLst>
+          </p:cNvPr>
+          <p:cNvPicPr>
+            <a:picLocks noChangeAspect="1"/>
+          </p:cNvPicPr>
+          <p:nvPr/>
+        </p:nvPicPr>
+        <p:blipFill>
+          <a:blip r:embed="rId4"/>
+          <a:stretch>
+            <a:fillRect/>
+          </a:stretch>
+        </p:blipFill>
+        <p:spPr>
+          <a:xfrm>
+            <a:off x="175969" y="2596802"/>
+            <a:ext cx="7943850" cy="981075"/>
+          </a:xfrm>
+          <a:prstGeom prst="rect">
+            <a:avLst/>
+          </a:prstGeom>
+        </p:spPr>
+      </p:pic>
+    </p:spTree>
+    <p:extLst>
+      <p:ext uri="{BB962C8B-B14F-4D97-AF65-F5344CB8AC3E}">
+        <p14:creationId xmlns:p14="http://schemas.microsoft.com/office/powerpoint/2010/main" val="1950955026"/>
+      </p:ext>
+    </p:extLst>
+  </p:cSld>
+  <p:clrMapOvr>
+    <a:masterClrMapping/>
+  </p:clrMapOvr>
+</p:sld>
+</file>
+
+<file path=ppt/slides/slide12.xml><?xml version="1.0" encoding="utf-8"?>
+<p:sld xmlns:a="http://schemas.openxmlformats.org/drawingml/2006/main" xmlns:r="http://schemas.openxmlformats.org/officeDocument/2006/relationships" xmlns:p="http://schemas.openxmlformats.org/presentationml/2006/main">
+  <p:cSld>
+    <p:spTree>
+      <p:nvGrpSpPr>
+        <p:cNvPr id="1" name=""/>
+        <p:cNvGrpSpPr/>
+        <p:nvPr/>
+      </p:nvGrpSpPr>
+      <p:grpSpPr>
+        <a:xfrm>
+          <a:off x="0" y="0"/>
+          <a:ext cx="0" cy="0"/>
+          <a:chOff x="0" y="0"/>
+          <a:chExt cx="0" cy="0"/>
+        </a:xfrm>
+      </p:grpSpPr>
+      <p:sp>
+        <p:nvSpPr>
+          <p:cNvPr id="2" name="CaixaDeTexto 1">
+            <a:extLst>
+              <a:ext uri="{FF2B5EF4-FFF2-40B4-BE49-F238E27FC236}">
+                <a16:creationId xmlns:a16="http://schemas.microsoft.com/office/drawing/2014/main" id="{A771A156-4D14-EB44-E0A8-5DDC603ADB4C}"/>
+              </a:ext>
+            </a:extLst>
+          </p:cNvPr>
+          <p:cNvSpPr txBox="1"/>
+          <p:nvPr/>
+        </p:nvSpPr>
+        <p:spPr>
+          <a:xfrm>
+            <a:off x="175971" y="189457"/>
+            <a:ext cx="11177451" cy="707886"/>
+          </a:xfrm>
+          <a:prstGeom prst="rect">
+            <a:avLst/>
+          </a:prstGeom>
+          <a:noFill/>
+        </p:spPr>
+        <p:txBody>
+          <a:bodyPr wrap="square" rtlCol="0">
+            <a:spAutoFit/>
+          </a:bodyPr>
+          <a:lstStyle/>
+          <a:p>
+            <a:r>
+              <a:rPr lang="pt-BR" sz="4000" dirty="0"/>
+              <a:t>Links de Apoio</a:t>
+            </a:r>
+          </a:p>
+        </p:txBody>
+      </p:sp>
+      <p:sp>
+        <p:nvSpPr>
+          <p:cNvPr id="4" name="CaixaDeTexto 3">
+            <a:extLst>
+              <a:ext uri="{FF2B5EF4-FFF2-40B4-BE49-F238E27FC236}">
+                <a16:creationId xmlns:a16="http://schemas.microsoft.com/office/drawing/2014/main" id="{C1C610E1-596D-1393-1198-C66C9D2E66BA}"/>
+              </a:ext>
+            </a:extLst>
+          </p:cNvPr>
+          <p:cNvSpPr txBox="1"/>
+          <p:nvPr/>
+        </p:nvSpPr>
+        <p:spPr>
+          <a:xfrm>
+            <a:off x="530086" y="1724153"/>
+            <a:ext cx="11177452" cy="5078313"/>
+          </a:xfrm>
+          <a:prstGeom prst="rect">
+            <a:avLst/>
+          </a:prstGeom>
+          <a:noFill/>
+        </p:spPr>
+        <p:txBody>
+          <a:bodyPr wrap="square">
+            <a:spAutoFit/>
+          </a:bodyPr>
+          <a:lstStyle/>
+          <a:p>
+            <a:pPr>
+              <a:buFont typeface="Arial" panose="020B0604020202020204" pitchFamily="34" charset="0"/>
+              <a:buChar char="•"/>
+            </a:pPr>
+            <a:r>
+              <a:rPr lang="pt-BR" b="1" dirty="0">
+                <a:solidFill>
+                  <a:srgbClr val="24292F"/>
+                </a:solidFill>
+                <a:highlight>
+                  <a:srgbClr val="FFFF00"/>
+                </a:highlight>
+                <a:latin typeface="-apple-system"/>
+              </a:rPr>
+              <a:t>Repositório deste curso no GitHub </a:t>
+            </a:r>
+            <a:r>
+              <a:rPr lang="pt-BR" dirty="0">
+                <a:solidFill>
+                  <a:srgbClr val="24292F"/>
+                </a:solidFill>
+                <a:highlight>
+                  <a:srgbClr val="FFFF00"/>
+                </a:highlight>
+                <a:latin typeface="-apple-system"/>
+              </a:rPr>
+              <a:t>- </a:t>
+            </a:r>
+            <a:r>
+              <a:rPr lang="pt-BR" dirty="0">
+                <a:solidFill>
+                  <a:srgbClr val="24292F"/>
+                </a:solidFill>
+                <a:highlight>
+                  <a:srgbClr val="FFFF00"/>
+                </a:highlight>
+                <a:latin typeface="-apple-system"/>
+                <a:hlinkClick r:id="rId2"/>
+              </a:rPr>
+              <a:t>https://github.com/digaosss70/qlik-api-exemplos</a:t>
+            </a:r>
+            <a:endParaRPr lang="pt-BR" dirty="0">
+              <a:solidFill>
+                <a:srgbClr val="24292F"/>
+              </a:solidFill>
+              <a:highlight>
+                <a:srgbClr val="FFFF00"/>
+              </a:highlight>
+              <a:latin typeface="-apple-system"/>
+            </a:endParaRPr>
+          </a:p>
+          <a:p>
+            <a:pPr>
+              <a:buFont typeface="Arial" panose="020B0604020202020204" pitchFamily="34" charset="0"/>
+              <a:buChar char="•"/>
+            </a:pPr>
+            <a:endParaRPr lang="pt-BR" b="1" dirty="0">
+              <a:solidFill>
+                <a:srgbClr val="24292F"/>
+              </a:solidFill>
+              <a:highlight>
+                <a:srgbClr val="FFFF00"/>
+              </a:highlight>
+              <a:latin typeface="-apple-system"/>
+            </a:endParaRPr>
+          </a:p>
+          <a:p>
+            <a:pPr>
+              <a:buFont typeface="Arial" panose="020B0604020202020204" pitchFamily="34" charset="0"/>
+              <a:buChar char="•"/>
+            </a:pPr>
+            <a:r>
+              <a:rPr lang="pt-BR" b="1" dirty="0">
+                <a:solidFill>
+                  <a:srgbClr val="24292F"/>
+                </a:solidFill>
+                <a:highlight>
+                  <a:srgbClr val="C0C0C0"/>
+                </a:highlight>
+                <a:latin typeface="-apple-system"/>
+              </a:rPr>
+              <a:t>Meu Repositório </a:t>
+            </a:r>
+            <a:r>
+              <a:rPr lang="pt-BR" b="1" dirty="0" err="1">
+                <a:solidFill>
+                  <a:srgbClr val="24292F"/>
+                </a:solidFill>
+                <a:highlight>
+                  <a:srgbClr val="C0C0C0"/>
+                </a:highlight>
+                <a:latin typeface="-apple-system"/>
+              </a:rPr>
+              <a:t>Qlik-Cli</a:t>
+            </a:r>
+            <a:r>
+              <a:rPr lang="pt-BR" b="1" dirty="0">
+                <a:solidFill>
+                  <a:srgbClr val="24292F"/>
+                </a:solidFill>
+                <a:highlight>
+                  <a:srgbClr val="C0C0C0"/>
+                </a:highlight>
+                <a:latin typeface="-apple-system"/>
+              </a:rPr>
+              <a:t> no GitHub </a:t>
+            </a:r>
+            <a:r>
+              <a:rPr lang="pt-BR" dirty="0">
+                <a:solidFill>
+                  <a:srgbClr val="24292F"/>
+                </a:solidFill>
+                <a:highlight>
+                  <a:srgbClr val="C0C0C0"/>
+                </a:highlight>
+                <a:latin typeface="-apple-system"/>
+              </a:rPr>
+              <a:t>- </a:t>
+            </a:r>
+            <a:r>
+              <a:rPr lang="pt-BR" dirty="0">
+                <a:solidFill>
+                  <a:srgbClr val="24292F"/>
+                </a:solidFill>
+                <a:highlight>
+                  <a:srgbClr val="C0C0C0"/>
+                </a:highlight>
+                <a:latin typeface="-apple-system"/>
+                <a:hlinkClick r:id="rId3"/>
+              </a:rPr>
+              <a:t>https://github.com/digaosss70/Qlik-Cli</a:t>
+            </a:r>
+            <a:endParaRPr lang="pt-BR" dirty="0">
+              <a:solidFill>
+                <a:srgbClr val="24292F"/>
+              </a:solidFill>
+              <a:highlight>
+                <a:srgbClr val="C0C0C0"/>
+              </a:highlight>
+              <a:latin typeface="-apple-system"/>
+            </a:endParaRPr>
+          </a:p>
+          <a:p>
+            <a:pPr>
+              <a:buFont typeface="Arial" panose="020B0604020202020204" pitchFamily="34" charset="0"/>
+              <a:buChar char="•"/>
+            </a:pPr>
+            <a:endParaRPr lang="pt-BR" b="0" i="0" dirty="0">
+              <a:solidFill>
+                <a:srgbClr val="24292F"/>
+              </a:solidFill>
+              <a:effectLst/>
+              <a:latin typeface="-apple-system"/>
+            </a:endParaRPr>
+          </a:p>
+          <a:p>
+            <a:pPr algn="l">
+              <a:buFont typeface="Arial" panose="020B0604020202020204" pitchFamily="34" charset="0"/>
+              <a:buChar char="•"/>
+            </a:pPr>
+            <a:r>
+              <a:rPr lang="pt-BR" b="1" i="0" dirty="0" err="1">
+                <a:solidFill>
+                  <a:srgbClr val="24292F"/>
+                </a:solidFill>
+                <a:effectLst/>
+                <a:latin typeface="-apple-system"/>
+              </a:rPr>
+              <a:t>Qlikdev</a:t>
+            </a:r>
+            <a:r>
+              <a:rPr lang="pt-BR" b="0" i="0" dirty="0">
+                <a:solidFill>
+                  <a:srgbClr val="24292F"/>
+                </a:solidFill>
+                <a:effectLst/>
+                <a:latin typeface="-apple-system"/>
+              </a:rPr>
+              <a:t> - Outras ferramentas e tutoriais estão disponíveis aqui: </a:t>
+            </a:r>
+            <a:r>
+              <a:rPr lang="pt-BR" b="0" i="0" u="none" strike="noStrike" dirty="0">
+                <a:solidFill>
+                  <a:srgbClr val="24292F"/>
+                </a:solidFill>
+                <a:effectLst/>
+                <a:latin typeface="-apple-system"/>
+                <a:hlinkClick r:id="rId4"/>
+              </a:rPr>
+              <a:t>https://qlik.dev/</a:t>
+            </a:r>
+            <a:endParaRPr lang="pt-BR" b="0" i="0" u="none" strike="noStrike" dirty="0">
+              <a:solidFill>
+                <a:srgbClr val="24292F"/>
+              </a:solidFill>
+              <a:effectLst/>
+              <a:latin typeface="-apple-system"/>
+            </a:endParaRPr>
+          </a:p>
+          <a:p>
+            <a:pPr algn="l">
+              <a:buFont typeface="Arial" panose="020B0604020202020204" pitchFamily="34" charset="0"/>
+              <a:buChar char="•"/>
+            </a:pPr>
+            <a:endParaRPr lang="pt-BR" b="0" i="0" dirty="0">
+              <a:solidFill>
+                <a:srgbClr val="24292F"/>
+              </a:solidFill>
+              <a:effectLst/>
+              <a:latin typeface="-apple-system"/>
+            </a:endParaRPr>
+          </a:p>
+          <a:p>
+            <a:pPr algn="l">
+              <a:buFont typeface="Arial" panose="020B0604020202020204" pitchFamily="34" charset="0"/>
+              <a:buChar char="•"/>
+            </a:pPr>
+            <a:r>
+              <a:rPr lang="pt-BR" b="1" i="0" dirty="0" err="1">
+                <a:solidFill>
+                  <a:srgbClr val="24292F"/>
+                </a:solidFill>
+                <a:effectLst/>
+                <a:latin typeface="-apple-system"/>
+              </a:rPr>
+              <a:t>Qlik-cli</a:t>
+            </a:r>
+            <a:r>
+              <a:rPr lang="pt-BR" b="0" i="0" dirty="0">
+                <a:solidFill>
+                  <a:srgbClr val="24292F"/>
+                </a:solidFill>
+                <a:effectLst/>
+                <a:latin typeface="-apple-system"/>
+              </a:rPr>
+              <a:t> - Documentação específica do </a:t>
+            </a:r>
+            <a:r>
+              <a:rPr lang="pt-BR" b="0" i="0" dirty="0" err="1">
+                <a:solidFill>
+                  <a:srgbClr val="24292F"/>
+                </a:solidFill>
+                <a:effectLst/>
+                <a:latin typeface="-apple-system"/>
+              </a:rPr>
+              <a:t>Qlik-Cli</a:t>
+            </a:r>
+            <a:r>
+              <a:rPr lang="pt-BR" b="0" i="0" dirty="0">
+                <a:solidFill>
+                  <a:srgbClr val="24292F"/>
+                </a:solidFill>
+                <a:effectLst/>
+                <a:latin typeface="-apple-system"/>
+              </a:rPr>
+              <a:t>: </a:t>
+            </a:r>
+            <a:r>
+              <a:rPr lang="pt-BR" b="0" i="0" u="none" strike="noStrike" dirty="0">
+                <a:solidFill>
+                  <a:srgbClr val="24292F"/>
+                </a:solidFill>
+                <a:effectLst/>
+                <a:latin typeface="-apple-system"/>
+                <a:hlinkClick r:id="rId5"/>
+              </a:rPr>
+              <a:t>https://qlik.dev/libraries-and-tools/qlik-cli</a:t>
+            </a:r>
+            <a:endParaRPr lang="pt-BR" b="0" i="0" u="none" strike="noStrike" dirty="0">
+              <a:solidFill>
+                <a:srgbClr val="24292F"/>
+              </a:solidFill>
+              <a:effectLst/>
+              <a:latin typeface="-apple-system"/>
+            </a:endParaRPr>
+          </a:p>
+          <a:p>
+            <a:pPr algn="l">
+              <a:buFont typeface="Arial" panose="020B0604020202020204" pitchFamily="34" charset="0"/>
+              <a:buChar char="•"/>
+            </a:pPr>
+            <a:endParaRPr lang="pt-BR" b="0" i="0" dirty="0">
+              <a:solidFill>
+                <a:srgbClr val="24292F"/>
+              </a:solidFill>
+              <a:effectLst/>
+              <a:latin typeface="-apple-system"/>
+            </a:endParaRPr>
+          </a:p>
+          <a:p>
+            <a:pPr algn="l">
+              <a:buFont typeface="Arial" panose="020B0604020202020204" pitchFamily="34" charset="0"/>
+              <a:buChar char="•"/>
+            </a:pPr>
+            <a:r>
+              <a:rPr lang="pt-BR" b="1" i="0" dirty="0" err="1">
+                <a:solidFill>
+                  <a:srgbClr val="24292F"/>
+                </a:solidFill>
+                <a:effectLst/>
+                <a:latin typeface="-apple-system"/>
+              </a:rPr>
+              <a:t>Chocolatey</a:t>
+            </a:r>
+            <a:r>
+              <a:rPr lang="pt-BR" b="0" i="0" dirty="0">
+                <a:solidFill>
+                  <a:srgbClr val="24292F"/>
+                </a:solidFill>
+                <a:effectLst/>
+                <a:latin typeface="-apple-system"/>
+              </a:rPr>
+              <a:t> - modulo de apoio para manutenção</a:t>
+            </a:r>
+            <a:r>
+              <a:rPr lang="pt-BR" dirty="0">
+                <a:solidFill>
+                  <a:srgbClr val="24292F"/>
+                </a:solidFill>
+                <a:latin typeface="-apple-system"/>
+              </a:rPr>
+              <a:t> </a:t>
+            </a:r>
+            <a:r>
+              <a:rPr lang="pt-BR" b="0" i="0" dirty="0">
+                <a:solidFill>
+                  <a:srgbClr val="24292F"/>
+                </a:solidFill>
+                <a:effectLst/>
+                <a:latin typeface="-apple-system"/>
+              </a:rPr>
+              <a:t>de módulos de linha de comando: </a:t>
+            </a:r>
+            <a:r>
+              <a:rPr lang="pt-BR" b="0" i="0" u="none" strike="noStrike" dirty="0">
+                <a:solidFill>
+                  <a:srgbClr val="24292F"/>
+                </a:solidFill>
+                <a:effectLst/>
+                <a:latin typeface="-apple-system"/>
+                <a:hlinkClick r:id="rId6"/>
+              </a:rPr>
+              <a:t>https://chocolatey.org/</a:t>
+            </a:r>
+            <a:endParaRPr lang="pt-BR" b="0" i="0" u="none" strike="noStrike" dirty="0">
+              <a:solidFill>
+                <a:srgbClr val="24292F"/>
+              </a:solidFill>
+              <a:effectLst/>
+              <a:latin typeface="-apple-system"/>
+            </a:endParaRPr>
+          </a:p>
+          <a:p>
+            <a:pPr algn="l">
+              <a:buFont typeface="Arial" panose="020B0604020202020204" pitchFamily="34" charset="0"/>
+              <a:buChar char="•"/>
+            </a:pPr>
+            <a:endParaRPr lang="pt-BR" b="0" i="0" u="none" strike="noStrike" dirty="0">
+              <a:solidFill>
+                <a:srgbClr val="24292F"/>
+              </a:solidFill>
+              <a:effectLst/>
+              <a:latin typeface="-apple-system"/>
+            </a:endParaRPr>
+          </a:p>
+          <a:p>
+            <a:pPr>
+              <a:buFont typeface="Arial" panose="020B0604020202020204" pitchFamily="34" charset="0"/>
+              <a:buChar char="•"/>
+            </a:pPr>
+            <a:r>
+              <a:rPr lang="pt-BR" b="1" i="0" dirty="0" err="1">
+                <a:solidFill>
+                  <a:srgbClr val="24292F"/>
+                </a:solidFill>
+                <a:effectLst/>
+                <a:latin typeface="-apple-system"/>
+              </a:rPr>
+              <a:t>Chocolatey</a:t>
+            </a:r>
+            <a:r>
+              <a:rPr lang="pt-BR" b="1" i="0" dirty="0">
+                <a:solidFill>
+                  <a:srgbClr val="24292F"/>
+                </a:solidFill>
+                <a:effectLst/>
+                <a:latin typeface="-apple-system"/>
+              </a:rPr>
+              <a:t> Instalação</a:t>
+            </a:r>
+            <a:r>
+              <a:rPr lang="pt-BR" b="0" i="0" dirty="0">
+                <a:solidFill>
+                  <a:srgbClr val="24292F"/>
+                </a:solidFill>
+                <a:effectLst/>
+                <a:latin typeface="-apple-system"/>
+              </a:rPr>
+              <a:t>: </a:t>
+            </a:r>
+            <a:r>
+              <a:rPr lang="pt-BR" b="0" i="0" dirty="0">
+                <a:solidFill>
+                  <a:srgbClr val="24292F"/>
+                </a:solidFill>
+                <a:effectLst/>
+                <a:latin typeface="-apple-system"/>
+                <a:hlinkClick r:id="rId3"/>
+              </a:rPr>
+              <a:t>https://chocolatey.org/install</a:t>
+            </a:r>
+            <a:endParaRPr lang="pt-BR" b="0" i="0" dirty="0">
+              <a:solidFill>
+                <a:srgbClr val="24292F"/>
+              </a:solidFill>
+              <a:effectLst/>
+              <a:latin typeface="-apple-system"/>
+            </a:endParaRPr>
+          </a:p>
+          <a:p>
+            <a:pPr>
+              <a:buFont typeface="Arial" panose="020B0604020202020204" pitchFamily="34" charset="0"/>
+              <a:buChar char="•"/>
+            </a:pPr>
+            <a:endParaRPr lang="pt-BR" b="0" i="0" dirty="0">
+              <a:solidFill>
+                <a:srgbClr val="24292F"/>
+              </a:solidFill>
+              <a:effectLst/>
+              <a:latin typeface="-apple-system"/>
+            </a:endParaRPr>
+          </a:p>
+          <a:p>
+            <a:pPr algn="l">
+              <a:buFont typeface="Arial" panose="020B0604020202020204" pitchFamily="34" charset="0"/>
+              <a:buChar char="•"/>
+            </a:pPr>
+            <a:r>
+              <a:rPr lang="pt-BR" b="1" i="0" dirty="0" err="1">
+                <a:solidFill>
+                  <a:srgbClr val="24292F"/>
+                </a:solidFill>
+                <a:effectLst/>
+                <a:latin typeface="-apple-system"/>
+              </a:rPr>
+              <a:t>Jq</a:t>
+            </a:r>
+            <a:r>
+              <a:rPr lang="pt-BR" b="0" i="0" dirty="0">
+                <a:solidFill>
+                  <a:srgbClr val="24292F"/>
+                </a:solidFill>
+                <a:effectLst/>
+                <a:latin typeface="-apple-system"/>
+              </a:rPr>
+              <a:t> - modulo para filtros</a:t>
+            </a:r>
+            <a:r>
+              <a:rPr lang="pt-BR" dirty="0">
+                <a:solidFill>
+                  <a:srgbClr val="24292F"/>
+                </a:solidFill>
+                <a:latin typeface="-apple-system"/>
+              </a:rPr>
+              <a:t> </a:t>
+            </a:r>
+            <a:r>
+              <a:rPr lang="pt-BR" b="0" i="0" dirty="0">
+                <a:solidFill>
+                  <a:srgbClr val="24292F"/>
+                </a:solidFill>
+                <a:effectLst/>
+                <a:latin typeface="-apple-system"/>
+              </a:rPr>
+              <a:t>no resultado para ferramentas, módulos de linha de comando: </a:t>
+            </a:r>
+            <a:r>
+              <a:rPr lang="pt-BR" b="0" i="0" u="none" strike="noStrike" dirty="0">
+                <a:solidFill>
+                  <a:srgbClr val="24292F"/>
+                </a:solidFill>
+                <a:effectLst/>
+                <a:latin typeface="-apple-system"/>
+                <a:hlinkClick r:id="rId7"/>
+              </a:rPr>
+              <a:t>https://stedolan.github.io/jq/</a:t>
+            </a:r>
+            <a:endParaRPr lang="pt-BR" b="0" i="0" u="none" strike="noStrike" dirty="0">
+              <a:solidFill>
+                <a:srgbClr val="24292F"/>
+              </a:solidFill>
+              <a:effectLst/>
+              <a:latin typeface="-apple-system"/>
+            </a:endParaRPr>
+          </a:p>
+          <a:p>
+            <a:pPr algn="l">
+              <a:buFont typeface="Arial" panose="020B0604020202020204" pitchFamily="34" charset="0"/>
+              <a:buChar char="•"/>
+            </a:pPr>
+            <a:endParaRPr lang="pt-BR" b="0" i="0" u="none" strike="noStrike" dirty="0">
+              <a:solidFill>
+                <a:srgbClr val="24292F"/>
+              </a:solidFill>
+              <a:effectLst/>
+              <a:latin typeface="-apple-system"/>
+            </a:endParaRPr>
+          </a:p>
+          <a:p>
+            <a:pPr>
+              <a:buFont typeface="Arial" panose="020B0604020202020204" pitchFamily="34" charset="0"/>
+              <a:buChar char="•"/>
+            </a:pPr>
+            <a:r>
+              <a:rPr lang="pt-BR" b="1" i="0" dirty="0" err="1">
+                <a:solidFill>
+                  <a:srgbClr val="24292F"/>
+                </a:solidFill>
+                <a:effectLst/>
+                <a:latin typeface="-apple-system"/>
+              </a:rPr>
+              <a:t>Jq</a:t>
+            </a:r>
+            <a:r>
+              <a:rPr lang="pt-BR" b="1" i="0" dirty="0">
+                <a:solidFill>
+                  <a:srgbClr val="24292F"/>
+                </a:solidFill>
+                <a:effectLst/>
+                <a:latin typeface="-apple-system"/>
+              </a:rPr>
+              <a:t> Instalação </a:t>
+            </a:r>
+            <a:r>
+              <a:rPr lang="pt-BR" b="0" i="0" dirty="0">
+                <a:solidFill>
+                  <a:srgbClr val="24292F"/>
+                </a:solidFill>
+                <a:effectLst/>
+                <a:latin typeface="-apple-system"/>
+              </a:rPr>
+              <a:t>-  </a:t>
+            </a:r>
+            <a:r>
+              <a:rPr lang="pt-BR" b="0" i="0" dirty="0">
+                <a:solidFill>
+                  <a:srgbClr val="24292F"/>
+                </a:solidFill>
+                <a:effectLst/>
+                <a:latin typeface="-apple-system"/>
+                <a:hlinkClick r:id="rId8"/>
+              </a:rPr>
+              <a:t>https://stedolan.github.io/jq/download/</a:t>
+            </a:r>
+            <a:endParaRPr lang="pt-BR" b="0" i="0" dirty="0">
+              <a:solidFill>
+                <a:srgbClr val="24292F"/>
+              </a:solidFill>
+              <a:effectLst/>
+              <a:latin typeface="-apple-system"/>
+            </a:endParaRPr>
+          </a:p>
+          <a:p>
+            <a:pPr>
+              <a:buFont typeface="Arial" panose="020B0604020202020204" pitchFamily="34" charset="0"/>
+              <a:buChar char="•"/>
+            </a:pPr>
+            <a:endParaRPr lang="pt-BR" dirty="0"/>
+          </a:p>
+          <a:p>
+            <a:pPr>
+              <a:buFont typeface="Arial" panose="020B0604020202020204" pitchFamily="34" charset="0"/>
+              <a:buChar char="•"/>
+            </a:pPr>
+            <a:r>
+              <a:rPr lang="pt-BR" b="1" i="0" dirty="0" err="1">
+                <a:solidFill>
+                  <a:srgbClr val="24292F"/>
+                </a:solidFill>
+                <a:effectLst/>
+                <a:latin typeface="-apple-system"/>
+              </a:rPr>
+              <a:t>PowerShell</a:t>
+            </a:r>
+            <a:r>
+              <a:rPr lang="pt-BR" b="1" i="0" dirty="0">
+                <a:solidFill>
+                  <a:srgbClr val="24292F"/>
+                </a:solidFill>
+                <a:effectLst/>
+                <a:latin typeface="-apple-system"/>
+              </a:rPr>
+              <a:t> Guia</a:t>
+            </a:r>
+            <a:r>
+              <a:rPr lang="pt-BR" b="0" i="0" dirty="0">
+                <a:solidFill>
+                  <a:srgbClr val="24292F"/>
+                </a:solidFill>
+                <a:effectLst/>
+                <a:latin typeface="-apple-system"/>
+              </a:rPr>
+              <a:t> - </a:t>
+            </a:r>
+            <a:r>
+              <a:rPr lang="pt-BR" b="0" i="0" dirty="0" err="1">
+                <a:solidFill>
+                  <a:srgbClr val="24292F"/>
+                </a:solidFill>
+                <a:effectLst/>
+                <a:latin typeface="-apple-system"/>
+              </a:rPr>
+              <a:t>Github</a:t>
+            </a:r>
+            <a:r>
+              <a:rPr lang="pt-BR" b="0" i="0" dirty="0">
+                <a:solidFill>
+                  <a:srgbClr val="24292F"/>
+                </a:solidFill>
+                <a:effectLst/>
+                <a:latin typeface="-apple-system"/>
+              </a:rPr>
+              <a:t> com guia sobre </a:t>
+            </a:r>
+            <a:r>
+              <a:rPr lang="pt-BR" b="0" i="0" dirty="0" err="1">
+                <a:solidFill>
+                  <a:srgbClr val="24292F"/>
+                </a:solidFill>
+                <a:effectLst/>
+                <a:latin typeface="-apple-system"/>
+              </a:rPr>
+              <a:t>PowerShell</a:t>
+            </a:r>
+            <a:r>
+              <a:rPr lang="pt-BR" b="0" i="0" dirty="0">
+                <a:solidFill>
+                  <a:srgbClr val="24292F"/>
+                </a:solidFill>
+                <a:effectLst/>
+                <a:latin typeface="-apple-system"/>
+              </a:rPr>
+              <a:t>: </a:t>
+            </a:r>
+            <a:r>
+              <a:rPr lang="pt-BR" b="0" i="0" u="none" strike="noStrike" dirty="0">
+                <a:solidFill>
+                  <a:srgbClr val="24292F"/>
+                </a:solidFill>
+                <a:effectLst/>
+                <a:latin typeface="-apple-system"/>
+                <a:hlinkClick r:id="rId9"/>
+              </a:rPr>
+              <a:t>https://github.com/danieldonda/PowerShell</a:t>
+            </a:r>
+            <a:endParaRPr lang="pt-BR" b="0" i="0" u="none" strike="noStrike" dirty="0">
+              <a:solidFill>
+                <a:srgbClr val="24292F"/>
+              </a:solidFill>
+              <a:effectLst/>
+              <a:latin typeface="-apple-system"/>
+            </a:endParaRPr>
+          </a:p>
+          <a:p>
+            <a:pPr algn="l">
+              <a:buFont typeface="Arial" panose="020B0604020202020204" pitchFamily="34" charset="0"/>
+              <a:buChar char="•"/>
+            </a:pPr>
+            <a:endParaRPr lang="pt-BR" dirty="0">
+              <a:solidFill>
+                <a:srgbClr val="24292F"/>
+              </a:solidFill>
+              <a:latin typeface="-apple-system"/>
+            </a:endParaRPr>
+          </a:p>
+        </p:txBody>
+      </p:sp>
+    </p:spTree>
+    <p:extLst>
+      <p:ext uri="{BB962C8B-B14F-4D97-AF65-F5344CB8AC3E}">
+        <p14:creationId xmlns:p14="http://schemas.microsoft.com/office/powerpoint/2010/main" val="3513321140"/>
+      </p:ext>
+    </p:extLst>
+  </p:cSld>
+  <p:clrMapOvr>
+    <a:masterClrMapping/>
+  </p:clrMapOvr>
+</p:sld>
+</file>
+
+<file path=ppt/slides/slide13.xml><?xml version="1.0" encoding="utf-8"?>
+<p:sld xmlns:a="http://schemas.openxmlformats.org/drawingml/2006/main" xmlns:r="http://schemas.openxmlformats.org/officeDocument/2006/relationships" xmlns:p="http://schemas.openxmlformats.org/presentationml/2006/main">
+  <p:cSld>
+    <p:spTree>
+      <p:nvGrpSpPr>
+        <p:cNvPr id="1" name=""/>
+        <p:cNvGrpSpPr/>
+        <p:nvPr/>
+      </p:nvGrpSpPr>
+      <p:grpSpPr>
+        <a:xfrm>
+          <a:off x="0" y="0"/>
+          <a:ext cx="0" cy="0"/>
+          <a:chOff x="0" y="0"/>
+          <a:chExt cx="0" cy="0"/>
+        </a:xfrm>
+      </p:grpSpPr>
+      <p:sp>
+        <p:nvSpPr>
+          <p:cNvPr id="10" name="CaixaDeTexto 9">
+            <a:extLst>
+              <a:ext uri="{FF2B5EF4-FFF2-40B4-BE49-F238E27FC236}">
+                <a16:creationId xmlns:a16="http://schemas.microsoft.com/office/drawing/2014/main" id="{38952EC5-1CB2-0121-3039-8CBDA0B801AE}"/>
+              </a:ext>
+            </a:extLst>
+          </p:cNvPr>
+          <p:cNvSpPr txBox="1"/>
+          <p:nvPr/>
+        </p:nvSpPr>
+        <p:spPr>
+          <a:xfrm>
+            <a:off x="175971" y="189457"/>
+            <a:ext cx="11177451" cy="707886"/>
+          </a:xfrm>
+          <a:prstGeom prst="rect">
+            <a:avLst/>
+          </a:prstGeom>
+          <a:noFill/>
+        </p:spPr>
+        <p:txBody>
+          <a:bodyPr wrap="square" rtlCol="0">
+            <a:spAutoFit/>
+          </a:bodyPr>
+          <a:lstStyle/>
+          <a:p>
+            <a:r>
+              <a:rPr lang="pt-BR" sz="4000" dirty="0"/>
+              <a:t>Agradecimentos!</a:t>
+            </a:r>
+          </a:p>
+        </p:txBody>
+      </p:sp>
+      <p:sp>
+        <p:nvSpPr>
+          <p:cNvPr id="8" name="CaixaDeTexto 7">
+            <a:extLst>
+              <a:ext uri="{FF2B5EF4-FFF2-40B4-BE49-F238E27FC236}">
+                <a16:creationId xmlns:a16="http://schemas.microsoft.com/office/drawing/2014/main" id="{4106BB62-0A96-1C77-0339-E9CBB7568BD6}"/>
+              </a:ext>
+            </a:extLst>
+          </p:cNvPr>
+          <p:cNvSpPr txBox="1"/>
+          <p:nvPr/>
+        </p:nvSpPr>
+        <p:spPr>
+          <a:xfrm>
+            <a:off x="175971" y="897343"/>
+            <a:ext cx="11326916" cy="369332"/>
+          </a:xfrm>
+          <a:prstGeom prst="rect">
+            <a:avLst/>
+          </a:prstGeom>
+          <a:noFill/>
+        </p:spPr>
+        <p:txBody>
+          <a:bodyPr wrap="square" rtlCol="0">
+            <a:spAutoFit/>
+          </a:bodyPr>
+          <a:lstStyle/>
+          <a:p>
+            <a:r>
+              <a:rPr lang="pt-BR" dirty="0"/>
+              <a:t>Isso é só uma pequena parte do que é possível fazer.</a:t>
+            </a:r>
+          </a:p>
+        </p:txBody>
+      </p:sp>
+    </p:spTree>
+    <p:extLst>
+      <p:ext uri="{BB962C8B-B14F-4D97-AF65-F5344CB8AC3E}">
+        <p14:creationId xmlns:p14="http://schemas.microsoft.com/office/powerpoint/2010/main" val="3050591549"/>
+      </p:ext>
+    </p:extLst>
+  </p:cSld>
+  <p:clrMapOvr>
+    <a:masterClrMapping/>
+  </p:clrMapOvr>
+</p:sld>
+</file>
+
 <file path=ppt/slides/slide2.xml><?xml version="1.0" encoding="utf-8"?>
 <p:sld xmlns:a="http://schemas.openxmlformats.org/drawingml/2006/main" xmlns:r="http://schemas.openxmlformats.org/officeDocument/2006/relationships" xmlns:p="http://schemas.openxmlformats.org/presentationml/2006/main">
   <p:cSld>
@@ -3791,10 +5754,10 @@
       </p:grpSpPr>
       <p:sp>
         <p:nvSpPr>
-          <p:cNvPr id="2" name="CaixaDeTexto 1">
-            <a:extLst>
-              <a:ext uri="{FF2B5EF4-FFF2-40B4-BE49-F238E27FC236}">
-                <a16:creationId xmlns:a16="http://schemas.microsoft.com/office/drawing/2014/main" id="{A771A156-4D14-EB44-E0A8-5DDC603ADB4C}"/>
+          <p:cNvPr id="3" name="TextBox 2">
+            <a:extLst>
+              <a:ext uri="{FF2B5EF4-FFF2-40B4-BE49-F238E27FC236}">
+                <a16:creationId xmlns:a16="http://schemas.microsoft.com/office/drawing/2014/main" id="{7DA6E1DB-6784-73ED-88B5-DA661B86B4E5}"/>
               </a:ext>
             </a:extLst>
           </p:cNvPr>
@@ -3803,8 +5766,8 @@
         </p:nvSpPr>
         <p:spPr>
           <a:xfrm>
-            <a:off x="175971" y="189457"/>
-            <a:ext cx="11177451" cy="707886"/>
+            <a:off x="1251751" y="1686758"/>
+            <a:ext cx="6365290" cy="3693319"/>
           </a:xfrm>
           <a:prstGeom prst="rect">
             <a:avLst/>
@@ -3817,19 +5780,122 @@
           </a:bodyPr>
           <a:lstStyle/>
           <a:p>
-            <a:r>
-              <a:rPr lang="pt-BR" sz="4000" dirty="0"/>
-              <a:t>Links de Apoio</a:t>
-            </a:r>
-          </a:p>
-        </p:txBody>
-      </p:sp>
-      <p:sp>
-        <p:nvSpPr>
-          <p:cNvPr id="4" name="CaixaDeTexto 3">
-            <a:extLst>
-              <a:ext uri="{FF2B5EF4-FFF2-40B4-BE49-F238E27FC236}">
-                <a16:creationId xmlns:a16="http://schemas.microsoft.com/office/drawing/2014/main" id="{C1C610E1-596D-1393-1198-C66C9D2E66BA}"/>
+            <a:pPr marL="742950" lvl="1" indent="-285750">
+              <a:buFont typeface="Arial" panose="020B0604020202020204" pitchFamily="34" charset="0"/>
+              <a:buChar char="•"/>
+            </a:pPr>
+            <a:r>
+              <a:rPr lang="pt-BR" dirty="0"/>
+              <a:t>Contexto de apis/qlik apis (5 min)</a:t>
+            </a:r>
+          </a:p>
+          <a:p>
+            <a:pPr lvl="1"/>
+            <a:endParaRPr lang="pt-BR" dirty="0"/>
+          </a:p>
+          <a:p>
+            <a:pPr marL="742950" lvl="1" indent="-285750">
+              <a:buFont typeface="Arial" panose="020B0604020202020204" pitchFamily="34" charset="0"/>
+              <a:buChar char="•"/>
+            </a:pPr>
+            <a:r>
+              <a:rPr lang="pt-BR" dirty="0"/>
+              <a:t>Gerar chave api key (5 min)</a:t>
+            </a:r>
+          </a:p>
+          <a:p>
+            <a:pPr lvl="1"/>
+            <a:endParaRPr lang="pt-BR" dirty="0"/>
+          </a:p>
+          <a:p>
+            <a:pPr marL="742950" lvl="1" indent="-285750">
+              <a:buFont typeface="Arial" panose="020B0604020202020204" pitchFamily="34" charset="0"/>
+              <a:buChar char="•"/>
+            </a:pPr>
+            <a:r>
+              <a:rPr lang="pt-BR" dirty="0"/>
+              <a:t>Instalação e testes qlik-cli (25 min)</a:t>
+            </a:r>
+          </a:p>
+          <a:p>
+            <a:pPr marL="742950" lvl="1" indent="-285750">
+              <a:buFont typeface="Arial" panose="020B0604020202020204" pitchFamily="34" charset="0"/>
+              <a:buChar char="•"/>
+            </a:pPr>
+            <a:endParaRPr lang="pt-BR" dirty="0"/>
+          </a:p>
+          <a:p>
+            <a:pPr marL="742950" lvl="1" indent="-285750">
+              <a:buFont typeface="Arial" panose="020B0604020202020204" pitchFamily="34" charset="0"/>
+              <a:buChar char="•"/>
+            </a:pPr>
+            <a:r>
+              <a:rPr lang="pt-BR" dirty="0"/>
+              <a:t>Apresentação de outras de usar apis (15 min)</a:t>
+            </a:r>
+          </a:p>
+          <a:p>
+            <a:pPr marL="1257300" lvl="2" indent="-342900">
+              <a:buFont typeface="+mj-lt"/>
+              <a:buAutoNum type="arabicPeriod"/>
+            </a:pPr>
+            <a:r>
+              <a:rPr lang="pt-BR" dirty="0"/>
+              <a:t>Rest</a:t>
+            </a:r>
+          </a:p>
+          <a:p>
+            <a:pPr marL="1257300" lvl="2" indent="-342900">
+              <a:buFont typeface="+mj-lt"/>
+              <a:buAutoNum type="arabicPeriod"/>
+            </a:pPr>
+            <a:r>
+              <a:rPr lang="pt-BR" dirty="0"/>
+              <a:t>Automation</a:t>
+            </a:r>
+          </a:p>
+          <a:p>
+            <a:pPr marL="1257300" lvl="2" indent="-342900">
+              <a:buFont typeface="+mj-lt"/>
+              <a:buAutoNum type="arabicPeriod"/>
+            </a:pPr>
+            <a:r>
+              <a:rPr lang="pt-BR" dirty="0"/>
+              <a:t>Python-sdk;</a:t>
+            </a:r>
+          </a:p>
+          <a:p>
+            <a:pPr marL="742950" lvl="1" indent="-285750">
+              <a:buFont typeface="Arial" panose="020B0604020202020204" pitchFamily="34" charset="0"/>
+              <a:buChar char="•"/>
+            </a:pPr>
+            <a:endParaRPr lang="pt-BR" dirty="0"/>
+          </a:p>
+          <a:p>
+            <a:pPr marL="742950" lvl="1" indent="-285750">
+              <a:buFont typeface="Arial" panose="020B0604020202020204" pitchFamily="34" charset="0"/>
+              <a:buChar char="•"/>
+            </a:pPr>
+            <a:endParaRPr lang="pt-BR" dirty="0"/>
+          </a:p>
+          <a:p>
+            <a:pPr marL="742950" lvl="1" indent="-285750">
+              <a:buFont typeface="Arial" panose="020B0604020202020204" pitchFamily="34" charset="0"/>
+              <a:buChar char="•"/>
+            </a:pPr>
+            <a:r>
+              <a:rPr lang="pt-BR" dirty="0"/>
+              <a:t>Duvidas/Sugestões (10 min)</a:t>
+            </a:r>
+          </a:p>
+        </p:txBody>
+      </p:sp>
+      <p:sp>
+        <p:nvSpPr>
+          <p:cNvPr id="5" name="CaixaDeTexto 1">
+            <a:extLst>
+              <a:ext uri="{FF2B5EF4-FFF2-40B4-BE49-F238E27FC236}">
+                <a16:creationId xmlns:a16="http://schemas.microsoft.com/office/drawing/2014/main" id="{6F63F82B-BCAB-DD5E-06DD-4540E5B25BDF}"/>
               </a:ext>
             </a:extLst>
           </p:cNvPr>
@@ -3838,8 +5904,8 @@
         </p:nvSpPr>
         <p:spPr>
           <a:xfrm>
-            <a:off x="530086" y="1724153"/>
-            <a:ext cx="11177452" cy="5078313"/>
+            <a:off x="175971" y="189457"/>
+            <a:ext cx="11177451" cy="707886"/>
           </a:xfrm>
           <a:prstGeom prst="rect">
             <a:avLst/>
@@ -3847,670 +5913,22 @@
           <a:noFill/>
         </p:spPr>
         <p:txBody>
-          <a:bodyPr wrap="square">
+          <a:bodyPr wrap="square" rtlCol="0">
             <a:spAutoFit/>
           </a:bodyPr>
           <a:lstStyle/>
           <a:p>
-            <a:pPr>
-              <a:buFont typeface="Arial" panose="020B0604020202020204" pitchFamily="34" charset="0"/>
-              <a:buChar char="•"/>
-            </a:pPr>
-            <a:r>
-              <a:rPr lang="pt-BR" b="1" dirty="0">
-                <a:solidFill>
-                  <a:srgbClr val="24292F"/>
-                </a:solidFill>
-                <a:highlight>
-                  <a:srgbClr val="FFFF00"/>
-                </a:highlight>
-                <a:latin typeface="-apple-system"/>
-              </a:rPr>
-              <a:t>Repositório deste curso no GitHub </a:t>
-            </a:r>
-            <a:r>
-              <a:rPr lang="pt-BR" dirty="0">
-                <a:solidFill>
-                  <a:srgbClr val="24292F"/>
-                </a:solidFill>
-                <a:highlight>
-                  <a:srgbClr val="FFFF00"/>
-                </a:highlight>
-                <a:latin typeface="-apple-system"/>
-              </a:rPr>
-              <a:t>- https://github.com/digaosss70/qlik-api-exemplos</a:t>
-            </a:r>
-          </a:p>
-          <a:p>
-            <a:pPr>
-              <a:buFont typeface="Arial" panose="020B0604020202020204" pitchFamily="34" charset="0"/>
-              <a:buChar char="•"/>
-            </a:pPr>
-            <a:endParaRPr lang="pt-BR" b="1" dirty="0">
-              <a:solidFill>
-                <a:srgbClr val="24292F"/>
-              </a:solidFill>
-              <a:highlight>
-                <a:srgbClr val="FFFF00"/>
-              </a:highlight>
-              <a:latin typeface="-apple-system"/>
-            </a:endParaRPr>
-          </a:p>
-          <a:p>
-            <a:pPr>
-              <a:buFont typeface="Arial" panose="020B0604020202020204" pitchFamily="34" charset="0"/>
-              <a:buChar char="•"/>
-            </a:pPr>
-            <a:r>
-              <a:rPr lang="pt-BR" b="1" dirty="0">
-                <a:solidFill>
-                  <a:srgbClr val="24292F"/>
-                </a:solidFill>
-                <a:highlight>
-                  <a:srgbClr val="C0C0C0"/>
-                </a:highlight>
-                <a:latin typeface="-apple-system"/>
-              </a:rPr>
-              <a:t>Meu Repositório </a:t>
-            </a:r>
-            <a:r>
-              <a:rPr lang="pt-BR" b="1" dirty="0" err="1">
-                <a:solidFill>
-                  <a:srgbClr val="24292F"/>
-                </a:solidFill>
-                <a:highlight>
-                  <a:srgbClr val="C0C0C0"/>
-                </a:highlight>
-                <a:latin typeface="-apple-system"/>
-              </a:rPr>
-              <a:t>Qlik-Cli</a:t>
-            </a:r>
-            <a:r>
-              <a:rPr lang="pt-BR" b="1" dirty="0">
-                <a:solidFill>
-                  <a:srgbClr val="24292F"/>
-                </a:solidFill>
-                <a:highlight>
-                  <a:srgbClr val="C0C0C0"/>
-                </a:highlight>
-                <a:latin typeface="-apple-system"/>
-              </a:rPr>
-              <a:t> no GitHub </a:t>
-            </a:r>
-            <a:r>
-              <a:rPr lang="pt-BR" dirty="0">
-                <a:solidFill>
-                  <a:srgbClr val="24292F"/>
-                </a:solidFill>
-                <a:highlight>
-                  <a:srgbClr val="C0C0C0"/>
-                </a:highlight>
-                <a:latin typeface="-apple-system"/>
-              </a:rPr>
-              <a:t>- </a:t>
-            </a:r>
-            <a:r>
-              <a:rPr lang="pt-BR" dirty="0">
-                <a:solidFill>
-                  <a:srgbClr val="24292F"/>
-                </a:solidFill>
-                <a:highlight>
-                  <a:srgbClr val="C0C0C0"/>
-                </a:highlight>
-                <a:latin typeface="-apple-system"/>
-                <a:hlinkClick r:id="rId2"/>
-              </a:rPr>
-              <a:t>https://github.com/digaosss70/Qlik-Cli</a:t>
-            </a:r>
-            <a:endParaRPr lang="pt-BR" dirty="0">
-              <a:solidFill>
-                <a:srgbClr val="24292F"/>
-              </a:solidFill>
-              <a:highlight>
-                <a:srgbClr val="C0C0C0"/>
-              </a:highlight>
-              <a:latin typeface="-apple-system"/>
-            </a:endParaRPr>
-          </a:p>
-          <a:p>
-            <a:pPr>
-              <a:buFont typeface="Arial" panose="020B0604020202020204" pitchFamily="34" charset="0"/>
-              <a:buChar char="•"/>
-            </a:pPr>
-            <a:endParaRPr lang="pt-BR" b="0" i="0" dirty="0">
-              <a:solidFill>
-                <a:srgbClr val="24292F"/>
-              </a:solidFill>
-              <a:effectLst/>
-              <a:latin typeface="-apple-system"/>
-            </a:endParaRPr>
-          </a:p>
-          <a:p>
-            <a:pPr algn="l">
-              <a:buFont typeface="Arial" panose="020B0604020202020204" pitchFamily="34" charset="0"/>
-              <a:buChar char="•"/>
-            </a:pPr>
-            <a:r>
-              <a:rPr lang="pt-BR" b="1" i="0" dirty="0" err="1">
-                <a:solidFill>
-                  <a:srgbClr val="24292F"/>
-                </a:solidFill>
-                <a:effectLst/>
-                <a:latin typeface="-apple-system"/>
-              </a:rPr>
-              <a:t>Qlikdev</a:t>
-            </a:r>
-            <a:r>
-              <a:rPr lang="pt-BR" b="0" i="0" dirty="0">
-                <a:solidFill>
-                  <a:srgbClr val="24292F"/>
-                </a:solidFill>
-                <a:effectLst/>
-                <a:latin typeface="-apple-system"/>
-              </a:rPr>
-              <a:t> - Outras ferramentas e tutoriais estão disponíveis aqui: </a:t>
-            </a:r>
-            <a:r>
-              <a:rPr lang="pt-BR" b="0" i="0" u="none" strike="noStrike" dirty="0">
-                <a:solidFill>
-                  <a:srgbClr val="24292F"/>
-                </a:solidFill>
-                <a:effectLst/>
-                <a:latin typeface="-apple-system"/>
-                <a:hlinkClick r:id="rId3"/>
-              </a:rPr>
-              <a:t>https://qlik.dev/</a:t>
-            </a:r>
-            <a:endParaRPr lang="pt-BR" b="0" i="0" u="none" strike="noStrike" dirty="0">
-              <a:solidFill>
-                <a:srgbClr val="24292F"/>
-              </a:solidFill>
-              <a:effectLst/>
-              <a:latin typeface="-apple-system"/>
-            </a:endParaRPr>
-          </a:p>
-          <a:p>
-            <a:pPr algn="l">
-              <a:buFont typeface="Arial" panose="020B0604020202020204" pitchFamily="34" charset="0"/>
-              <a:buChar char="•"/>
-            </a:pPr>
-            <a:endParaRPr lang="pt-BR" b="0" i="0" dirty="0">
-              <a:solidFill>
-                <a:srgbClr val="24292F"/>
-              </a:solidFill>
-              <a:effectLst/>
-              <a:latin typeface="-apple-system"/>
-            </a:endParaRPr>
-          </a:p>
-          <a:p>
-            <a:pPr algn="l">
-              <a:buFont typeface="Arial" panose="020B0604020202020204" pitchFamily="34" charset="0"/>
-              <a:buChar char="•"/>
-            </a:pPr>
-            <a:r>
-              <a:rPr lang="pt-BR" b="1" i="0" dirty="0" err="1">
-                <a:solidFill>
-                  <a:srgbClr val="24292F"/>
-                </a:solidFill>
-                <a:effectLst/>
-                <a:latin typeface="-apple-system"/>
-              </a:rPr>
-              <a:t>Qlik-cli</a:t>
-            </a:r>
-            <a:r>
-              <a:rPr lang="pt-BR" b="0" i="0" dirty="0">
-                <a:solidFill>
-                  <a:srgbClr val="24292F"/>
-                </a:solidFill>
-                <a:effectLst/>
-                <a:latin typeface="-apple-system"/>
-              </a:rPr>
-              <a:t> - Documentação específica do </a:t>
-            </a:r>
-            <a:r>
-              <a:rPr lang="pt-BR" b="0" i="0" dirty="0" err="1">
-                <a:solidFill>
-                  <a:srgbClr val="24292F"/>
-                </a:solidFill>
-                <a:effectLst/>
-                <a:latin typeface="-apple-system"/>
-              </a:rPr>
-              <a:t>Qlik-Cli</a:t>
-            </a:r>
-            <a:r>
-              <a:rPr lang="pt-BR" b="0" i="0" dirty="0">
-                <a:solidFill>
-                  <a:srgbClr val="24292F"/>
-                </a:solidFill>
-                <a:effectLst/>
-                <a:latin typeface="-apple-system"/>
-              </a:rPr>
-              <a:t>: </a:t>
-            </a:r>
-            <a:r>
-              <a:rPr lang="pt-BR" b="0" i="0" u="none" strike="noStrike" dirty="0">
-                <a:solidFill>
-                  <a:srgbClr val="24292F"/>
-                </a:solidFill>
-                <a:effectLst/>
-                <a:latin typeface="-apple-system"/>
-                <a:hlinkClick r:id="rId4"/>
-              </a:rPr>
-              <a:t>https://qlik.dev/libraries-and-tools/qlik-cli</a:t>
-            </a:r>
-            <a:endParaRPr lang="pt-BR" b="0" i="0" u="none" strike="noStrike" dirty="0">
-              <a:solidFill>
-                <a:srgbClr val="24292F"/>
-              </a:solidFill>
-              <a:effectLst/>
-              <a:latin typeface="-apple-system"/>
-            </a:endParaRPr>
-          </a:p>
-          <a:p>
-            <a:pPr algn="l">
-              <a:buFont typeface="Arial" panose="020B0604020202020204" pitchFamily="34" charset="0"/>
-              <a:buChar char="•"/>
-            </a:pPr>
-            <a:endParaRPr lang="pt-BR" b="0" i="0" dirty="0">
-              <a:solidFill>
-                <a:srgbClr val="24292F"/>
-              </a:solidFill>
-              <a:effectLst/>
-              <a:latin typeface="-apple-system"/>
-            </a:endParaRPr>
-          </a:p>
-          <a:p>
-            <a:pPr algn="l">
-              <a:buFont typeface="Arial" panose="020B0604020202020204" pitchFamily="34" charset="0"/>
-              <a:buChar char="•"/>
-            </a:pPr>
-            <a:r>
-              <a:rPr lang="pt-BR" b="1" i="0" dirty="0" err="1">
-                <a:solidFill>
-                  <a:srgbClr val="24292F"/>
-                </a:solidFill>
-                <a:effectLst/>
-                <a:latin typeface="-apple-system"/>
-              </a:rPr>
-              <a:t>Chocolatey</a:t>
-            </a:r>
-            <a:r>
-              <a:rPr lang="pt-BR" b="0" i="0" dirty="0">
-                <a:solidFill>
-                  <a:srgbClr val="24292F"/>
-                </a:solidFill>
-                <a:effectLst/>
-                <a:latin typeface="-apple-system"/>
-              </a:rPr>
-              <a:t> - modulo de apoio para manutenção</a:t>
-            </a:r>
-            <a:r>
-              <a:rPr lang="pt-BR" dirty="0">
-                <a:solidFill>
-                  <a:srgbClr val="24292F"/>
-                </a:solidFill>
-                <a:latin typeface="-apple-system"/>
-              </a:rPr>
-              <a:t> </a:t>
-            </a:r>
-            <a:r>
-              <a:rPr lang="pt-BR" b="0" i="0" dirty="0">
-                <a:solidFill>
-                  <a:srgbClr val="24292F"/>
-                </a:solidFill>
-                <a:effectLst/>
-                <a:latin typeface="-apple-system"/>
-              </a:rPr>
-              <a:t>de módulos de linha de comando: </a:t>
-            </a:r>
-            <a:r>
-              <a:rPr lang="pt-BR" b="0" i="0" u="none" strike="noStrike" dirty="0">
-                <a:solidFill>
-                  <a:srgbClr val="24292F"/>
-                </a:solidFill>
-                <a:effectLst/>
-                <a:latin typeface="-apple-system"/>
-                <a:hlinkClick r:id="rId5"/>
-              </a:rPr>
-              <a:t>https://chocolatey.org/</a:t>
-            </a:r>
-            <a:endParaRPr lang="pt-BR" b="0" i="0" u="none" strike="noStrike" dirty="0">
-              <a:solidFill>
-                <a:srgbClr val="24292F"/>
-              </a:solidFill>
-              <a:effectLst/>
-              <a:latin typeface="-apple-system"/>
-            </a:endParaRPr>
-          </a:p>
-          <a:p>
-            <a:pPr algn="l">
-              <a:buFont typeface="Arial" panose="020B0604020202020204" pitchFamily="34" charset="0"/>
-              <a:buChar char="•"/>
-            </a:pPr>
-            <a:endParaRPr lang="pt-BR" b="0" i="0" u="none" strike="noStrike" dirty="0">
-              <a:solidFill>
-                <a:srgbClr val="24292F"/>
-              </a:solidFill>
-              <a:effectLst/>
-              <a:latin typeface="-apple-system"/>
-            </a:endParaRPr>
-          </a:p>
-          <a:p>
-            <a:pPr>
-              <a:buFont typeface="Arial" panose="020B0604020202020204" pitchFamily="34" charset="0"/>
-              <a:buChar char="•"/>
-            </a:pPr>
-            <a:r>
-              <a:rPr lang="pt-BR" b="1" i="0" dirty="0" err="1">
-                <a:solidFill>
-                  <a:srgbClr val="24292F"/>
-                </a:solidFill>
-                <a:effectLst/>
-                <a:latin typeface="-apple-system"/>
-              </a:rPr>
-              <a:t>Chocolatey</a:t>
-            </a:r>
-            <a:r>
-              <a:rPr lang="pt-BR" b="1" i="0" dirty="0">
-                <a:solidFill>
-                  <a:srgbClr val="24292F"/>
-                </a:solidFill>
-                <a:effectLst/>
-                <a:latin typeface="-apple-system"/>
-              </a:rPr>
-              <a:t> Instalação</a:t>
-            </a:r>
-            <a:r>
-              <a:rPr lang="pt-BR" b="0" i="0" dirty="0">
-                <a:solidFill>
-                  <a:srgbClr val="24292F"/>
-                </a:solidFill>
-                <a:effectLst/>
-                <a:latin typeface="-apple-system"/>
-              </a:rPr>
-              <a:t>: </a:t>
-            </a:r>
-            <a:r>
-              <a:rPr lang="pt-BR" b="0" i="0" dirty="0">
-                <a:solidFill>
-                  <a:srgbClr val="24292F"/>
-                </a:solidFill>
-                <a:effectLst/>
-                <a:latin typeface="-apple-system"/>
-                <a:hlinkClick r:id="rId2"/>
-              </a:rPr>
-              <a:t>https://chocolatey.org/install</a:t>
-            </a:r>
-            <a:endParaRPr lang="pt-BR" b="0" i="0" dirty="0">
-              <a:solidFill>
-                <a:srgbClr val="24292F"/>
-              </a:solidFill>
-              <a:effectLst/>
-              <a:latin typeface="-apple-system"/>
-            </a:endParaRPr>
-          </a:p>
-          <a:p>
-            <a:pPr>
-              <a:buFont typeface="Arial" panose="020B0604020202020204" pitchFamily="34" charset="0"/>
-              <a:buChar char="•"/>
-            </a:pPr>
-            <a:endParaRPr lang="pt-BR" b="0" i="0" dirty="0">
-              <a:solidFill>
-                <a:srgbClr val="24292F"/>
-              </a:solidFill>
-              <a:effectLst/>
-              <a:latin typeface="-apple-system"/>
-            </a:endParaRPr>
-          </a:p>
-          <a:p>
-            <a:pPr algn="l">
-              <a:buFont typeface="Arial" panose="020B0604020202020204" pitchFamily="34" charset="0"/>
-              <a:buChar char="•"/>
-            </a:pPr>
-            <a:r>
-              <a:rPr lang="pt-BR" b="1" i="0" dirty="0" err="1">
-                <a:solidFill>
-                  <a:srgbClr val="24292F"/>
-                </a:solidFill>
-                <a:effectLst/>
-                <a:latin typeface="-apple-system"/>
-              </a:rPr>
-              <a:t>Jq</a:t>
-            </a:r>
-            <a:r>
-              <a:rPr lang="pt-BR" b="0" i="0" dirty="0">
-                <a:solidFill>
-                  <a:srgbClr val="24292F"/>
-                </a:solidFill>
-                <a:effectLst/>
-                <a:latin typeface="-apple-system"/>
-              </a:rPr>
-              <a:t> - modulo para filtros</a:t>
-            </a:r>
-            <a:r>
-              <a:rPr lang="pt-BR" dirty="0">
-                <a:solidFill>
-                  <a:srgbClr val="24292F"/>
-                </a:solidFill>
-                <a:latin typeface="-apple-system"/>
-              </a:rPr>
-              <a:t> </a:t>
-            </a:r>
-            <a:r>
-              <a:rPr lang="pt-BR" b="0" i="0" dirty="0">
-                <a:solidFill>
-                  <a:srgbClr val="24292F"/>
-                </a:solidFill>
-                <a:effectLst/>
-                <a:latin typeface="-apple-system"/>
-              </a:rPr>
-              <a:t>no resultado para ferramentas, módulos de linha de comando: </a:t>
-            </a:r>
-            <a:r>
-              <a:rPr lang="pt-BR" b="0" i="0" u="none" strike="noStrike" dirty="0">
-                <a:solidFill>
-                  <a:srgbClr val="24292F"/>
-                </a:solidFill>
-                <a:effectLst/>
-                <a:latin typeface="-apple-system"/>
-                <a:hlinkClick r:id="rId6"/>
-              </a:rPr>
-              <a:t>https://stedolan.github.io/jq/</a:t>
-            </a:r>
-            <a:endParaRPr lang="pt-BR" b="0" i="0" u="none" strike="noStrike" dirty="0">
-              <a:solidFill>
-                <a:srgbClr val="24292F"/>
-              </a:solidFill>
-              <a:effectLst/>
-              <a:latin typeface="-apple-system"/>
-            </a:endParaRPr>
-          </a:p>
-          <a:p>
-            <a:pPr algn="l">
-              <a:buFont typeface="Arial" panose="020B0604020202020204" pitchFamily="34" charset="0"/>
-              <a:buChar char="•"/>
-            </a:pPr>
-            <a:endParaRPr lang="pt-BR" b="0" i="0" u="none" strike="noStrike" dirty="0">
-              <a:solidFill>
-                <a:srgbClr val="24292F"/>
-              </a:solidFill>
-              <a:effectLst/>
-              <a:latin typeface="-apple-system"/>
-            </a:endParaRPr>
-          </a:p>
-          <a:p>
-            <a:pPr>
-              <a:buFont typeface="Arial" panose="020B0604020202020204" pitchFamily="34" charset="0"/>
-              <a:buChar char="•"/>
-            </a:pPr>
-            <a:r>
-              <a:rPr lang="pt-BR" b="1" i="0" dirty="0" err="1">
-                <a:solidFill>
-                  <a:srgbClr val="24292F"/>
-                </a:solidFill>
-                <a:effectLst/>
-                <a:latin typeface="-apple-system"/>
-              </a:rPr>
-              <a:t>Jq</a:t>
-            </a:r>
-            <a:r>
-              <a:rPr lang="pt-BR" b="1" i="0" dirty="0">
-                <a:solidFill>
-                  <a:srgbClr val="24292F"/>
-                </a:solidFill>
-                <a:effectLst/>
-                <a:latin typeface="-apple-system"/>
-              </a:rPr>
-              <a:t> Instalação </a:t>
-            </a:r>
-            <a:r>
-              <a:rPr lang="pt-BR" b="0" i="0" dirty="0">
-                <a:solidFill>
-                  <a:srgbClr val="24292F"/>
-                </a:solidFill>
-                <a:effectLst/>
-                <a:latin typeface="-apple-system"/>
-              </a:rPr>
-              <a:t>-  </a:t>
-            </a:r>
-            <a:r>
-              <a:rPr lang="pt-BR" b="0" i="0" dirty="0">
-                <a:solidFill>
-                  <a:srgbClr val="24292F"/>
-                </a:solidFill>
-                <a:effectLst/>
-                <a:latin typeface="-apple-system"/>
-                <a:hlinkClick r:id="rId7"/>
-              </a:rPr>
-              <a:t>https://stedolan.github.io/jq/download/</a:t>
-            </a:r>
-            <a:endParaRPr lang="pt-BR" b="0" i="0" dirty="0">
-              <a:solidFill>
-                <a:srgbClr val="24292F"/>
-              </a:solidFill>
-              <a:effectLst/>
-              <a:latin typeface="-apple-system"/>
-            </a:endParaRPr>
-          </a:p>
-          <a:p>
-            <a:pPr>
-              <a:buFont typeface="Arial" panose="020B0604020202020204" pitchFamily="34" charset="0"/>
-              <a:buChar char="•"/>
-            </a:pPr>
-            <a:endParaRPr lang="pt-BR" dirty="0"/>
-          </a:p>
-          <a:p>
-            <a:pPr>
-              <a:buFont typeface="Arial" panose="020B0604020202020204" pitchFamily="34" charset="0"/>
-              <a:buChar char="•"/>
-            </a:pPr>
-            <a:r>
-              <a:rPr lang="pt-BR" b="1" i="0" dirty="0" err="1">
-                <a:solidFill>
-                  <a:srgbClr val="24292F"/>
-                </a:solidFill>
-                <a:effectLst/>
-                <a:latin typeface="-apple-system"/>
-              </a:rPr>
-              <a:t>PowerShell</a:t>
-            </a:r>
-            <a:r>
-              <a:rPr lang="pt-BR" b="1" i="0" dirty="0">
-                <a:solidFill>
-                  <a:srgbClr val="24292F"/>
-                </a:solidFill>
-                <a:effectLst/>
-                <a:latin typeface="-apple-system"/>
-              </a:rPr>
-              <a:t> Guia</a:t>
-            </a:r>
-            <a:r>
-              <a:rPr lang="pt-BR" b="0" i="0" dirty="0">
-                <a:solidFill>
-                  <a:srgbClr val="24292F"/>
-                </a:solidFill>
-                <a:effectLst/>
-                <a:latin typeface="-apple-system"/>
-              </a:rPr>
-              <a:t> - </a:t>
-            </a:r>
-            <a:r>
-              <a:rPr lang="pt-BR" b="0" i="0" dirty="0" err="1">
-                <a:solidFill>
-                  <a:srgbClr val="24292F"/>
-                </a:solidFill>
-                <a:effectLst/>
-                <a:latin typeface="-apple-system"/>
-              </a:rPr>
-              <a:t>Github</a:t>
-            </a:r>
-            <a:r>
-              <a:rPr lang="pt-BR" b="0" i="0" dirty="0">
-                <a:solidFill>
-                  <a:srgbClr val="24292F"/>
-                </a:solidFill>
-                <a:effectLst/>
-                <a:latin typeface="-apple-system"/>
-              </a:rPr>
-              <a:t> com guia sobre </a:t>
-            </a:r>
-            <a:r>
-              <a:rPr lang="pt-BR" b="0" i="0" dirty="0" err="1">
-                <a:solidFill>
-                  <a:srgbClr val="24292F"/>
-                </a:solidFill>
-                <a:effectLst/>
-                <a:latin typeface="-apple-system"/>
-              </a:rPr>
-              <a:t>PowerShell</a:t>
-            </a:r>
-            <a:r>
-              <a:rPr lang="pt-BR" b="0" i="0" dirty="0">
-                <a:solidFill>
-                  <a:srgbClr val="24292F"/>
-                </a:solidFill>
-                <a:effectLst/>
-                <a:latin typeface="-apple-system"/>
-              </a:rPr>
-              <a:t>: </a:t>
-            </a:r>
-            <a:r>
-              <a:rPr lang="pt-BR" b="0" i="0" u="none" strike="noStrike" dirty="0">
-                <a:solidFill>
-                  <a:srgbClr val="24292F"/>
-                </a:solidFill>
-                <a:effectLst/>
-                <a:latin typeface="-apple-system"/>
-                <a:hlinkClick r:id="rId8"/>
-              </a:rPr>
-              <a:t>https://github.com/danieldonda/PowerShell</a:t>
-            </a:r>
-            <a:endParaRPr lang="pt-BR" b="0" i="0" u="none" strike="noStrike" dirty="0">
-              <a:solidFill>
-                <a:srgbClr val="24292F"/>
-              </a:solidFill>
-              <a:effectLst/>
-              <a:latin typeface="-apple-system"/>
-            </a:endParaRPr>
-          </a:p>
-          <a:p>
-            <a:pPr algn="l">
-              <a:buFont typeface="Arial" panose="020B0604020202020204" pitchFamily="34" charset="0"/>
-              <a:buChar char="•"/>
-            </a:pPr>
-            <a:endParaRPr lang="pt-BR" dirty="0">
-              <a:solidFill>
-                <a:srgbClr val="24292F"/>
-              </a:solidFill>
-              <a:latin typeface="-apple-system"/>
-            </a:endParaRPr>
+            <a:r>
+              <a:rPr lang="pt-BR" sz="4000" dirty="0"/>
+              <a:t>Agenda</a:t>
+            </a:r>
           </a:p>
         </p:txBody>
       </p:sp>
     </p:spTree>
     <p:extLst>
       <p:ext uri="{BB962C8B-B14F-4D97-AF65-F5344CB8AC3E}">
-        <p14:creationId xmlns:p14="http://schemas.microsoft.com/office/powerpoint/2010/main" val="3513321140"/>
+        <p14:creationId xmlns:p14="http://schemas.microsoft.com/office/powerpoint/2010/main" val="626334602"/>
       </p:ext>
     </p:extLst>
   </p:cSld>
@@ -4539,10 +5957,10 @@
       </p:grpSpPr>
       <p:sp>
         <p:nvSpPr>
-          <p:cNvPr id="2" name="CaixaDeTexto 1">
-            <a:extLst>
-              <a:ext uri="{FF2B5EF4-FFF2-40B4-BE49-F238E27FC236}">
-                <a16:creationId xmlns:a16="http://schemas.microsoft.com/office/drawing/2014/main" id="{A771A156-4D14-EB44-E0A8-5DDC603ADB4C}"/>
+          <p:cNvPr id="5" name="CaixaDeTexto 1">
+            <a:extLst>
+              <a:ext uri="{FF2B5EF4-FFF2-40B4-BE49-F238E27FC236}">
+                <a16:creationId xmlns:a16="http://schemas.microsoft.com/office/drawing/2014/main" id="{6F63F82B-BCAB-DD5E-06DD-4540E5B25BDF}"/>
               </a:ext>
             </a:extLst>
           </p:cNvPr>
@@ -4567,383 +5985,109 @@
           <a:p>
             <a:r>
               <a:rPr lang="pt-BR" sz="4000" dirty="0"/>
-              <a:t>Instalação </a:t>
-            </a:r>
-            <a:r>
-              <a:rPr lang="pt-BR" sz="4000" dirty="0" err="1"/>
-              <a:t>qlik-cli</a:t>
-            </a:r>
-            <a:endParaRPr lang="pt-BR" sz="4000" dirty="0"/>
-          </a:p>
-        </p:txBody>
-      </p:sp>
-      <p:sp>
-        <p:nvSpPr>
-          <p:cNvPr id="6" name="CaixaDeTexto 5">
-            <a:extLst>
-              <a:ext uri="{FF2B5EF4-FFF2-40B4-BE49-F238E27FC236}">
-                <a16:creationId xmlns:a16="http://schemas.microsoft.com/office/drawing/2014/main" id="{1290855D-6FB6-2448-3040-E7D73734B1A6}"/>
-              </a:ext>
-            </a:extLst>
-          </p:cNvPr>
-          <p:cNvSpPr txBox="1"/>
-          <p:nvPr/>
-        </p:nvSpPr>
-        <p:spPr>
-          <a:xfrm>
-            <a:off x="175971" y="872906"/>
-            <a:ext cx="10204174" cy="369332"/>
-          </a:xfrm>
-          <a:prstGeom prst="rect">
-            <a:avLst/>
-          </a:prstGeom>
-          <a:solidFill>
-            <a:srgbClr val="00B050"/>
-          </a:solidFill>
-        </p:spPr>
-        <p:txBody>
-          <a:bodyPr wrap="square">
-            <a:spAutoFit/>
-          </a:bodyPr>
-          <a:lstStyle/>
-          <a:p>
-            <a:pPr algn="l">
-              <a:buFont typeface="Arial" panose="020B0604020202020204" pitchFamily="34" charset="0"/>
-              <a:buChar char="•"/>
-            </a:pPr>
-            <a:r>
-              <a:rPr lang="pt-BR" b="1" i="0" dirty="0" err="1">
-                <a:solidFill>
-                  <a:schemeClr val="bg1"/>
-                </a:solidFill>
-                <a:effectLst/>
-                <a:latin typeface="-apple-system"/>
-              </a:rPr>
-              <a:t>Chocolatey</a:t>
-            </a:r>
-            <a:r>
-              <a:rPr lang="pt-BR" b="0" i="0" dirty="0">
-                <a:solidFill>
-                  <a:schemeClr val="bg1"/>
-                </a:solidFill>
-                <a:effectLst/>
-                <a:latin typeface="-apple-system"/>
-              </a:rPr>
-              <a:t> Instalação:   </a:t>
-            </a:r>
-            <a:r>
-              <a:rPr lang="pt-BR" b="0" i="0" dirty="0">
-                <a:solidFill>
-                  <a:schemeClr val="bg1"/>
-                </a:solidFill>
-                <a:effectLst/>
-                <a:latin typeface="-apple-system"/>
-                <a:hlinkClick r:id="rId2"/>
-              </a:rPr>
-              <a:t>https://chocolatey.org/install</a:t>
-            </a:r>
-            <a:endParaRPr lang="pt-BR" b="0" i="0" dirty="0">
-              <a:solidFill>
-                <a:schemeClr val="bg1"/>
-              </a:solidFill>
-              <a:effectLst/>
-              <a:latin typeface="-apple-system"/>
-            </a:endParaRPr>
+              <a:t>Contexto apis</a:t>
+            </a:r>
           </a:p>
         </p:txBody>
       </p:sp>
       <p:pic>
         <p:nvPicPr>
-          <p:cNvPr id="8" name="Imagem 7">
-            <a:extLst>
-              <a:ext uri="{FF2B5EF4-FFF2-40B4-BE49-F238E27FC236}">
-                <a16:creationId xmlns:a16="http://schemas.microsoft.com/office/drawing/2014/main" id="{D63220F5-B73A-6F90-06B1-B72BE5ACCD29}"/>
+          <p:cNvPr id="1032" name="Picture 8" descr="APIs: introduction and context - Mobapi">
+            <a:extLst>
+              <a:ext uri="{FF2B5EF4-FFF2-40B4-BE49-F238E27FC236}">
+                <a16:creationId xmlns:a16="http://schemas.microsoft.com/office/drawing/2014/main" id="{B2E481DD-ACB9-538C-75D9-50AA508E7A85}"/>
               </a:ext>
             </a:extLst>
           </p:cNvPr>
           <p:cNvPicPr>
-            <a:picLocks noChangeAspect="1"/>
+            <a:picLocks noChangeAspect="1" noChangeArrowheads="1"/>
           </p:cNvPicPr>
           <p:nvPr/>
         </p:nvPicPr>
         <p:blipFill>
-          <a:blip r:embed="rId3"/>
+          <a:blip r:embed="rId2">
+            <a:extLst>
+              <a:ext uri="{28A0092B-C50C-407E-A947-70E740481C1C}">
+                <a14:useLocalDpi xmlns:a14="http://schemas.microsoft.com/office/drawing/2010/main" val="0"/>
+              </a:ext>
+            </a:extLst>
+          </a:blip>
+          <a:srcRect/>
           <a:stretch>
             <a:fillRect/>
           </a:stretch>
         </p:blipFill>
-        <p:spPr>
-          <a:xfrm>
-            <a:off x="494922" y="1242238"/>
-            <a:ext cx="10925175" cy="1200150"/>
+        <p:spPr bwMode="auto">
+          <a:xfrm>
+            <a:off x="2468080" y="1409700"/>
+            <a:ext cx="8885342" cy="4730750"/>
           </a:xfrm>
           <a:prstGeom prst="rect">
             <a:avLst/>
           </a:prstGeom>
+          <a:noFill/>
+          <a:extLst>
+            <a:ext uri="{909E8E84-426E-40DD-AFC4-6F175D3DCCD1}">
+              <a14:hiddenFill xmlns:a14="http://schemas.microsoft.com/office/drawing/2010/main">
+                <a:solidFill>
+                  <a:srgbClr val="FFFFFF"/>
+                </a:solidFill>
+              </a14:hiddenFill>
+            </a:ext>
+          </a:extLst>
         </p:spPr>
       </p:pic>
       <p:pic>
         <p:nvPicPr>
-          <p:cNvPr id="12" name="Imagem 11">
-            <a:extLst>
-              <a:ext uri="{FF2B5EF4-FFF2-40B4-BE49-F238E27FC236}">
-                <a16:creationId xmlns:a16="http://schemas.microsoft.com/office/drawing/2014/main" id="{54CEDF61-8D9E-CBCA-64A7-B8B6C94A67E5}"/>
+          <p:cNvPr id="1036" name="Picture 12" descr="Armazenamento de banco de dados - ícones de tecnologia grátis">
+            <a:extLst>
+              <a:ext uri="{FF2B5EF4-FFF2-40B4-BE49-F238E27FC236}">
+                <a16:creationId xmlns:a16="http://schemas.microsoft.com/office/drawing/2014/main" id="{32575FE8-F9A7-C294-10D8-EC1C5E0CD37B}"/>
               </a:ext>
             </a:extLst>
           </p:cNvPr>
           <p:cNvPicPr>
-            <a:picLocks noChangeAspect="1"/>
+            <a:picLocks noChangeAspect="1" noChangeArrowheads="1"/>
           </p:cNvPicPr>
           <p:nvPr/>
         </p:nvPicPr>
         <p:blipFill>
-          <a:blip r:embed="rId4"/>
+          <a:blip r:embed="rId3">
+            <a:extLst>
+              <a:ext uri="{28A0092B-C50C-407E-A947-70E740481C1C}">
+                <a14:useLocalDpi xmlns:a14="http://schemas.microsoft.com/office/drawing/2010/main" val="0"/>
+              </a:ext>
+            </a:extLst>
+          </a:blip>
+          <a:srcRect/>
           <a:stretch>
             <a:fillRect/>
           </a:stretch>
         </p:blipFill>
-        <p:spPr>
-          <a:xfrm>
-            <a:off x="0" y="2495974"/>
-            <a:ext cx="12192000" cy="622685"/>
+        <p:spPr bwMode="auto">
+          <a:xfrm>
+            <a:off x="175971" y="2676525"/>
+            <a:ext cx="1952624" cy="1952624"/>
           </a:xfrm>
           <a:prstGeom prst="rect">
             <a:avLst/>
           </a:prstGeom>
-        </p:spPr>
-      </p:pic>
-      <p:pic>
-        <p:nvPicPr>
-          <p:cNvPr id="14" name="Imagem 13">
-            <a:extLst>
-              <a:ext uri="{FF2B5EF4-FFF2-40B4-BE49-F238E27FC236}">
-                <a16:creationId xmlns:a16="http://schemas.microsoft.com/office/drawing/2014/main" id="{41C8023B-3A06-928E-77B4-649E2E3475C3}"/>
-              </a:ext>
-            </a:extLst>
-          </p:cNvPr>
-          <p:cNvPicPr>
-            <a:picLocks noChangeAspect="1"/>
-          </p:cNvPicPr>
-          <p:nvPr/>
-        </p:nvPicPr>
-        <p:blipFill>
-          <a:blip r:embed="rId5"/>
-          <a:stretch>
-            <a:fillRect/>
-          </a:stretch>
-        </p:blipFill>
-        <p:spPr>
-          <a:xfrm>
-            <a:off x="309392" y="3771405"/>
-            <a:ext cx="3429000" cy="323850"/>
-          </a:xfrm>
-          <a:prstGeom prst="rect">
-            <a:avLst/>
-          </a:prstGeom>
-        </p:spPr>
-      </p:pic>
-      <p:sp>
-        <p:nvSpPr>
-          <p:cNvPr id="15" name="CaixaDeTexto 14">
-            <a:extLst>
-              <a:ext uri="{FF2B5EF4-FFF2-40B4-BE49-F238E27FC236}">
-                <a16:creationId xmlns:a16="http://schemas.microsoft.com/office/drawing/2014/main" id="{46182CE8-8ABB-DD0E-446C-9A1360F32E45}"/>
-              </a:ext>
-            </a:extLst>
-          </p:cNvPr>
-          <p:cNvSpPr txBox="1"/>
-          <p:nvPr/>
-        </p:nvSpPr>
-        <p:spPr>
-          <a:xfrm>
-            <a:off x="175971" y="3347038"/>
-            <a:ext cx="10204174" cy="369332"/>
-          </a:xfrm>
-          <a:prstGeom prst="rect">
-            <a:avLst/>
-          </a:prstGeom>
-          <a:solidFill>
-            <a:srgbClr val="00B050"/>
-          </a:solidFill>
-        </p:spPr>
-        <p:txBody>
-          <a:bodyPr wrap="square">
-            <a:spAutoFit/>
-          </a:bodyPr>
-          <a:lstStyle>
-            <a:defPPr>
-              <a:defRPr lang="pt-BR"/>
-            </a:defPPr>
-            <a:lvl1pPr>
-              <a:buFont typeface="Arial" panose="020B0604020202020204" pitchFamily="34" charset="0"/>
-              <a:buChar char="•"/>
-              <a:defRPr b="1" i="0">
-                <a:solidFill>
-                  <a:schemeClr val="bg1"/>
-                </a:solidFill>
-                <a:effectLst/>
-                <a:latin typeface="-apple-system"/>
-              </a:defRPr>
-            </a:lvl1pPr>
-          </a:lstStyle>
-          <a:p>
-            <a:r>
-              <a:rPr lang="pt-BR" dirty="0" err="1"/>
-              <a:t>Qlik-cli</a:t>
-            </a:r>
-            <a:r>
-              <a:rPr lang="pt-BR" dirty="0"/>
-              <a:t> Instalação: choco </a:t>
-            </a:r>
-            <a:r>
-              <a:rPr lang="pt-BR" dirty="0" err="1"/>
-              <a:t>install</a:t>
-            </a:r>
-            <a:r>
-              <a:rPr lang="pt-BR" dirty="0"/>
-              <a:t> </a:t>
-            </a:r>
-            <a:r>
-              <a:rPr lang="pt-BR" dirty="0" err="1"/>
-              <a:t>qlik-cli</a:t>
-            </a:r>
-            <a:endParaRPr lang="pt-BR" dirty="0"/>
-          </a:p>
-        </p:txBody>
-      </p:sp>
-      <p:pic>
-        <p:nvPicPr>
-          <p:cNvPr id="17" name="Imagem 16">
-            <a:extLst>
-              <a:ext uri="{FF2B5EF4-FFF2-40B4-BE49-F238E27FC236}">
-                <a16:creationId xmlns:a16="http://schemas.microsoft.com/office/drawing/2014/main" id="{51241AC7-7357-68DB-F114-4BDD9532EA19}"/>
-              </a:ext>
-            </a:extLst>
-          </p:cNvPr>
-          <p:cNvPicPr>
-            <a:picLocks noChangeAspect="1"/>
-          </p:cNvPicPr>
-          <p:nvPr/>
-        </p:nvPicPr>
-        <p:blipFill>
-          <a:blip r:embed="rId6"/>
-          <a:stretch>
-            <a:fillRect/>
-          </a:stretch>
-        </p:blipFill>
-        <p:spPr>
-          <a:xfrm>
-            <a:off x="309392" y="4943939"/>
-            <a:ext cx="5353050" cy="1800225"/>
-          </a:xfrm>
-          <a:prstGeom prst="rect">
-            <a:avLst/>
-          </a:prstGeom>
-        </p:spPr>
-      </p:pic>
-      <p:sp>
-        <p:nvSpPr>
-          <p:cNvPr id="18" name="CaixaDeTexto 17">
-            <a:extLst>
-              <a:ext uri="{FF2B5EF4-FFF2-40B4-BE49-F238E27FC236}">
-                <a16:creationId xmlns:a16="http://schemas.microsoft.com/office/drawing/2014/main" id="{108DB891-5E51-730F-8DD5-64FA02B369CF}"/>
-              </a:ext>
-            </a:extLst>
-          </p:cNvPr>
-          <p:cNvSpPr txBox="1"/>
-          <p:nvPr/>
-        </p:nvSpPr>
-        <p:spPr>
-          <a:xfrm>
-            <a:off x="175971" y="4531744"/>
-            <a:ext cx="10204174" cy="369332"/>
-          </a:xfrm>
-          <a:prstGeom prst="rect">
-            <a:avLst/>
-          </a:prstGeom>
-          <a:solidFill>
-            <a:srgbClr val="00B050"/>
-          </a:solidFill>
-        </p:spPr>
-        <p:txBody>
-          <a:bodyPr wrap="square">
-            <a:spAutoFit/>
-          </a:bodyPr>
-          <a:lstStyle>
-            <a:defPPr>
-              <a:defRPr lang="pt-BR"/>
-            </a:defPPr>
-            <a:lvl1pPr>
-              <a:buFont typeface="Arial" panose="020B0604020202020204" pitchFamily="34" charset="0"/>
-              <a:buChar char="•"/>
-              <a:defRPr b="1" i="0">
-                <a:solidFill>
-                  <a:schemeClr val="bg1"/>
-                </a:solidFill>
-                <a:effectLst/>
-                <a:latin typeface="-apple-system"/>
-              </a:defRPr>
-            </a:lvl1pPr>
-          </a:lstStyle>
-          <a:p>
-            <a:r>
-              <a:rPr lang="pt-BR" dirty="0" err="1"/>
-              <a:t>Jq</a:t>
-            </a:r>
-            <a:r>
-              <a:rPr lang="pt-BR" dirty="0"/>
-              <a:t> Instalação: choco </a:t>
-            </a:r>
-            <a:r>
-              <a:rPr lang="pt-BR" dirty="0" err="1"/>
-              <a:t>install</a:t>
-            </a:r>
-            <a:r>
-              <a:rPr lang="pt-BR" dirty="0"/>
-              <a:t> </a:t>
-            </a:r>
-            <a:r>
-              <a:rPr lang="pt-BR" dirty="0" err="1"/>
-              <a:t>jq</a:t>
-            </a:r>
-            <a:endParaRPr lang="pt-BR" dirty="0"/>
-          </a:p>
-        </p:txBody>
-      </p:sp>
-      <p:pic>
-        <p:nvPicPr>
-          <p:cNvPr id="22" name="Imagem 21">
-            <a:extLst>
-              <a:ext uri="{FF2B5EF4-FFF2-40B4-BE49-F238E27FC236}">
-                <a16:creationId xmlns:a16="http://schemas.microsoft.com/office/drawing/2014/main" id="{123C86B9-B592-FB7E-7322-13DEBFA42E19}"/>
-              </a:ext>
-            </a:extLst>
-          </p:cNvPr>
-          <p:cNvPicPr>
-            <a:picLocks noChangeAspect="1"/>
-          </p:cNvPicPr>
-          <p:nvPr/>
-        </p:nvPicPr>
-        <p:blipFill>
-          <a:blip r:embed="rId7"/>
-          <a:stretch>
-            <a:fillRect/>
-          </a:stretch>
-        </p:blipFill>
-        <p:spPr>
-          <a:xfrm>
-            <a:off x="5764696" y="4901076"/>
-            <a:ext cx="4876800" cy="1885950"/>
-          </a:xfrm>
-          <a:prstGeom prst="rect">
-            <a:avLst/>
-          </a:prstGeom>
+          <a:noFill/>
+          <a:extLst>
+            <a:ext uri="{909E8E84-426E-40DD-AFC4-6F175D3DCCD1}">
+              <a14:hiddenFill xmlns:a14="http://schemas.microsoft.com/office/drawing/2010/main">
+                <a:solidFill>
+                  <a:srgbClr val="FFFFFF"/>
+                </a:solidFill>
+              </a14:hiddenFill>
+            </a:ext>
+          </a:extLst>
         </p:spPr>
       </p:pic>
     </p:spTree>
     <p:extLst>
       <p:ext uri="{BB962C8B-B14F-4D97-AF65-F5344CB8AC3E}">
-        <p14:creationId xmlns:p14="http://schemas.microsoft.com/office/powerpoint/2010/main" val="405508154"/>
+        <p14:creationId xmlns:p14="http://schemas.microsoft.com/office/powerpoint/2010/main" val="791937240"/>
       </p:ext>
     </p:extLst>
   </p:cSld>
@@ -4972,10 +6116,10 @@
       </p:grpSpPr>
       <p:sp>
         <p:nvSpPr>
-          <p:cNvPr id="2" name="CaixaDeTexto 1">
-            <a:extLst>
-              <a:ext uri="{FF2B5EF4-FFF2-40B4-BE49-F238E27FC236}">
-                <a16:creationId xmlns:a16="http://schemas.microsoft.com/office/drawing/2014/main" id="{A771A156-4D14-EB44-E0A8-5DDC603ADB4C}"/>
+          <p:cNvPr id="5" name="CaixaDeTexto 1">
+            <a:extLst>
+              <a:ext uri="{FF2B5EF4-FFF2-40B4-BE49-F238E27FC236}">
+                <a16:creationId xmlns:a16="http://schemas.microsoft.com/office/drawing/2014/main" id="{6F63F82B-BCAB-DD5E-06DD-4540E5B25BDF}"/>
               </a:ext>
             </a:extLst>
           </p:cNvPr>
@@ -5000,185 +6144,566 @@
           <a:p>
             <a:r>
               <a:rPr lang="pt-BR" sz="4000" dirty="0"/>
-              <a:t>Ferramentas para acessar </a:t>
-            </a:r>
-            <a:r>
-              <a:rPr lang="pt-BR" sz="4000" dirty="0" err="1"/>
-              <a:t>qlik-cli</a:t>
-            </a:r>
-            <a:endParaRPr lang="pt-BR" sz="4000" dirty="0"/>
-          </a:p>
-        </p:txBody>
-      </p:sp>
-      <p:sp>
-        <p:nvSpPr>
-          <p:cNvPr id="6" name="CaixaDeTexto 5">
-            <a:extLst>
-              <a:ext uri="{FF2B5EF4-FFF2-40B4-BE49-F238E27FC236}">
-                <a16:creationId xmlns:a16="http://schemas.microsoft.com/office/drawing/2014/main" id="{1290855D-6FB6-2448-3040-E7D73734B1A6}"/>
-              </a:ext>
-            </a:extLst>
-          </p:cNvPr>
-          <p:cNvSpPr txBox="1"/>
+              <a:t>Contexto de qlik apis</a:t>
+            </a:r>
+          </a:p>
+        </p:txBody>
+      </p:sp>
+      <p:sp>
+        <p:nvSpPr>
+          <p:cNvPr id="11" name="Rectangle: Rounded Corners 10">
+            <a:extLst>
+              <a:ext uri="{FF2B5EF4-FFF2-40B4-BE49-F238E27FC236}">
+                <a16:creationId xmlns:a16="http://schemas.microsoft.com/office/drawing/2014/main" id="{4ECC56EE-A220-228E-2495-5EE8F862CDC9}"/>
+              </a:ext>
+            </a:extLst>
+          </p:cNvPr>
+          <p:cNvSpPr/>
           <p:nvPr/>
         </p:nvSpPr>
         <p:spPr>
           <a:xfrm>
-            <a:off x="175971" y="872906"/>
-            <a:ext cx="10204174" cy="369332"/>
+            <a:off x="4487297" y="3122011"/>
+            <a:ext cx="1704512" cy="1464816"/>
+          </a:xfrm>
+          <a:prstGeom prst="roundRect">
+            <a:avLst/>
+          </a:prstGeom>
+        </p:spPr>
+        <p:style>
+          <a:lnRef idx="2">
+            <a:schemeClr val="accent1">
+              <a:shade val="15000"/>
+            </a:schemeClr>
+          </a:lnRef>
+          <a:fillRef idx="1">
+            <a:schemeClr val="accent1"/>
+          </a:fillRef>
+          <a:effectRef idx="0">
+            <a:schemeClr val="accent1"/>
+          </a:effectRef>
+          <a:fontRef idx="minor">
+            <a:schemeClr val="lt1"/>
+          </a:fontRef>
+        </p:style>
+        <p:txBody>
+          <a:bodyPr rtlCol="0" anchor="ctr"/>
+          <a:lstStyle/>
+          <a:p>
+            <a:pPr algn="ctr"/>
+            <a:r>
+              <a:rPr lang="pt-BR" dirty="0"/>
+              <a:t>APIs</a:t>
+            </a:r>
+          </a:p>
+        </p:txBody>
+      </p:sp>
+      <p:sp>
+        <p:nvSpPr>
+          <p:cNvPr id="12" name="Rectangle 11">
+            <a:extLst>
+              <a:ext uri="{FF2B5EF4-FFF2-40B4-BE49-F238E27FC236}">
+                <a16:creationId xmlns:a16="http://schemas.microsoft.com/office/drawing/2014/main" id="{4960701A-E7B8-77ED-AEC0-6883742BA80B}"/>
+              </a:ext>
+            </a:extLst>
+          </p:cNvPr>
+          <p:cNvSpPr/>
+          <p:nvPr/>
+        </p:nvSpPr>
+        <p:spPr>
+          <a:xfrm>
+            <a:off x="10235587" y="691746"/>
+            <a:ext cx="1553592" cy="1162975"/>
           </a:xfrm>
           <a:prstGeom prst="rect">
             <a:avLst/>
           </a:prstGeom>
-          <a:solidFill>
-            <a:srgbClr val="00B050"/>
-          </a:solidFill>
-        </p:spPr>
-        <p:txBody>
-          <a:bodyPr wrap="square">
-            <a:spAutoFit/>
-          </a:bodyPr>
-          <a:lstStyle/>
-          <a:p>
-            <a:pPr algn="l">
-              <a:buFont typeface="Arial" panose="020B0604020202020204" pitchFamily="34" charset="0"/>
-              <a:buChar char="•"/>
-            </a:pPr>
-            <a:r>
-              <a:rPr lang="pt-BR" b="1" i="0" dirty="0">
-                <a:solidFill>
-                  <a:schemeClr val="bg1"/>
-                </a:solidFill>
-                <a:effectLst/>
-                <a:latin typeface="-apple-system"/>
-              </a:rPr>
-              <a:t>CMD</a:t>
-            </a:r>
-            <a:endParaRPr lang="pt-BR" b="0" i="0" dirty="0">
-              <a:solidFill>
-                <a:schemeClr val="bg1"/>
-              </a:solidFill>
-              <a:effectLst/>
-              <a:latin typeface="-apple-system"/>
-            </a:endParaRPr>
-          </a:p>
-        </p:txBody>
-      </p:sp>
-      <p:sp>
-        <p:nvSpPr>
-          <p:cNvPr id="15" name="CaixaDeTexto 14">
-            <a:extLst>
-              <a:ext uri="{FF2B5EF4-FFF2-40B4-BE49-F238E27FC236}">
-                <a16:creationId xmlns:a16="http://schemas.microsoft.com/office/drawing/2014/main" id="{46182CE8-8ABB-DD0E-446C-9A1360F32E45}"/>
-              </a:ext>
-            </a:extLst>
-          </p:cNvPr>
-          <p:cNvSpPr txBox="1"/>
+          <a:ln w="76200">
+            <a:solidFill>
+              <a:srgbClr val="7030A0"/>
+            </a:solidFill>
+          </a:ln>
+        </p:spPr>
+        <p:style>
+          <a:lnRef idx="2">
+            <a:schemeClr val="accent2">
+              <a:shade val="15000"/>
+            </a:schemeClr>
+          </a:lnRef>
+          <a:fillRef idx="1">
+            <a:schemeClr val="accent2"/>
+          </a:fillRef>
+          <a:effectRef idx="0">
+            <a:schemeClr val="accent2"/>
+          </a:effectRef>
+          <a:fontRef idx="minor">
+            <a:schemeClr val="lt1"/>
+          </a:fontRef>
+        </p:style>
+        <p:txBody>
+          <a:bodyPr rtlCol="0" anchor="ctr"/>
+          <a:lstStyle/>
+          <a:p>
+            <a:pPr algn="ctr"/>
+            <a:r>
+              <a:rPr lang="pt-BR" dirty="0"/>
+              <a:t>Qlik-cli</a:t>
+            </a:r>
+          </a:p>
+        </p:txBody>
+      </p:sp>
+      <p:sp>
+        <p:nvSpPr>
+          <p:cNvPr id="13" name="Rectangle 12">
+            <a:extLst>
+              <a:ext uri="{FF2B5EF4-FFF2-40B4-BE49-F238E27FC236}">
+                <a16:creationId xmlns:a16="http://schemas.microsoft.com/office/drawing/2014/main" id="{76499FE3-4C0F-C2E0-E501-44F6650C8500}"/>
+              </a:ext>
+            </a:extLst>
+          </p:cNvPr>
+          <p:cNvSpPr/>
           <p:nvPr/>
         </p:nvSpPr>
         <p:spPr>
           <a:xfrm>
-            <a:off x="175971" y="3207845"/>
-            <a:ext cx="10204174" cy="369332"/>
+            <a:off x="10235587" y="1990105"/>
+            <a:ext cx="1553592" cy="1162975"/>
           </a:xfrm>
           <a:prstGeom prst="rect">
             <a:avLst/>
           </a:prstGeom>
-          <a:solidFill>
-            <a:srgbClr val="00B050"/>
-          </a:solidFill>
-        </p:spPr>
-        <p:txBody>
-          <a:bodyPr wrap="square">
-            <a:spAutoFit/>
-          </a:bodyPr>
-          <a:lstStyle>
-            <a:defPPr>
-              <a:defRPr lang="pt-BR"/>
-            </a:defPPr>
-            <a:lvl1pPr>
-              <a:buFont typeface="Arial" panose="020B0604020202020204" pitchFamily="34" charset="0"/>
-              <a:buChar char="•"/>
-              <a:defRPr b="1" i="0">
-                <a:solidFill>
-                  <a:schemeClr val="bg1"/>
-                </a:solidFill>
-                <a:effectLst/>
-                <a:latin typeface="-apple-system"/>
-              </a:defRPr>
-            </a:lvl1pPr>
-          </a:lstStyle>
-          <a:p>
-            <a:r>
-              <a:rPr lang="pt-BR" dirty="0" err="1"/>
-              <a:t>PowerShell</a:t>
-            </a:r>
-            <a:endParaRPr lang="pt-BR" dirty="0"/>
-          </a:p>
-        </p:txBody>
-      </p:sp>
-      <p:sp>
-        <p:nvSpPr>
-          <p:cNvPr id="18" name="CaixaDeTexto 17">
-            <a:extLst>
-              <a:ext uri="{FF2B5EF4-FFF2-40B4-BE49-F238E27FC236}">
-                <a16:creationId xmlns:a16="http://schemas.microsoft.com/office/drawing/2014/main" id="{108DB891-5E51-730F-8DD5-64FA02B369CF}"/>
-              </a:ext>
-            </a:extLst>
-          </p:cNvPr>
-          <p:cNvSpPr txBox="1"/>
+        </p:spPr>
+        <p:style>
+          <a:lnRef idx="2">
+            <a:schemeClr val="accent2">
+              <a:shade val="15000"/>
+            </a:schemeClr>
+          </a:lnRef>
+          <a:fillRef idx="1">
+            <a:schemeClr val="accent2"/>
+          </a:fillRef>
+          <a:effectRef idx="0">
+            <a:schemeClr val="accent2"/>
+          </a:effectRef>
+          <a:fontRef idx="minor">
+            <a:schemeClr val="lt1"/>
+          </a:fontRef>
+        </p:style>
+        <p:txBody>
+          <a:bodyPr rtlCol="0" anchor="ctr"/>
+          <a:lstStyle/>
+          <a:p>
+            <a:pPr algn="ctr"/>
+            <a:r>
+              <a:rPr lang="pt-BR" dirty="0"/>
+              <a:t>Python-sdk</a:t>
+            </a:r>
+          </a:p>
+        </p:txBody>
+      </p:sp>
+      <p:sp>
+        <p:nvSpPr>
+          <p:cNvPr id="14" name="Rectangle 13">
+            <a:extLst>
+              <a:ext uri="{FF2B5EF4-FFF2-40B4-BE49-F238E27FC236}">
+                <a16:creationId xmlns:a16="http://schemas.microsoft.com/office/drawing/2014/main" id="{89557926-4814-F537-C0BC-AF2AC6DEBB76}"/>
+              </a:ext>
+            </a:extLst>
+          </p:cNvPr>
+          <p:cNvSpPr/>
           <p:nvPr/>
         </p:nvSpPr>
         <p:spPr>
           <a:xfrm>
-            <a:off x="175971" y="4595038"/>
-            <a:ext cx="10204174" cy="369332"/>
+            <a:off x="10235587" y="3288466"/>
+            <a:ext cx="1553592" cy="1162975"/>
           </a:xfrm>
           <a:prstGeom prst="rect">
             <a:avLst/>
           </a:prstGeom>
-          <a:solidFill>
-            <a:srgbClr val="00B050"/>
-          </a:solidFill>
-        </p:spPr>
-        <p:txBody>
-          <a:bodyPr wrap="square">
-            <a:spAutoFit/>
-          </a:bodyPr>
-          <a:lstStyle>
-            <a:defPPr>
-              <a:defRPr lang="pt-BR"/>
-            </a:defPPr>
-            <a:lvl1pPr>
-              <a:buFont typeface="Arial" panose="020B0604020202020204" pitchFamily="34" charset="0"/>
-              <a:buChar char="•"/>
-              <a:defRPr b="1" i="0">
-                <a:solidFill>
-                  <a:schemeClr val="bg1"/>
-                </a:solidFill>
-                <a:effectLst/>
-                <a:latin typeface="-apple-system"/>
-              </a:defRPr>
-            </a:lvl1pPr>
-          </a:lstStyle>
-          <a:p>
-            <a:r>
-              <a:rPr lang="pt-BR" dirty="0" err="1"/>
-              <a:t>PowerShell</a:t>
-            </a:r>
+        </p:spPr>
+        <p:style>
+          <a:lnRef idx="2">
+            <a:schemeClr val="accent2">
+              <a:shade val="15000"/>
+            </a:schemeClr>
+          </a:lnRef>
+          <a:fillRef idx="1">
+            <a:schemeClr val="accent2"/>
+          </a:fillRef>
+          <a:effectRef idx="0">
+            <a:schemeClr val="accent2"/>
+          </a:effectRef>
+          <a:fontRef idx="minor">
+            <a:schemeClr val="lt1"/>
+          </a:fontRef>
+        </p:style>
+        <p:txBody>
+          <a:bodyPr rtlCol="0" anchor="ctr"/>
+          <a:lstStyle/>
+          <a:p>
+            <a:pPr algn="ctr"/>
             <a:r>
               <a:rPr lang="pt-BR" dirty="0"/>
-              <a:t> ISE</a:t>
-            </a:r>
-          </a:p>
-        </p:txBody>
-      </p:sp>
+              <a:t>rest</a:t>
+            </a:r>
+          </a:p>
+        </p:txBody>
+      </p:sp>
+      <p:sp>
+        <p:nvSpPr>
+          <p:cNvPr id="15" name="Rectangle 14">
+            <a:extLst>
+              <a:ext uri="{FF2B5EF4-FFF2-40B4-BE49-F238E27FC236}">
+                <a16:creationId xmlns:a16="http://schemas.microsoft.com/office/drawing/2014/main" id="{5E65566E-0DF7-588E-8599-EE81C0AA5EE3}"/>
+              </a:ext>
+            </a:extLst>
+          </p:cNvPr>
+          <p:cNvSpPr/>
+          <p:nvPr/>
+        </p:nvSpPr>
+        <p:spPr>
+          <a:xfrm>
+            <a:off x="10235587" y="4586827"/>
+            <a:ext cx="1553592" cy="1162975"/>
+          </a:xfrm>
+          <a:prstGeom prst="rect">
+            <a:avLst/>
+          </a:prstGeom>
+        </p:spPr>
+        <p:style>
+          <a:lnRef idx="2">
+            <a:schemeClr val="accent2">
+              <a:shade val="15000"/>
+            </a:schemeClr>
+          </a:lnRef>
+          <a:fillRef idx="1">
+            <a:schemeClr val="accent2"/>
+          </a:fillRef>
+          <a:effectRef idx="0">
+            <a:schemeClr val="accent2"/>
+          </a:effectRef>
+          <a:fontRef idx="minor">
+            <a:schemeClr val="lt1"/>
+          </a:fontRef>
+        </p:style>
+        <p:txBody>
+          <a:bodyPr rtlCol="0" anchor="ctr"/>
+          <a:lstStyle/>
+          <a:p>
+            <a:pPr algn="ctr"/>
+            <a:r>
+              <a:rPr lang="pt-BR" dirty="0"/>
+              <a:t>automation</a:t>
+            </a:r>
+          </a:p>
+        </p:txBody>
+      </p:sp>
+      <p:sp>
+        <p:nvSpPr>
+          <p:cNvPr id="16" name="Rectangle 15">
+            <a:extLst>
+              <a:ext uri="{FF2B5EF4-FFF2-40B4-BE49-F238E27FC236}">
+                <a16:creationId xmlns:a16="http://schemas.microsoft.com/office/drawing/2014/main" id="{139D4D31-A606-9E2A-FCA5-4E31DDBC4BD8}"/>
+              </a:ext>
+            </a:extLst>
+          </p:cNvPr>
+          <p:cNvSpPr/>
+          <p:nvPr/>
+        </p:nvSpPr>
+        <p:spPr>
+          <a:xfrm>
+            <a:off x="10235587" y="5938449"/>
+            <a:ext cx="1553592" cy="454174"/>
+          </a:xfrm>
+          <a:prstGeom prst="rect">
+            <a:avLst/>
+          </a:prstGeom>
+        </p:spPr>
+        <p:style>
+          <a:lnRef idx="2">
+            <a:schemeClr val="accent2">
+              <a:shade val="15000"/>
+            </a:schemeClr>
+          </a:lnRef>
+          <a:fillRef idx="1">
+            <a:schemeClr val="accent2"/>
+          </a:fillRef>
+          <a:effectRef idx="0">
+            <a:schemeClr val="accent2"/>
+          </a:effectRef>
+          <a:fontRef idx="minor">
+            <a:schemeClr val="lt1"/>
+          </a:fontRef>
+        </p:style>
+        <p:txBody>
+          <a:bodyPr rtlCol="0" anchor="ctr"/>
+          <a:lstStyle/>
+          <a:p>
+            <a:pPr algn="ctr"/>
+            <a:r>
+              <a:rPr lang="pt-BR" dirty="0"/>
+              <a:t>outros</a:t>
+            </a:r>
+          </a:p>
+        </p:txBody>
+      </p:sp>
+      <p:cxnSp>
+        <p:nvCxnSpPr>
+          <p:cNvPr id="18" name="Straight Arrow Connector 17">
+            <a:extLst>
+              <a:ext uri="{FF2B5EF4-FFF2-40B4-BE49-F238E27FC236}">
+                <a16:creationId xmlns:a16="http://schemas.microsoft.com/office/drawing/2014/main" id="{7B6EFEEC-7C5F-FC15-4F71-79ECE654D8AB}"/>
+              </a:ext>
+            </a:extLst>
+          </p:cNvPr>
+          <p:cNvCxnSpPr/>
+          <p:nvPr/>
+        </p:nvCxnSpPr>
+        <p:spPr>
+          <a:xfrm>
+            <a:off x="3395711" y="3823034"/>
+            <a:ext cx="852256" cy="0"/>
+          </a:xfrm>
+          <a:prstGeom prst="straightConnector1">
+            <a:avLst/>
+          </a:prstGeom>
+          <a:ln w="76200">
+            <a:headEnd type="triangle"/>
+            <a:tailEnd type="triangle"/>
+          </a:ln>
+        </p:spPr>
+        <p:style>
+          <a:lnRef idx="3">
+            <a:schemeClr val="accent6"/>
+          </a:lnRef>
+          <a:fillRef idx="0">
+            <a:schemeClr val="accent6"/>
+          </a:fillRef>
+          <a:effectRef idx="2">
+            <a:schemeClr val="accent6"/>
+          </a:effectRef>
+          <a:fontRef idx="minor">
+            <a:schemeClr val="tx1"/>
+          </a:fontRef>
+        </p:style>
+      </p:cxnSp>
+      <p:cxnSp>
+        <p:nvCxnSpPr>
+          <p:cNvPr id="19" name="Straight Arrow Connector 18">
+            <a:extLst>
+              <a:ext uri="{FF2B5EF4-FFF2-40B4-BE49-F238E27FC236}">
+                <a16:creationId xmlns:a16="http://schemas.microsoft.com/office/drawing/2014/main" id="{204D1B74-B674-36A5-8B91-0DABEF8CD331}"/>
+              </a:ext>
+            </a:extLst>
+          </p:cNvPr>
+          <p:cNvCxnSpPr>
+            <a:cxnSpLocks/>
+          </p:cNvCxnSpPr>
+          <p:nvPr/>
+        </p:nvCxnSpPr>
+        <p:spPr>
+          <a:xfrm flipV="1">
+            <a:off x="6394698" y="1162213"/>
+            <a:ext cx="3583803" cy="1990866"/>
+          </a:xfrm>
+          <a:prstGeom prst="straightConnector1">
+            <a:avLst/>
+          </a:prstGeom>
+          <a:ln w="76200">
+            <a:headEnd type="triangle"/>
+            <a:tailEnd type="triangle"/>
+          </a:ln>
+        </p:spPr>
+        <p:style>
+          <a:lnRef idx="3">
+            <a:schemeClr val="accent6"/>
+          </a:lnRef>
+          <a:fillRef idx="0">
+            <a:schemeClr val="accent6"/>
+          </a:fillRef>
+          <a:effectRef idx="2">
+            <a:schemeClr val="accent6"/>
+          </a:effectRef>
+          <a:fontRef idx="minor">
+            <a:schemeClr val="tx1"/>
+          </a:fontRef>
+        </p:style>
+      </p:cxnSp>
+      <p:cxnSp>
+        <p:nvCxnSpPr>
+          <p:cNvPr id="22" name="Straight Arrow Connector 21">
+            <a:extLst>
+              <a:ext uri="{FF2B5EF4-FFF2-40B4-BE49-F238E27FC236}">
+                <a16:creationId xmlns:a16="http://schemas.microsoft.com/office/drawing/2014/main" id="{A1B1BD86-E9BC-8759-3385-C054EF245861}"/>
+              </a:ext>
+            </a:extLst>
+          </p:cNvPr>
+          <p:cNvCxnSpPr>
+            <a:cxnSpLocks/>
+          </p:cNvCxnSpPr>
+          <p:nvPr/>
+        </p:nvCxnSpPr>
+        <p:spPr>
+          <a:xfrm flipV="1">
+            <a:off x="6507332" y="2571592"/>
+            <a:ext cx="3542191" cy="850543"/>
+          </a:xfrm>
+          <a:prstGeom prst="straightConnector1">
+            <a:avLst/>
+          </a:prstGeom>
+          <a:ln w="76200">
+            <a:headEnd type="triangle"/>
+            <a:tailEnd type="triangle"/>
+          </a:ln>
+        </p:spPr>
+        <p:style>
+          <a:lnRef idx="3">
+            <a:schemeClr val="accent6"/>
+          </a:lnRef>
+          <a:fillRef idx="0">
+            <a:schemeClr val="accent6"/>
+          </a:fillRef>
+          <a:effectRef idx="2">
+            <a:schemeClr val="accent6"/>
+          </a:effectRef>
+          <a:fontRef idx="minor">
+            <a:schemeClr val="tx1"/>
+          </a:fontRef>
+        </p:style>
+      </p:cxnSp>
+      <p:cxnSp>
+        <p:nvCxnSpPr>
+          <p:cNvPr id="24" name="Straight Arrow Connector 23">
+            <a:extLst>
+              <a:ext uri="{FF2B5EF4-FFF2-40B4-BE49-F238E27FC236}">
+                <a16:creationId xmlns:a16="http://schemas.microsoft.com/office/drawing/2014/main" id="{E9BB7C13-1EDF-FBE0-B07B-C9B0B1E1DDCD}"/>
+              </a:ext>
+            </a:extLst>
+          </p:cNvPr>
+          <p:cNvCxnSpPr>
+            <a:cxnSpLocks/>
+          </p:cNvCxnSpPr>
+          <p:nvPr/>
+        </p:nvCxnSpPr>
+        <p:spPr>
+          <a:xfrm>
+            <a:off x="6525087" y="3764262"/>
+            <a:ext cx="3550329" cy="58772"/>
+          </a:xfrm>
+          <a:prstGeom prst="straightConnector1">
+            <a:avLst/>
+          </a:prstGeom>
+          <a:ln w="76200">
+            <a:headEnd type="triangle"/>
+            <a:tailEnd type="triangle"/>
+          </a:ln>
+        </p:spPr>
+        <p:style>
+          <a:lnRef idx="3">
+            <a:schemeClr val="accent6"/>
+          </a:lnRef>
+          <a:fillRef idx="0">
+            <a:schemeClr val="accent6"/>
+          </a:fillRef>
+          <a:effectRef idx="2">
+            <a:schemeClr val="accent6"/>
+          </a:effectRef>
+          <a:fontRef idx="minor">
+            <a:schemeClr val="tx1"/>
+          </a:fontRef>
+        </p:style>
+      </p:cxnSp>
+      <p:cxnSp>
+        <p:nvCxnSpPr>
+          <p:cNvPr id="26" name="Straight Arrow Connector 25">
+            <a:extLst>
+              <a:ext uri="{FF2B5EF4-FFF2-40B4-BE49-F238E27FC236}">
+                <a16:creationId xmlns:a16="http://schemas.microsoft.com/office/drawing/2014/main" id="{D2738AA2-9346-67E6-5F96-5A4ED58CD5B2}"/>
+              </a:ext>
+            </a:extLst>
+          </p:cNvPr>
+          <p:cNvCxnSpPr>
+            <a:cxnSpLocks/>
+          </p:cNvCxnSpPr>
+          <p:nvPr/>
+        </p:nvCxnSpPr>
+        <p:spPr>
+          <a:xfrm>
+            <a:off x="6394698" y="4451441"/>
+            <a:ext cx="3680718" cy="1763555"/>
+          </a:xfrm>
+          <a:prstGeom prst="straightConnector1">
+            <a:avLst/>
+          </a:prstGeom>
+          <a:ln w="76200">
+            <a:headEnd type="triangle"/>
+            <a:tailEnd type="triangle"/>
+          </a:ln>
+        </p:spPr>
+        <p:style>
+          <a:lnRef idx="3">
+            <a:schemeClr val="accent6"/>
+          </a:lnRef>
+          <a:fillRef idx="0">
+            <a:schemeClr val="accent6"/>
+          </a:fillRef>
+          <a:effectRef idx="2">
+            <a:schemeClr val="accent6"/>
+          </a:effectRef>
+          <a:fontRef idx="minor">
+            <a:schemeClr val="tx1"/>
+          </a:fontRef>
+        </p:style>
+      </p:cxnSp>
+      <p:cxnSp>
+        <p:nvCxnSpPr>
+          <p:cNvPr id="28" name="Straight Arrow Connector 27">
+            <a:extLst>
+              <a:ext uri="{FF2B5EF4-FFF2-40B4-BE49-F238E27FC236}">
+                <a16:creationId xmlns:a16="http://schemas.microsoft.com/office/drawing/2014/main" id="{79DA9721-083A-371C-6CEC-59E58F59C0BF}"/>
+              </a:ext>
+            </a:extLst>
+          </p:cNvPr>
+          <p:cNvCxnSpPr>
+            <a:cxnSpLocks/>
+          </p:cNvCxnSpPr>
+          <p:nvPr/>
+        </p:nvCxnSpPr>
+        <p:spPr>
+          <a:xfrm>
+            <a:off x="6507332" y="4050542"/>
+            <a:ext cx="3639845" cy="1240549"/>
+          </a:xfrm>
+          <a:prstGeom prst="straightConnector1">
+            <a:avLst/>
+          </a:prstGeom>
+          <a:ln w="76200">
+            <a:headEnd type="triangle"/>
+            <a:tailEnd type="triangle"/>
+          </a:ln>
+        </p:spPr>
+        <p:style>
+          <a:lnRef idx="3">
+            <a:schemeClr val="accent6"/>
+          </a:lnRef>
+          <a:fillRef idx="0">
+            <a:schemeClr val="accent6"/>
+          </a:fillRef>
+          <a:effectRef idx="2">
+            <a:schemeClr val="accent6"/>
+          </a:effectRef>
+          <a:fontRef idx="minor">
+            <a:schemeClr val="tx1"/>
+          </a:fontRef>
+        </p:style>
+      </p:cxnSp>
       <p:pic>
         <p:nvPicPr>
-          <p:cNvPr id="4" name="Imagem 3">
-            <a:extLst>
-              <a:ext uri="{FF2B5EF4-FFF2-40B4-BE49-F238E27FC236}">
-                <a16:creationId xmlns:a16="http://schemas.microsoft.com/office/drawing/2014/main" id="{30A9F7E9-A85B-A0E1-26EC-AF24892B9577}"/>
+          <p:cNvPr id="44" name="Picture 43">
+            <a:extLst>
+              <a:ext uri="{FF2B5EF4-FFF2-40B4-BE49-F238E27FC236}">
+                <a16:creationId xmlns:a16="http://schemas.microsoft.com/office/drawing/2014/main" id="{6B0AC8BA-2633-A3C3-D095-86E0A6582C8C}"/>
               </a:ext>
             </a:extLst>
           </p:cNvPr>
@@ -5195,8 +6720,8 @@
         </p:blipFill>
         <p:spPr>
           <a:xfrm>
-            <a:off x="435665" y="1342259"/>
-            <a:ext cx="7239000" cy="1695450"/>
+            <a:off x="550044" y="1039388"/>
+            <a:ext cx="2507197" cy="2011854"/>
           </a:xfrm>
           <a:prstGeom prst="rect">
             <a:avLst/>
@@ -5205,10 +6730,10 @@
       </p:pic>
       <p:pic>
         <p:nvPicPr>
-          <p:cNvPr id="7" name="Imagem 6">
-            <a:extLst>
-              <a:ext uri="{FF2B5EF4-FFF2-40B4-BE49-F238E27FC236}">
-                <a16:creationId xmlns:a16="http://schemas.microsoft.com/office/drawing/2014/main" id="{F9D1D18F-1052-FC8B-17B4-2FA70127D998}"/>
+          <p:cNvPr id="46" name="Picture 45">
+            <a:extLst>
+              <a:ext uri="{FF2B5EF4-FFF2-40B4-BE49-F238E27FC236}">
+                <a16:creationId xmlns:a16="http://schemas.microsoft.com/office/drawing/2014/main" id="{1EF9DC2E-8771-D050-66FB-21DD8D72BFB0}"/>
               </a:ext>
             </a:extLst>
           </p:cNvPr>
@@ -5225,38 +6750,8 @@
         </p:blipFill>
         <p:spPr>
           <a:xfrm>
-            <a:off x="435665" y="3699157"/>
-            <a:ext cx="6296025" cy="628650"/>
-          </a:xfrm>
-          <a:prstGeom prst="rect">
-            <a:avLst/>
-          </a:prstGeom>
-        </p:spPr>
-      </p:pic>
-      <p:pic>
-        <p:nvPicPr>
-          <p:cNvPr id="10" name="Imagem 9">
-            <a:extLst>
-              <a:ext uri="{FF2B5EF4-FFF2-40B4-BE49-F238E27FC236}">
-                <a16:creationId xmlns:a16="http://schemas.microsoft.com/office/drawing/2014/main" id="{59F9A93C-667B-A526-10FD-EA5A2A4B3F61}"/>
-              </a:ext>
-            </a:extLst>
-          </p:cNvPr>
-          <p:cNvPicPr>
-            <a:picLocks noChangeAspect="1"/>
-          </p:cNvPicPr>
-          <p:nvPr/>
-        </p:nvPicPr>
-        <p:blipFill>
-          <a:blip r:embed="rId4"/>
-          <a:stretch>
-            <a:fillRect/>
-          </a:stretch>
-        </p:blipFill>
-        <p:spPr>
-          <a:xfrm>
-            <a:off x="435665" y="5086350"/>
-            <a:ext cx="6943725" cy="1771650"/>
+            <a:off x="550044" y="3420518"/>
+            <a:ext cx="2628900" cy="3248025"/>
           </a:xfrm>
           <a:prstGeom prst="rect">
             <a:avLst/>
@@ -5266,7 +6761,7 @@
     </p:spTree>
     <p:extLst>
       <p:ext uri="{BB962C8B-B14F-4D97-AF65-F5344CB8AC3E}">
-        <p14:creationId xmlns:p14="http://schemas.microsoft.com/office/powerpoint/2010/main" val="2551532246"/>
+        <p14:creationId xmlns:p14="http://schemas.microsoft.com/office/powerpoint/2010/main" val="706885953"/>
       </p:ext>
     </p:extLst>
   </p:cSld>
@@ -5298,7 +6793,7 @@
           <p:cNvPr id="2" name="CaixaDeTexto 1">
             <a:extLst>
               <a:ext uri="{FF2B5EF4-FFF2-40B4-BE49-F238E27FC236}">
-                <a16:creationId xmlns:a16="http://schemas.microsoft.com/office/drawing/2014/main" id="{A771A156-4D14-EB44-E0A8-5DDC603ADB4C}"/>
+                <a16:creationId xmlns:a16="http://schemas.microsoft.com/office/drawing/2014/main" id="{AB362E3D-2270-C3D6-2CD9-F9C72914C924}"/>
               </a:ext>
             </a:extLst>
           </p:cNvPr>
@@ -5323,115 +6818,17 @@
           <a:p>
             <a:r>
               <a:rPr lang="pt-BR" sz="4000" dirty="0"/>
-              <a:t>Help/Documentação </a:t>
-            </a:r>
-            <a:r>
-              <a:rPr lang="pt-BR" sz="4000" dirty="0" err="1"/>
-              <a:t>qlik-cli</a:t>
-            </a:r>
-            <a:endParaRPr lang="pt-BR" sz="4000" dirty="0"/>
-          </a:p>
-        </p:txBody>
-      </p:sp>
-      <p:sp>
-        <p:nvSpPr>
-          <p:cNvPr id="4" name="CaixaDeTexto 3">
-            <a:extLst>
-              <a:ext uri="{FF2B5EF4-FFF2-40B4-BE49-F238E27FC236}">
-                <a16:creationId xmlns:a16="http://schemas.microsoft.com/office/drawing/2014/main" id="{C1C610E1-596D-1393-1198-C66C9D2E66BA}"/>
-              </a:ext>
-            </a:extLst>
-          </p:cNvPr>
-          <p:cNvSpPr txBox="1"/>
-          <p:nvPr/>
-        </p:nvSpPr>
-        <p:spPr>
-          <a:xfrm>
-            <a:off x="175971" y="941416"/>
-            <a:ext cx="10204174" cy="369332"/>
-          </a:xfrm>
-          <a:prstGeom prst="rect">
-            <a:avLst/>
-          </a:prstGeom>
-          <a:noFill/>
-        </p:spPr>
-        <p:txBody>
-          <a:bodyPr wrap="square">
-            <a:spAutoFit/>
-          </a:bodyPr>
-          <a:lstStyle/>
-          <a:p>
-            <a:pPr algn="l">
-              <a:buFont typeface="Arial" panose="020B0604020202020204" pitchFamily="34" charset="0"/>
-              <a:buChar char="•"/>
-            </a:pPr>
-            <a:r>
-              <a:rPr lang="pt-BR" b="0" i="0" dirty="0" err="1">
-                <a:solidFill>
-                  <a:srgbClr val="24292F"/>
-                </a:solidFill>
-                <a:effectLst/>
-                <a:latin typeface="-apple-system"/>
-              </a:rPr>
-              <a:t>Qlik-cli</a:t>
-            </a:r>
-            <a:r>
-              <a:rPr lang="pt-BR" b="0" i="0" dirty="0">
-                <a:solidFill>
-                  <a:srgbClr val="24292F"/>
-                </a:solidFill>
-                <a:effectLst/>
-                <a:latin typeface="-apple-system"/>
-              </a:rPr>
-              <a:t> - Documentação específica do </a:t>
-            </a:r>
-            <a:r>
-              <a:rPr lang="pt-BR" b="0" i="0" dirty="0" err="1">
-                <a:solidFill>
-                  <a:srgbClr val="24292F"/>
-                </a:solidFill>
-                <a:effectLst/>
-                <a:latin typeface="-apple-system"/>
-              </a:rPr>
-              <a:t>Qlik-Cli</a:t>
-            </a:r>
-            <a:r>
-              <a:rPr lang="pt-BR" b="0" i="0" dirty="0">
-                <a:solidFill>
-                  <a:srgbClr val="24292F"/>
-                </a:solidFill>
-                <a:effectLst/>
-                <a:latin typeface="-apple-system"/>
-              </a:rPr>
-              <a:t>: </a:t>
-            </a:r>
-            <a:r>
-              <a:rPr lang="pt-BR" b="0" i="0" u="none" strike="noStrike" dirty="0">
-                <a:solidFill>
-                  <a:srgbClr val="24292F"/>
-                </a:solidFill>
-                <a:effectLst/>
-                <a:latin typeface="-apple-system"/>
-                <a:hlinkClick r:id="rId2"/>
-              </a:rPr>
-              <a:t>https://qlik.dev/libraries-and-tools/qlik-cli</a:t>
-            </a:r>
-            <a:endParaRPr lang="pt-BR" b="0" i="0" dirty="0">
-              <a:solidFill>
-                <a:srgbClr val="24292F"/>
-              </a:solidFill>
-              <a:effectLst/>
-              <a:latin typeface="-apple-system"/>
-            </a:endParaRPr>
+              <a:t>Gerar chave api key</a:t>
+            </a:r>
           </a:p>
         </p:txBody>
       </p:sp>
       <p:pic>
         <p:nvPicPr>
-          <p:cNvPr id="5" name="Imagem 4">
-            <a:extLst>
-              <a:ext uri="{FF2B5EF4-FFF2-40B4-BE49-F238E27FC236}">
-                <a16:creationId xmlns:a16="http://schemas.microsoft.com/office/drawing/2014/main" id="{2E20E2A6-A725-C755-8161-F4C178FF5E08}"/>
+          <p:cNvPr id="4" name="Picture 3">
+            <a:extLst>
+              <a:ext uri="{FF2B5EF4-FFF2-40B4-BE49-F238E27FC236}">
+                <a16:creationId xmlns:a16="http://schemas.microsoft.com/office/drawing/2014/main" id="{A71A8ADF-3524-C8BC-5497-CBC8F7FABA73}"/>
               </a:ext>
             </a:extLst>
           </p:cNvPr>
@@ -5441,87 +6838,80 @@
           <p:nvPr/>
         </p:nvPicPr>
         <p:blipFill>
-          <a:blip r:embed="rId3"/>
+          <a:blip r:embed="rId2"/>
           <a:stretch>
             <a:fillRect/>
           </a:stretch>
         </p:blipFill>
         <p:spPr>
           <a:xfrm>
-            <a:off x="175971" y="1378012"/>
-            <a:ext cx="3514725" cy="2838450"/>
+            <a:off x="0" y="897343"/>
+            <a:ext cx="12192000" cy="5302040"/>
           </a:xfrm>
           <a:prstGeom prst="rect">
             <a:avLst/>
           </a:prstGeom>
         </p:spPr>
       </p:pic>
-      <p:pic>
-        <p:nvPicPr>
-          <p:cNvPr id="9" name="Imagem 8">
-            <a:extLst>
-              <a:ext uri="{FF2B5EF4-FFF2-40B4-BE49-F238E27FC236}">
-                <a16:creationId xmlns:a16="http://schemas.microsoft.com/office/drawing/2014/main" id="{43B4B1C1-BAD5-268B-EB61-E9677B2D82BA}"/>
-              </a:ext>
-            </a:extLst>
-          </p:cNvPr>
-          <p:cNvPicPr>
-            <a:picLocks noChangeAspect="1"/>
-          </p:cNvPicPr>
+      <p:sp>
+        <p:nvSpPr>
+          <p:cNvPr id="7" name="Oval 6">
+            <a:extLst>
+              <a:ext uri="{FF2B5EF4-FFF2-40B4-BE49-F238E27FC236}">
+                <a16:creationId xmlns:a16="http://schemas.microsoft.com/office/drawing/2014/main" id="{118CC78B-37C8-074A-856A-43DFDF275E47}"/>
+              </a:ext>
+            </a:extLst>
+          </p:cNvPr>
+          <p:cNvSpPr/>
           <p:nvPr/>
-        </p:nvPicPr>
-        <p:blipFill>
-          <a:blip r:embed="rId4"/>
-          <a:stretch>
-            <a:fillRect/>
-          </a:stretch>
-        </p:blipFill>
-        <p:spPr>
-          <a:xfrm>
-            <a:off x="7248146" y="1354821"/>
-            <a:ext cx="2781300" cy="5286375"/>
-          </a:xfrm>
-          <a:prstGeom prst="rect">
+        </p:nvSpPr>
+        <p:spPr>
+          <a:xfrm>
+            <a:off x="1916098" y="725687"/>
+            <a:ext cx="473476" cy="478243"/>
+          </a:xfrm>
+          <a:prstGeom prst="ellipse">
             <a:avLst/>
           </a:prstGeom>
-        </p:spPr>
-      </p:pic>
-      <p:pic>
-        <p:nvPicPr>
-          <p:cNvPr id="11" name="Imagem 10">
-            <a:extLst>
-              <a:ext uri="{FF2B5EF4-FFF2-40B4-BE49-F238E27FC236}">
-                <a16:creationId xmlns:a16="http://schemas.microsoft.com/office/drawing/2014/main" id="{45C0E6A2-C634-B7FA-9DD1-045F7CFEBF0A}"/>
-              </a:ext>
-            </a:extLst>
-          </p:cNvPr>
-          <p:cNvPicPr>
-            <a:picLocks noChangeAspect="1"/>
-          </p:cNvPicPr>
-          <p:nvPr/>
-        </p:nvPicPr>
-        <p:blipFill>
-          <a:blip r:embed="rId5"/>
-          <a:stretch>
-            <a:fillRect/>
-          </a:stretch>
-        </p:blipFill>
-        <p:spPr>
-          <a:xfrm>
-            <a:off x="4269271" y="1378012"/>
-            <a:ext cx="2400300" cy="2733675"/>
-          </a:xfrm>
-          <a:prstGeom prst="rect">
-            <a:avLst/>
-          </a:prstGeom>
-        </p:spPr>
-      </p:pic>
-      <p:sp>
-        <p:nvSpPr>
-          <p:cNvPr id="12" name="CaixaDeTexto 11">
-            <a:extLst>
-              <a:ext uri="{FF2B5EF4-FFF2-40B4-BE49-F238E27FC236}">
-                <a16:creationId xmlns:a16="http://schemas.microsoft.com/office/drawing/2014/main" id="{57A5375F-9D05-13E5-297B-61D17333D775}"/>
+          <a:noFill/>
+          <a:ln>
+            <a:solidFill>
+              <a:srgbClr val="FF0000"/>
+            </a:solidFill>
+            <a:prstDash val="lgDash"/>
+          </a:ln>
+        </p:spPr>
+        <p:style>
+          <a:lnRef idx="2">
+            <a:schemeClr val="accent1">
+              <a:shade val="15000"/>
+            </a:schemeClr>
+          </a:lnRef>
+          <a:fillRef idx="1">
+            <a:schemeClr val="accent1"/>
+          </a:fillRef>
+          <a:effectRef idx="0">
+            <a:schemeClr val="accent1"/>
+          </a:effectRef>
+          <a:fontRef idx="minor">
+            <a:schemeClr val="lt1"/>
+          </a:fontRef>
+        </p:style>
+        <p:txBody>
+          <a:bodyPr rtlCol="0" anchor="ctr"/>
+          <a:lstStyle/>
+          <a:p>
+            <a:pPr algn="ctr"/>
+            <a:endParaRPr lang="pt-BR"/>
+          </a:p>
+        </p:txBody>
+      </p:sp>
+      <p:sp>
+        <p:nvSpPr>
+          <p:cNvPr id="8" name="TextBox 7">
+            <a:extLst>
+              <a:ext uri="{FF2B5EF4-FFF2-40B4-BE49-F238E27FC236}">
+                <a16:creationId xmlns:a16="http://schemas.microsoft.com/office/drawing/2014/main" id="{6ABE8C92-D49B-6BBF-C052-63DFFAA1B269}"/>
               </a:ext>
             </a:extLst>
           </p:cNvPr>
@@ -5530,18 +6920,13 @@
         </p:nvSpPr>
         <p:spPr>
           <a:xfrm>
-            <a:off x="175971" y="4401996"/>
-            <a:ext cx="6493600" cy="2031325"/>
+            <a:off x="2001128" y="780142"/>
+            <a:ext cx="186431" cy="369332"/>
           </a:xfrm>
           <a:prstGeom prst="rect">
             <a:avLst/>
           </a:prstGeom>
           <a:noFill/>
-          <a:ln w="38100">
-            <a:solidFill>
-              <a:srgbClr val="0070C0"/>
-            </a:solidFill>
-          </a:ln>
         </p:spPr>
         <p:txBody>
           <a:bodyPr wrap="square" rtlCol="0">
@@ -5552,94 +6937,286 @@
             <a:r>
               <a:rPr lang="pt-BR" dirty="0">
                 <a:solidFill>
-                  <a:schemeClr val="bg1"/>
-                </a:solidFill>
-                <a:highlight>
-                  <a:srgbClr val="0000FF"/>
-                </a:highlight>
+                  <a:srgbClr val="FF0000"/>
+                </a:solidFill>
               </a:rPr>
-              <a:t>Comando(s) Usado(s) aqui:</a:t>
-            </a:r>
-          </a:p>
-          <a:p>
-            <a:endParaRPr lang="pt-BR" dirty="0"/>
-          </a:p>
-          <a:p>
-            <a:r>
-              <a:rPr lang="pt-BR" dirty="0" err="1"/>
-              <a:t>qlik</a:t>
-            </a:r>
-            <a:r>
-              <a:rPr lang="pt-BR" dirty="0"/>
-              <a:t> --help</a:t>
-            </a:r>
-          </a:p>
-          <a:p>
-            <a:r>
-              <a:rPr lang="pt-BR" dirty="0" err="1"/>
-              <a:t>qlik</a:t>
-            </a:r>
-            <a:r>
-              <a:rPr lang="pt-BR" dirty="0"/>
-              <a:t> -h</a:t>
-            </a:r>
-          </a:p>
-          <a:p>
-            <a:r>
-              <a:rPr lang="pt-BR" dirty="0" err="1"/>
-              <a:t>qlik</a:t>
-            </a:r>
-            <a:r>
-              <a:rPr lang="pt-BR" dirty="0"/>
-              <a:t> </a:t>
-            </a:r>
-            <a:r>
-              <a:rPr lang="pt-BR" dirty="0" err="1"/>
-              <a:t>context</a:t>
-            </a:r>
-            <a:r>
-              <a:rPr lang="pt-BR" dirty="0"/>
-              <a:t> </a:t>
-            </a:r>
-            <a:r>
-              <a:rPr lang="pt-BR" dirty="0" err="1">
-                <a:highlight>
-                  <a:srgbClr val="FFFF00"/>
-                </a:highlight>
+              <a:t>1</a:t>
+            </a:r>
+          </a:p>
+        </p:txBody>
+      </p:sp>
+      <p:sp>
+        <p:nvSpPr>
+          <p:cNvPr id="11" name="Oval 10">
+            <a:extLst>
+              <a:ext uri="{FF2B5EF4-FFF2-40B4-BE49-F238E27FC236}">
+                <a16:creationId xmlns:a16="http://schemas.microsoft.com/office/drawing/2014/main" id="{91767CD8-C648-7067-D79B-4AB25FE06ED5}"/>
+              </a:ext>
+            </a:extLst>
+          </p:cNvPr>
+          <p:cNvSpPr/>
+          <p:nvPr/>
+        </p:nvSpPr>
+        <p:spPr>
+          <a:xfrm>
+            <a:off x="1197007" y="1870326"/>
+            <a:ext cx="473476" cy="478243"/>
+          </a:xfrm>
+          <a:prstGeom prst="ellipse">
+            <a:avLst/>
+          </a:prstGeom>
+          <a:noFill/>
+          <a:ln>
+            <a:solidFill>
+              <a:srgbClr val="FF0000"/>
+            </a:solidFill>
+            <a:prstDash val="lgDash"/>
+          </a:ln>
+        </p:spPr>
+        <p:style>
+          <a:lnRef idx="2">
+            <a:schemeClr val="accent1">
+              <a:shade val="15000"/>
+            </a:schemeClr>
+          </a:lnRef>
+          <a:fillRef idx="1">
+            <a:schemeClr val="accent1"/>
+          </a:fillRef>
+          <a:effectRef idx="0">
+            <a:schemeClr val="accent1"/>
+          </a:effectRef>
+          <a:fontRef idx="minor">
+            <a:schemeClr val="lt1"/>
+          </a:fontRef>
+        </p:style>
+        <p:txBody>
+          <a:bodyPr rtlCol="0" anchor="ctr"/>
+          <a:lstStyle/>
+          <a:p>
+            <a:pPr algn="ctr"/>
+            <a:endParaRPr lang="pt-BR"/>
+          </a:p>
+        </p:txBody>
+      </p:sp>
+      <p:sp>
+        <p:nvSpPr>
+          <p:cNvPr id="12" name="TextBox 11">
+            <a:extLst>
+              <a:ext uri="{FF2B5EF4-FFF2-40B4-BE49-F238E27FC236}">
+                <a16:creationId xmlns:a16="http://schemas.microsoft.com/office/drawing/2014/main" id="{F21CB66E-3C5D-E142-8187-9003CAB87697}"/>
+              </a:ext>
+            </a:extLst>
+          </p:cNvPr>
+          <p:cNvSpPr txBox="1"/>
+          <p:nvPr/>
+        </p:nvSpPr>
+        <p:spPr>
+          <a:xfrm>
+            <a:off x="1290915" y="1907025"/>
+            <a:ext cx="186431" cy="369332"/>
+          </a:xfrm>
+          <a:prstGeom prst="rect">
+            <a:avLst/>
+          </a:prstGeom>
+          <a:noFill/>
+        </p:spPr>
+        <p:txBody>
+          <a:bodyPr wrap="square" rtlCol="0">
+            <a:spAutoFit/>
+          </a:bodyPr>
+          <a:lstStyle/>
+          <a:p>
+            <a:r>
+              <a:rPr lang="pt-BR" dirty="0">
+                <a:solidFill>
+                  <a:srgbClr val="FF0000"/>
+                </a:solidFill>
               </a:rPr>
-              <a:t>xpto</a:t>
-            </a:r>
+              <a:t>2</a:t>
+            </a:r>
+          </a:p>
+        </p:txBody>
+      </p:sp>
+      <p:sp>
+        <p:nvSpPr>
+          <p:cNvPr id="13" name="Oval 12">
+            <a:extLst>
+              <a:ext uri="{FF2B5EF4-FFF2-40B4-BE49-F238E27FC236}">
+                <a16:creationId xmlns:a16="http://schemas.microsoft.com/office/drawing/2014/main" id="{7702BB5E-DC0F-228C-885B-EC76E832B38D}"/>
+              </a:ext>
+            </a:extLst>
+          </p:cNvPr>
+          <p:cNvSpPr/>
+          <p:nvPr/>
+        </p:nvSpPr>
+        <p:spPr>
+          <a:xfrm>
+            <a:off x="2152836" y="5314861"/>
+            <a:ext cx="473476" cy="478243"/>
+          </a:xfrm>
+          <a:prstGeom prst="ellipse">
+            <a:avLst/>
+          </a:prstGeom>
+          <a:noFill/>
+          <a:ln>
+            <a:solidFill>
+              <a:srgbClr val="FF0000"/>
+            </a:solidFill>
+            <a:prstDash val="lgDash"/>
+          </a:ln>
+        </p:spPr>
+        <p:style>
+          <a:lnRef idx="2">
+            <a:schemeClr val="accent1">
+              <a:shade val="15000"/>
+            </a:schemeClr>
+          </a:lnRef>
+          <a:fillRef idx="1">
+            <a:schemeClr val="accent1"/>
+          </a:fillRef>
+          <a:effectRef idx="0">
+            <a:schemeClr val="accent1"/>
+          </a:effectRef>
+          <a:fontRef idx="minor">
+            <a:schemeClr val="lt1"/>
+          </a:fontRef>
+        </p:style>
+        <p:txBody>
+          <a:bodyPr rtlCol="0" anchor="ctr"/>
+          <a:lstStyle/>
+          <a:p>
+            <a:pPr algn="ctr"/>
+            <a:endParaRPr lang="pt-BR"/>
+          </a:p>
+        </p:txBody>
+      </p:sp>
+      <p:sp>
+        <p:nvSpPr>
+          <p:cNvPr id="14" name="TextBox 13">
+            <a:extLst>
+              <a:ext uri="{FF2B5EF4-FFF2-40B4-BE49-F238E27FC236}">
+                <a16:creationId xmlns:a16="http://schemas.microsoft.com/office/drawing/2014/main" id="{63BA333E-2AF3-71A0-D8FC-05111621EC68}"/>
+              </a:ext>
+            </a:extLst>
+          </p:cNvPr>
+          <p:cNvSpPr txBox="1"/>
+          <p:nvPr/>
+        </p:nvSpPr>
+        <p:spPr>
+          <a:xfrm>
+            <a:off x="2246744" y="5351560"/>
+            <a:ext cx="186431" cy="369332"/>
+          </a:xfrm>
+          <a:prstGeom prst="rect">
+            <a:avLst/>
+          </a:prstGeom>
+          <a:noFill/>
+        </p:spPr>
+        <p:txBody>
+          <a:bodyPr wrap="square" rtlCol="0">
+            <a:spAutoFit/>
+          </a:bodyPr>
+          <a:lstStyle/>
+          <a:p>
             <a:r>
               <a:rPr lang="pt-BR" dirty="0">
-                <a:highlight>
-                  <a:srgbClr val="FFFF00"/>
-                </a:highlight>
+                <a:solidFill>
+                  <a:srgbClr val="FF0000"/>
+                </a:solidFill>
               </a:rPr>
-              <a:t> (Ao digitar errado ele traz o help)</a:t>
-            </a:r>
-          </a:p>
-          <a:p>
-            <a:r>
-              <a:rPr lang="pt-BR" dirty="0" err="1"/>
-              <a:t>cls</a:t>
-            </a:r>
-            <a:r>
-              <a:rPr lang="pt-BR" dirty="0"/>
-              <a:t> </a:t>
-            </a:r>
+              <a:t>3</a:t>
+            </a:r>
+          </a:p>
+        </p:txBody>
+      </p:sp>
+      <p:sp>
+        <p:nvSpPr>
+          <p:cNvPr id="15" name="Oval 14">
+            <a:extLst>
+              <a:ext uri="{FF2B5EF4-FFF2-40B4-BE49-F238E27FC236}">
+                <a16:creationId xmlns:a16="http://schemas.microsoft.com/office/drawing/2014/main" id="{C182FB7A-7BF5-9A42-B4D2-583DA8AB23E4}"/>
+              </a:ext>
+            </a:extLst>
+          </p:cNvPr>
+          <p:cNvSpPr/>
+          <p:nvPr/>
+        </p:nvSpPr>
+        <p:spPr>
+          <a:xfrm>
+            <a:off x="11601636" y="3929945"/>
+            <a:ext cx="473476" cy="478243"/>
+          </a:xfrm>
+          <a:prstGeom prst="ellipse">
+            <a:avLst/>
+          </a:prstGeom>
+          <a:noFill/>
+          <a:ln>
+            <a:solidFill>
+              <a:srgbClr val="FF0000"/>
+            </a:solidFill>
+            <a:prstDash val="lgDash"/>
+          </a:ln>
+        </p:spPr>
+        <p:style>
+          <a:lnRef idx="2">
+            <a:schemeClr val="accent1">
+              <a:shade val="15000"/>
+            </a:schemeClr>
+          </a:lnRef>
+          <a:fillRef idx="1">
+            <a:schemeClr val="accent1"/>
+          </a:fillRef>
+          <a:effectRef idx="0">
+            <a:schemeClr val="accent1"/>
+          </a:effectRef>
+          <a:fontRef idx="minor">
+            <a:schemeClr val="lt1"/>
+          </a:fontRef>
+        </p:style>
+        <p:txBody>
+          <a:bodyPr rtlCol="0" anchor="ctr"/>
+          <a:lstStyle/>
+          <a:p>
+            <a:pPr algn="ctr"/>
+            <a:endParaRPr lang="pt-BR"/>
+          </a:p>
+        </p:txBody>
+      </p:sp>
+      <p:sp>
+        <p:nvSpPr>
+          <p:cNvPr id="16" name="TextBox 15">
+            <a:extLst>
+              <a:ext uri="{FF2B5EF4-FFF2-40B4-BE49-F238E27FC236}">
+                <a16:creationId xmlns:a16="http://schemas.microsoft.com/office/drawing/2014/main" id="{02478A12-AB40-F6B3-C782-E104F7944FAB}"/>
+              </a:ext>
+            </a:extLst>
+          </p:cNvPr>
+          <p:cNvSpPr txBox="1"/>
+          <p:nvPr/>
+        </p:nvSpPr>
+        <p:spPr>
+          <a:xfrm>
+            <a:off x="11695544" y="3966644"/>
+            <a:ext cx="186431" cy="369332"/>
+          </a:xfrm>
+          <a:prstGeom prst="rect">
+            <a:avLst/>
+          </a:prstGeom>
+          <a:noFill/>
+        </p:spPr>
+        <p:txBody>
+          <a:bodyPr wrap="square" rtlCol="0">
+            <a:spAutoFit/>
+          </a:bodyPr>
+          <a:lstStyle/>
+          <a:p>
             <a:r>
               <a:rPr lang="pt-BR" dirty="0">
-                <a:highlight>
-                  <a:srgbClr val="FFFF00"/>
-                </a:highlight>
+                <a:solidFill>
+                  <a:srgbClr val="FF0000"/>
+                </a:solidFill>
               </a:rPr>
-              <a:t>(Limpar Tela)</a:t>
-            </a:r>
-          </a:p>
-          <a:p>
-            <a:r>
-              <a:rPr lang="pt-BR" dirty="0"/>
-              <a:t>	</a:t>
+              <a:t>4</a:t>
             </a:r>
           </a:p>
         </p:txBody>
@@ -5647,7 +7224,7 @@
     </p:spTree>
     <p:extLst>
       <p:ext uri="{BB962C8B-B14F-4D97-AF65-F5344CB8AC3E}">
-        <p14:creationId xmlns:p14="http://schemas.microsoft.com/office/powerpoint/2010/main" val="2661070752"/>
+        <p14:creationId xmlns:p14="http://schemas.microsoft.com/office/powerpoint/2010/main" val="1867653970"/>
       </p:ext>
     </p:extLst>
   </p:cSld>
@@ -5674,12 +7251,47 @@
           <a:chExt cx="0" cy="0"/>
         </a:xfrm>
       </p:grpSpPr>
+      <p:sp>
+        <p:nvSpPr>
+          <p:cNvPr id="2" name="CaixaDeTexto 1">
+            <a:extLst>
+              <a:ext uri="{FF2B5EF4-FFF2-40B4-BE49-F238E27FC236}">
+                <a16:creationId xmlns:a16="http://schemas.microsoft.com/office/drawing/2014/main" id="{A771A156-4D14-EB44-E0A8-5DDC603ADB4C}"/>
+              </a:ext>
+            </a:extLst>
+          </p:cNvPr>
+          <p:cNvSpPr txBox="1"/>
+          <p:nvPr/>
+        </p:nvSpPr>
+        <p:spPr>
+          <a:xfrm>
+            <a:off x="175971" y="189457"/>
+            <a:ext cx="11177451" cy="707886"/>
+          </a:xfrm>
+          <a:prstGeom prst="rect">
+            <a:avLst/>
+          </a:prstGeom>
+          <a:noFill/>
+        </p:spPr>
+        <p:txBody>
+          <a:bodyPr wrap="square" rtlCol="0">
+            <a:spAutoFit/>
+          </a:bodyPr>
+          <a:lstStyle/>
+          <a:p>
+            <a:r>
+              <a:rPr lang="pt-BR" sz="4000" dirty="0"/>
+              <a:t>Instalação qlik-cli (Forma 1)</a:t>
+            </a:r>
+          </a:p>
+        </p:txBody>
+      </p:sp>
       <p:pic>
         <p:nvPicPr>
-          <p:cNvPr id="3" name="Imagem 2">
-            <a:extLst>
-              <a:ext uri="{FF2B5EF4-FFF2-40B4-BE49-F238E27FC236}">
-                <a16:creationId xmlns:a16="http://schemas.microsoft.com/office/drawing/2014/main" id="{11779981-3D3D-3474-08B9-DCD498BAE445}"/>
+          <p:cNvPr id="4" name="Picture 3">
+            <a:extLst>
+              <a:ext uri="{FF2B5EF4-FFF2-40B4-BE49-F238E27FC236}">
+                <a16:creationId xmlns:a16="http://schemas.microsoft.com/office/drawing/2014/main" id="{21FCE5FF-5F32-CFA0-2F2D-4F8A6E035846}"/>
               </a:ext>
             </a:extLst>
           </p:cNvPr>
@@ -5696,50 +7308,20 @@
         </p:blipFill>
         <p:spPr>
           <a:xfrm>
-            <a:off x="983391" y="3127103"/>
-            <a:ext cx="7172325" cy="1914525"/>
+            <a:off x="3080182" y="1549997"/>
+            <a:ext cx="5090601" cy="2728196"/>
           </a:xfrm>
           <a:prstGeom prst="rect">
             <a:avLst/>
           </a:prstGeom>
         </p:spPr>
       </p:pic>
-      <p:pic>
-        <p:nvPicPr>
-          <p:cNvPr id="5" name="Imagem 4">
-            <a:extLst>
-              <a:ext uri="{FF2B5EF4-FFF2-40B4-BE49-F238E27FC236}">
-                <a16:creationId xmlns:a16="http://schemas.microsoft.com/office/drawing/2014/main" id="{34FA5319-996D-B6F5-07A7-70E957290038}"/>
-              </a:ext>
-            </a:extLst>
-          </p:cNvPr>
-          <p:cNvPicPr>
-            <a:picLocks noChangeAspect="1"/>
-          </p:cNvPicPr>
-          <p:nvPr/>
-        </p:nvPicPr>
-        <p:blipFill>
-          <a:blip r:embed="rId3"/>
-          <a:stretch>
-            <a:fillRect/>
-          </a:stretch>
-        </p:blipFill>
-        <p:spPr>
-          <a:xfrm>
-            <a:off x="4980018" y="4131409"/>
-            <a:ext cx="7105650" cy="2628900"/>
-          </a:xfrm>
-          <a:prstGeom prst="rect">
-            <a:avLst/>
-          </a:prstGeom>
-        </p:spPr>
-      </p:pic>
-      <p:sp>
-        <p:nvSpPr>
-          <p:cNvPr id="10" name="CaixaDeTexto 9">
-            <a:extLst>
-              <a:ext uri="{FF2B5EF4-FFF2-40B4-BE49-F238E27FC236}">
-                <a16:creationId xmlns:a16="http://schemas.microsoft.com/office/drawing/2014/main" id="{38952EC5-1CB2-0121-3039-8CBDA0B801AE}"/>
+      <p:sp>
+        <p:nvSpPr>
+          <p:cNvPr id="9" name="TextBox 8">
+            <a:extLst>
+              <a:ext uri="{FF2B5EF4-FFF2-40B4-BE49-F238E27FC236}">
+                <a16:creationId xmlns:a16="http://schemas.microsoft.com/office/drawing/2014/main" id="{A9E470E8-A05F-1AA7-637C-9CD15D0F30B1}"/>
               </a:ext>
             </a:extLst>
           </p:cNvPr>
@@ -5748,8 +7330,8 @@
         </p:nvSpPr>
         <p:spPr>
           <a:xfrm>
-            <a:off x="175971" y="189457"/>
-            <a:ext cx="11177451" cy="707886"/>
+            <a:off x="523783" y="4731798"/>
+            <a:ext cx="6400800" cy="923330"/>
           </a:xfrm>
           <a:prstGeom prst="rect">
             <a:avLst/>
@@ -5762,369 +7344,44 @@
           </a:bodyPr>
           <a:lstStyle/>
           <a:p>
-            <a:r>
-              <a:rPr lang="pt-BR" sz="4000" dirty="0"/>
-              <a:t>Primeiros Passos “</a:t>
-            </a:r>
-            <a:r>
-              <a:rPr lang="pt-BR" sz="4000" dirty="0" err="1"/>
-              <a:t>Logando</a:t>
-            </a:r>
-            <a:r>
-              <a:rPr lang="pt-BR" sz="4000" dirty="0"/>
-              <a:t>” no “</a:t>
-            </a:r>
-            <a:r>
-              <a:rPr lang="pt-BR" sz="4000" dirty="0" err="1"/>
-              <a:t>tenant</a:t>
-            </a:r>
-            <a:r>
-              <a:rPr lang="pt-BR" sz="4000" dirty="0"/>
-              <a:t>” (Ambiente)</a:t>
-            </a:r>
-          </a:p>
-        </p:txBody>
-      </p:sp>
-      <p:sp>
-        <p:nvSpPr>
-          <p:cNvPr id="12" name="CaixaDeTexto 11">
-            <a:extLst>
-              <a:ext uri="{FF2B5EF4-FFF2-40B4-BE49-F238E27FC236}">
-                <a16:creationId xmlns:a16="http://schemas.microsoft.com/office/drawing/2014/main" id="{96284F2F-1BC5-6C03-CF3D-F44572544078}"/>
-              </a:ext>
-            </a:extLst>
-          </p:cNvPr>
-          <p:cNvSpPr txBox="1"/>
-          <p:nvPr/>
-        </p:nvSpPr>
-        <p:spPr>
-          <a:xfrm>
-            <a:off x="318051" y="1205948"/>
-            <a:ext cx="10853531" cy="1200329"/>
-          </a:xfrm>
-          <a:prstGeom prst="rect">
-            <a:avLst/>
-          </a:prstGeom>
-          <a:noFill/>
-        </p:spPr>
-        <p:txBody>
-          <a:bodyPr wrap="square" rtlCol="0">
-            <a:spAutoFit/>
-          </a:bodyPr>
-          <a:lstStyle/>
-          <a:p>
-            <a:r>
-              <a:rPr lang="pt-BR" dirty="0"/>
-              <a:t>Após instalar é necessário “</a:t>
-            </a:r>
-            <a:r>
-              <a:rPr lang="pt-BR" dirty="0" err="1"/>
-              <a:t>logar</a:t>
-            </a:r>
-            <a:r>
-              <a:rPr lang="pt-BR" dirty="0"/>
-              <a:t>” no “</a:t>
-            </a:r>
-            <a:r>
-              <a:rPr lang="pt-BR" dirty="0" err="1"/>
-              <a:t>tenant</a:t>
-            </a:r>
-            <a:r>
-              <a:rPr lang="pt-BR" dirty="0"/>
-              <a:t>” desejado, para isso é necessário saber a </a:t>
-            </a:r>
-            <a:r>
-              <a:rPr lang="pt-BR" dirty="0" err="1"/>
-              <a:t>url</a:t>
-            </a:r>
-            <a:r>
-              <a:rPr lang="pt-BR" dirty="0"/>
-              <a:t> e chave:</a:t>
-            </a:r>
-          </a:p>
-          <a:p>
+            <a:pPr marL="285750" indent="-285750">
+              <a:buFont typeface="Arial" panose="020B0604020202020204" pitchFamily="34" charset="0"/>
+              <a:buChar char="•"/>
+            </a:pPr>
+            <a:r>
+              <a:rPr lang="pt-BR" dirty="0">
+                <a:hlinkClick r:id="rId3"/>
+              </a:rPr>
+              <a:t>https://qlik.dev/toolkits/qlik-cli/install-qlik-cli/</a:t>
+            </a:r>
             <a:endParaRPr lang="pt-BR" dirty="0"/>
           </a:p>
           <a:p>
+            <a:pPr marL="285750" indent="-285750">
+              <a:buFont typeface="Arial" panose="020B0604020202020204" pitchFamily="34" charset="0"/>
+              <a:buChar char="•"/>
+            </a:pPr>
+            <a:endParaRPr lang="pt-BR" dirty="0"/>
+          </a:p>
+          <a:p>
+            <a:pPr marL="285750" indent="-285750">
+              <a:buFont typeface="Arial" panose="020B0604020202020204" pitchFamily="34" charset="0"/>
+              <a:buChar char="•"/>
+            </a:pPr>
             <a:r>
               <a:rPr lang="pt-BR" dirty="0">
-                <a:highlight>
-                  <a:srgbClr val="FFFF00"/>
-                </a:highlight>
+                <a:hlinkClick r:id="rId4"/>
               </a:rPr>
-              <a:t>Para gerar uma Chave</a:t>
-            </a:r>
-            <a:r>
-              <a:rPr lang="pt-BR" dirty="0"/>
-              <a:t>: Acesse seu </a:t>
-            </a:r>
-            <a:r>
-              <a:rPr lang="pt-BR" dirty="0" err="1"/>
-              <a:t>Qlik-Saas</a:t>
-            </a:r>
-            <a:r>
-              <a:rPr lang="pt-BR" dirty="0"/>
-              <a:t> &gt; Acesse seu perfil &gt; Configurações de Perfil &gt; Chaves de </a:t>
-            </a:r>
-            <a:r>
-              <a:rPr lang="pt-BR" dirty="0" err="1"/>
-              <a:t>Api</a:t>
-            </a:r>
-            <a:r>
-              <a:rPr lang="pt-BR" dirty="0"/>
-              <a:t>:</a:t>
-            </a:r>
-          </a:p>
-          <a:p>
-            <a:r>
-              <a:rPr lang="pt-BR" dirty="0"/>
-              <a:t>		Gere uma nova chave e salve em um lugar seguro.</a:t>
-            </a:r>
-          </a:p>
-        </p:txBody>
-      </p:sp>
-      <p:pic>
-        <p:nvPicPr>
-          <p:cNvPr id="14" name="Imagem 13">
-            <a:extLst>
-              <a:ext uri="{FF2B5EF4-FFF2-40B4-BE49-F238E27FC236}">
-                <a16:creationId xmlns:a16="http://schemas.microsoft.com/office/drawing/2014/main" id="{59E96DB8-8BC9-7805-7E72-4903C0A87E0F}"/>
-              </a:ext>
-            </a:extLst>
-          </p:cNvPr>
-          <p:cNvPicPr>
-            <a:picLocks noChangeAspect="1"/>
-          </p:cNvPicPr>
-          <p:nvPr/>
-        </p:nvPicPr>
-        <p:blipFill>
-          <a:blip r:embed="rId4"/>
-          <a:stretch>
-            <a:fillRect/>
-          </a:stretch>
-        </p:blipFill>
-        <p:spPr>
-          <a:xfrm>
-            <a:off x="357807" y="2439703"/>
-            <a:ext cx="2562225" cy="714375"/>
-          </a:xfrm>
-          <a:prstGeom prst="rect">
-            <a:avLst/>
-          </a:prstGeom>
-        </p:spPr>
-      </p:pic>
-      <p:sp>
-        <p:nvSpPr>
-          <p:cNvPr id="22" name="CaixaDeTexto 21">
-            <a:extLst>
-              <a:ext uri="{FF2B5EF4-FFF2-40B4-BE49-F238E27FC236}">
-                <a16:creationId xmlns:a16="http://schemas.microsoft.com/office/drawing/2014/main" id="{02336016-8C26-4848-D0D2-0EA4DE9A6AEE}"/>
-              </a:ext>
-            </a:extLst>
-          </p:cNvPr>
-          <p:cNvSpPr txBox="1"/>
-          <p:nvPr/>
-        </p:nvSpPr>
-        <p:spPr>
-          <a:xfrm>
-            <a:off x="39755" y="2439703"/>
-            <a:ext cx="318052" cy="369332"/>
-          </a:xfrm>
-          <a:prstGeom prst="rect">
-            <a:avLst/>
-          </a:prstGeom>
-          <a:noFill/>
-          <a:ln w="28575">
-            <a:solidFill>
-              <a:srgbClr val="FF0000"/>
-            </a:solidFill>
-          </a:ln>
-        </p:spPr>
-        <p:txBody>
-          <a:bodyPr wrap="square" rtlCol="0">
-            <a:spAutoFit/>
-          </a:bodyPr>
-          <a:lstStyle/>
-          <a:p>
-            <a:r>
-              <a:rPr lang="pt-BR" b="1" dirty="0">
-                <a:solidFill>
-                  <a:srgbClr val="FF0000"/>
-                </a:solidFill>
-              </a:rPr>
-              <a:t>1</a:t>
-            </a:r>
-          </a:p>
-        </p:txBody>
-      </p:sp>
-      <p:sp>
-        <p:nvSpPr>
-          <p:cNvPr id="23" name="CaixaDeTexto 22">
-            <a:extLst>
-              <a:ext uri="{FF2B5EF4-FFF2-40B4-BE49-F238E27FC236}">
-                <a16:creationId xmlns:a16="http://schemas.microsoft.com/office/drawing/2014/main" id="{05354D65-20E5-D466-6F63-1F9E98455023}"/>
-              </a:ext>
-            </a:extLst>
-          </p:cNvPr>
-          <p:cNvSpPr txBox="1"/>
-          <p:nvPr/>
-        </p:nvSpPr>
-        <p:spPr>
-          <a:xfrm>
-            <a:off x="626509" y="3187504"/>
-            <a:ext cx="318052" cy="369332"/>
-          </a:xfrm>
-          <a:prstGeom prst="rect">
-            <a:avLst/>
-          </a:prstGeom>
-          <a:noFill/>
-          <a:ln w="28575">
-            <a:solidFill>
-              <a:srgbClr val="FF0000"/>
-            </a:solidFill>
-          </a:ln>
-        </p:spPr>
-        <p:txBody>
-          <a:bodyPr wrap="square" rtlCol="0">
-            <a:spAutoFit/>
-          </a:bodyPr>
-          <a:lstStyle/>
-          <a:p>
-            <a:r>
-              <a:rPr lang="pt-BR" b="1" dirty="0">
-                <a:solidFill>
-                  <a:srgbClr val="FF0000"/>
-                </a:solidFill>
-              </a:rPr>
-              <a:t>2</a:t>
-            </a:r>
-          </a:p>
-        </p:txBody>
-      </p:sp>
-      <p:sp>
-        <p:nvSpPr>
-          <p:cNvPr id="24" name="CaixaDeTexto 23">
-            <a:extLst>
-              <a:ext uri="{FF2B5EF4-FFF2-40B4-BE49-F238E27FC236}">
-                <a16:creationId xmlns:a16="http://schemas.microsoft.com/office/drawing/2014/main" id="{20795D0A-09ED-47BC-62EF-37D94471C273}"/>
-              </a:ext>
-            </a:extLst>
-          </p:cNvPr>
-          <p:cNvSpPr txBox="1"/>
-          <p:nvPr/>
-        </p:nvSpPr>
-        <p:spPr>
-          <a:xfrm>
-            <a:off x="6454736" y="4101815"/>
-            <a:ext cx="318052" cy="369332"/>
-          </a:xfrm>
-          <a:prstGeom prst="rect">
-            <a:avLst/>
-          </a:prstGeom>
-          <a:noFill/>
-          <a:ln w="28575">
-            <a:solidFill>
-              <a:srgbClr val="FF0000"/>
-            </a:solidFill>
-          </a:ln>
-        </p:spPr>
-        <p:txBody>
-          <a:bodyPr wrap="square" rtlCol="0">
-            <a:spAutoFit/>
-          </a:bodyPr>
-          <a:lstStyle/>
-          <a:p>
-            <a:r>
-              <a:rPr lang="pt-BR" b="1" dirty="0">
-                <a:solidFill>
-                  <a:srgbClr val="FF0000"/>
-                </a:solidFill>
-              </a:rPr>
-              <a:t>3</a:t>
-            </a:r>
-          </a:p>
-        </p:txBody>
-      </p:sp>
-      <p:sp>
-        <p:nvSpPr>
-          <p:cNvPr id="25" name="CaixaDeTexto 24">
-            <a:extLst>
-              <a:ext uri="{FF2B5EF4-FFF2-40B4-BE49-F238E27FC236}">
-                <a16:creationId xmlns:a16="http://schemas.microsoft.com/office/drawing/2014/main" id="{58BC897F-D318-617F-A0F7-DB4A8C12AB03}"/>
-              </a:ext>
-            </a:extLst>
-          </p:cNvPr>
-          <p:cNvSpPr txBox="1"/>
-          <p:nvPr/>
-        </p:nvSpPr>
-        <p:spPr>
-          <a:xfrm>
-            <a:off x="106332" y="5276639"/>
-            <a:ext cx="4704207" cy="923330"/>
-          </a:xfrm>
-          <a:prstGeom prst="rect">
-            <a:avLst/>
-          </a:prstGeom>
-          <a:noFill/>
-          <a:ln w="38100">
-            <a:solidFill>
-              <a:srgbClr val="0070C0"/>
-            </a:solidFill>
-          </a:ln>
-        </p:spPr>
-        <p:txBody>
-          <a:bodyPr wrap="square" rtlCol="0">
-            <a:spAutoFit/>
-          </a:bodyPr>
-          <a:lstStyle/>
-          <a:p>
-            <a:r>
-              <a:rPr lang="pt-BR" dirty="0">
-                <a:solidFill>
-                  <a:schemeClr val="bg1"/>
-                </a:solidFill>
-                <a:highlight>
-                  <a:srgbClr val="0000FF"/>
-                </a:highlight>
-              </a:rPr>
-              <a:t>Comando(s) Usado(s) aqui:</a:t>
-            </a:r>
-          </a:p>
-          <a:p>
+              <a:t>https://github.com/qlik-oss/qlik-cli/releases</a:t>
+            </a:r>
             <a:endParaRPr lang="pt-BR" dirty="0"/>
-          </a:p>
-          <a:p>
-            <a:r>
-              <a:rPr lang="pt-BR" dirty="0" err="1"/>
-              <a:t>qlik</a:t>
-            </a:r>
-            <a:r>
-              <a:rPr lang="pt-BR" dirty="0"/>
-              <a:t> </a:t>
-            </a:r>
-            <a:r>
-              <a:rPr lang="pt-BR" dirty="0" err="1"/>
-              <a:t>context</a:t>
-            </a:r>
-            <a:r>
-              <a:rPr lang="pt-BR" dirty="0"/>
-              <a:t> </a:t>
-            </a:r>
-            <a:r>
-              <a:rPr lang="pt-BR" dirty="0" err="1"/>
-              <a:t>init</a:t>
-            </a:r>
-            <a:r>
-              <a:rPr lang="pt-BR" dirty="0"/>
-              <a:t>	</a:t>
-            </a:r>
           </a:p>
         </p:txBody>
       </p:sp>
     </p:spTree>
     <p:extLst>
       <p:ext uri="{BB962C8B-B14F-4D97-AF65-F5344CB8AC3E}">
-        <p14:creationId xmlns:p14="http://schemas.microsoft.com/office/powerpoint/2010/main" val="3861360314"/>
+        <p14:creationId xmlns:p14="http://schemas.microsoft.com/office/powerpoint/2010/main" val="2808569439"/>
       </p:ext>
     </p:extLst>
   </p:cSld>
@@ -6153,10 +7410,10 @@
       </p:grpSpPr>
       <p:sp>
         <p:nvSpPr>
-          <p:cNvPr id="10" name="CaixaDeTexto 9">
-            <a:extLst>
-              <a:ext uri="{FF2B5EF4-FFF2-40B4-BE49-F238E27FC236}">
-                <a16:creationId xmlns:a16="http://schemas.microsoft.com/office/drawing/2014/main" id="{38952EC5-1CB2-0121-3039-8CBDA0B801AE}"/>
+          <p:cNvPr id="2" name="CaixaDeTexto 1">
+            <a:extLst>
+              <a:ext uri="{FF2B5EF4-FFF2-40B4-BE49-F238E27FC236}">
+                <a16:creationId xmlns:a16="http://schemas.microsoft.com/office/drawing/2014/main" id="{A771A156-4D14-EB44-E0A8-5DDC603ADB4C}"/>
               </a:ext>
             </a:extLst>
           </p:cNvPr>
@@ -6181,25 +7438,17 @@
           <a:p>
             <a:r>
               <a:rPr lang="pt-BR" sz="4000" dirty="0"/>
-              <a:t>Listar “</a:t>
-            </a:r>
-            <a:r>
-              <a:rPr lang="pt-BR" sz="4000" dirty="0" err="1"/>
-              <a:t>tenants</a:t>
-            </a:r>
-            <a:r>
-              <a:rPr lang="pt-BR" sz="4000" dirty="0"/>
-              <a:t>” (Ambientes) Logados</a:t>
-            </a:r>
-          </a:p>
-        </p:txBody>
-      </p:sp>
-      <p:sp>
-        <p:nvSpPr>
-          <p:cNvPr id="12" name="CaixaDeTexto 11">
-            <a:extLst>
-              <a:ext uri="{FF2B5EF4-FFF2-40B4-BE49-F238E27FC236}">
-                <a16:creationId xmlns:a16="http://schemas.microsoft.com/office/drawing/2014/main" id="{96284F2F-1BC5-6C03-CF3D-F44572544078}"/>
+              <a:t>Instalação qlik-cli (Forma 2)</a:t>
+            </a:r>
+          </a:p>
+        </p:txBody>
+      </p:sp>
+      <p:sp>
+        <p:nvSpPr>
+          <p:cNvPr id="6" name="CaixaDeTexto 5">
+            <a:extLst>
+              <a:ext uri="{FF2B5EF4-FFF2-40B4-BE49-F238E27FC236}">
+                <a16:creationId xmlns:a16="http://schemas.microsoft.com/office/drawing/2014/main" id="{1290855D-6FB6-2448-3040-E7D73734B1A6}"/>
               </a:ext>
             </a:extLst>
           </p:cNvPr>
@@ -6208,355 +7457,73 @@
         </p:nvSpPr>
         <p:spPr>
           <a:xfrm>
-            <a:off x="175971" y="973106"/>
-            <a:ext cx="10853531" cy="369332"/>
+            <a:off x="175971" y="872906"/>
+            <a:ext cx="10204174" cy="369332"/>
           </a:xfrm>
           <a:prstGeom prst="rect">
             <a:avLst/>
           </a:prstGeom>
-          <a:noFill/>
-        </p:spPr>
-        <p:txBody>
-          <a:bodyPr wrap="square" rtlCol="0">
+          <a:solidFill>
+            <a:srgbClr val="00B050"/>
+          </a:solidFill>
+        </p:spPr>
+        <p:txBody>
+          <a:bodyPr wrap="square">
             <a:spAutoFit/>
           </a:bodyPr>
           <a:lstStyle/>
           <a:p>
-            <a:r>
-              <a:rPr lang="pt-BR" dirty="0"/>
-              <a:t>Para saber quais “</a:t>
-            </a:r>
-            <a:r>
-              <a:rPr lang="pt-BR" dirty="0" err="1"/>
-              <a:t>tenants</a:t>
-            </a:r>
-            <a:r>
-              <a:rPr lang="pt-BR" dirty="0"/>
-              <a:t>” você está logado use o comando </a:t>
-            </a:r>
-            <a:r>
-              <a:rPr lang="pt-BR" dirty="0" err="1">
+            <a:pPr algn="l">
+              <a:buFont typeface="Arial" panose="020B0604020202020204" pitchFamily="34" charset="0"/>
+              <a:buChar char="•"/>
+            </a:pPr>
+            <a:r>
+              <a:rPr lang="pt-BR" b="1" i="0" dirty="0" err="1">
                 <a:solidFill>
                   <a:schemeClr val="bg1"/>
                 </a:solidFill>
-                <a:highlight>
-                  <a:srgbClr val="0000FF"/>
-                </a:highlight>
+                <a:effectLst/>
+                <a:latin typeface="-apple-system"/>
               </a:rPr>
-              <a:t>qlik</a:t>
-            </a:r>
-            <a:r>
-              <a:rPr lang="pt-BR" dirty="0">
+              <a:t>Chocolatey</a:t>
+            </a:r>
+            <a:r>
+              <a:rPr lang="pt-BR" b="0" i="0" dirty="0">
                 <a:solidFill>
                   <a:schemeClr val="bg1"/>
                 </a:solidFill>
-                <a:highlight>
-                  <a:srgbClr val="0000FF"/>
-                </a:highlight>
+                <a:effectLst/>
+                <a:latin typeface="-apple-system"/>
               </a:rPr>
-              <a:t> </a:t>
-            </a:r>
-            <a:r>
-              <a:rPr lang="pt-BR" dirty="0" err="1">
+              <a:t> Instalação:   </a:t>
+            </a:r>
+            <a:r>
+              <a:rPr lang="pt-BR" b="0" i="0" dirty="0">
                 <a:solidFill>
                   <a:schemeClr val="bg1"/>
                 </a:solidFill>
-                <a:highlight>
-                  <a:srgbClr val="0000FF"/>
-                </a:highlight>
+                <a:effectLst/>
+                <a:latin typeface="-apple-system"/>
+                <a:hlinkClick r:id="rId2"/>
               </a:rPr>
-              <a:t>context</a:t>
-            </a:r>
-            <a:r>
-              <a:rPr lang="pt-BR" dirty="0">
-                <a:solidFill>
-                  <a:schemeClr val="bg1"/>
-                </a:solidFill>
-                <a:highlight>
-                  <a:srgbClr val="0000FF"/>
-                </a:highlight>
-              </a:rPr>
-              <a:t> </a:t>
-            </a:r>
-            <a:r>
-              <a:rPr lang="pt-BR" dirty="0" err="1">
-                <a:solidFill>
-                  <a:schemeClr val="bg1"/>
-                </a:solidFill>
-                <a:highlight>
-                  <a:srgbClr val="0000FF"/>
-                </a:highlight>
-              </a:rPr>
-              <a:t>ls</a:t>
-            </a:r>
-            <a:endParaRPr lang="pt-BR" dirty="0">
+              <a:t>https://chocolatey.org/install</a:t>
+            </a:r>
+            <a:endParaRPr lang="pt-BR" b="0" i="0" dirty="0">
               <a:solidFill>
                 <a:schemeClr val="bg1"/>
               </a:solidFill>
-              <a:highlight>
-                <a:srgbClr val="0000FF"/>
-              </a:highlight>
+              <a:effectLst/>
+              <a:latin typeface="-apple-system"/>
             </a:endParaRPr>
-          </a:p>
-        </p:txBody>
-      </p:sp>
-      <p:sp>
-        <p:nvSpPr>
-          <p:cNvPr id="13" name="CaixaDeTexto 12">
-            <a:extLst>
-              <a:ext uri="{FF2B5EF4-FFF2-40B4-BE49-F238E27FC236}">
-                <a16:creationId xmlns:a16="http://schemas.microsoft.com/office/drawing/2014/main" id="{0195AAA1-DF30-2EC4-B068-DA9E202CF641}"/>
-              </a:ext>
-            </a:extLst>
-          </p:cNvPr>
-          <p:cNvSpPr txBox="1"/>
-          <p:nvPr/>
-        </p:nvSpPr>
-        <p:spPr>
-          <a:xfrm>
-            <a:off x="175970" y="2260685"/>
-            <a:ext cx="11671473" cy="369332"/>
-          </a:xfrm>
-          <a:prstGeom prst="rect">
-            <a:avLst/>
-          </a:prstGeom>
-          <a:noFill/>
-        </p:spPr>
-        <p:txBody>
-          <a:bodyPr wrap="square" rtlCol="0">
-            <a:spAutoFit/>
-          </a:bodyPr>
-          <a:lstStyle/>
-          <a:p>
-            <a:r>
-              <a:rPr lang="pt-BR" dirty="0"/>
-              <a:t>Observe que a coluna “</a:t>
-            </a:r>
-            <a:r>
-              <a:rPr lang="pt-BR" dirty="0" err="1"/>
-              <a:t>Current</a:t>
-            </a:r>
-            <a:r>
-              <a:rPr lang="pt-BR" dirty="0"/>
-              <a:t>” não está preenchida, use o comando </a:t>
-            </a:r>
-            <a:r>
-              <a:rPr lang="pt-BR" dirty="0" err="1">
-                <a:solidFill>
-                  <a:schemeClr val="bg1"/>
-                </a:solidFill>
-                <a:highlight>
-                  <a:srgbClr val="0000FF"/>
-                </a:highlight>
-              </a:rPr>
-              <a:t>qlik</a:t>
-            </a:r>
-            <a:r>
-              <a:rPr lang="pt-BR" dirty="0">
-                <a:solidFill>
-                  <a:schemeClr val="bg1"/>
-                </a:solidFill>
-                <a:highlight>
-                  <a:srgbClr val="0000FF"/>
-                </a:highlight>
-              </a:rPr>
-              <a:t> </a:t>
-            </a:r>
-            <a:r>
-              <a:rPr lang="pt-BR" dirty="0" err="1">
-                <a:solidFill>
-                  <a:schemeClr val="bg1"/>
-                </a:solidFill>
-                <a:highlight>
-                  <a:srgbClr val="0000FF"/>
-                </a:highlight>
-              </a:rPr>
-              <a:t>context</a:t>
-            </a:r>
-            <a:r>
-              <a:rPr lang="pt-BR" dirty="0">
-                <a:solidFill>
-                  <a:schemeClr val="bg1"/>
-                </a:solidFill>
-                <a:highlight>
-                  <a:srgbClr val="0000FF"/>
-                </a:highlight>
-              </a:rPr>
-              <a:t> use xxxx.us.qlikcloud.com</a:t>
-            </a:r>
-          </a:p>
-        </p:txBody>
-      </p:sp>
-      <p:sp>
-        <p:nvSpPr>
-          <p:cNvPr id="17" name="CaixaDeTexto 16">
-            <a:extLst>
-              <a:ext uri="{FF2B5EF4-FFF2-40B4-BE49-F238E27FC236}">
-                <a16:creationId xmlns:a16="http://schemas.microsoft.com/office/drawing/2014/main" id="{67341BD2-FD3E-BD6E-94E2-EE4F06BB0562}"/>
-              </a:ext>
-            </a:extLst>
-          </p:cNvPr>
-          <p:cNvSpPr txBox="1"/>
-          <p:nvPr/>
-        </p:nvSpPr>
-        <p:spPr>
-          <a:xfrm>
-            <a:off x="175969" y="3624027"/>
-            <a:ext cx="11403496" cy="369332"/>
-          </a:xfrm>
-          <a:prstGeom prst="rect">
-            <a:avLst/>
-          </a:prstGeom>
-          <a:noFill/>
-        </p:spPr>
-        <p:txBody>
-          <a:bodyPr wrap="square" rtlCol="0">
-            <a:spAutoFit/>
-          </a:bodyPr>
-          <a:lstStyle/>
-          <a:p>
-            <a:r>
-              <a:rPr lang="pt-BR" dirty="0"/>
-              <a:t>Agora se usarmos o comando </a:t>
-            </a:r>
-            <a:r>
-              <a:rPr lang="pt-BR" dirty="0" err="1">
-                <a:solidFill>
-                  <a:schemeClr val="bg1"/>
-                </a:solidFill>
-                <a:highlight>
-                  <a:srgbClr val="0000FF"/>
-                </a:highlight>
-              </a:rPr>
-              <a:t>qlik</a:t>
-            </a:r>
-            <a:r>
-              <a:rPr lang="pt-BR" dirty="0">
-                <a:solidFill>
-                  <a:schemeClr val="bg1"/>
-                </a:solidFill>
-                <a:highlight>
-                  <a:srgbClr val="0000FF"/>
-                </a:highlight>
-              </a:rPr>
-              <a:t> </a:t>
-            </a:r>
-            <a:r>
-              <a:rPr lang="pt-BR" dirty="0" err="1">
-                <a:solidFill>
-                  <a:schemeClr val="bg1"/>
-                </a:solidFill>
-                <a:highlight>
-                  <a:srgbClr val="0000FF"/>
-                </a:highlight>
-              </a:rPr>
-              <a:t>context</a:t>
-            </a:r>
-            <a:r>
-              <a:rPr lang="pt-BR" dirty="0">
-                <a:solidFill>
-                  <a:schemeClr val="bg1"/>
-                </a:solidFill>
-                <a:highlight>
-                  <a:srgbClr val="0000FF"/>
-                </a:highlight>
-              </a:rPr>
-              <a:t> </a:t>
-            </a:r>
-            <a:r>
-              <a:rPr lang="pt-BR" dirty="0" err="1">
-                <a:solidFill>
-                  <a:schemeClr val="bg1"/>
-                </a:solidFill>
-                <a:highlight>
-                  <a:srgbClr val="0000FF"/>
-                </a:highlight>
-              </a:rPr>
-              <a:t>ls</a:t>
-            </a:r>
-            <a:r>
-              <a:rPr lang="pt-BR" dirty="0">
-                <a:solidFill>
-                  <a:schemeClr val="bg1"/>
-                </a:solidFill>
-              </a:rPr>
-              <a:t> </a:t>
-            </a:r>
-            <a:r>
-              <a:rPr lang="pt-BR" dirty="0"/>
-              <a:t>teremos</a:t>
-            </a:r>
-            <a:r>
-              <a:rPr lang="pt-BR" dirty="0">
-                <a:solidFill>
-                  <a:schemeClr val="bg1"/>
-                </a:solidFill>
-              </a:rPr>
-              <a:t> </a:t>
-            </a:r>
-            <a:r>
-              <a:rPr lang="pt-BR" dirty="0"/>
-              <a:t>o</a:t>
-            </a:r>
-            <a:r>
-              <a:rPr lang="pt-BR" dirty="0">
-                <a:solidFill>
-                  <a:schemeClr val="bg1"/>
-                </a:solidFill>
-              </a:rPr>
-              <a:t> </a:t>
-            </a:r>
-            <a:r>
-              <a:rPr lang="pt-BR" dirty="0"/>
-              <a:t>resultado abaixo, já com o campo “</a:t>
-            </a:r>
-            <a:r>
-              <a:rPr lang="pt-BR" dirty="0" err="1"/>
-              <a:t>Current</a:t>
-            </a:r>
-            <a:r>
-              <a:rPr lang="pt-BR" dirty="0"/>
-              <a:t>” preenchido:</a:t>
-            </a:r>
           </a:p>
         </p:txBody>
       </p:sp>
       <p:pic>
         <p:nvPicPr>
-          <p:cNvPr id="9" name="Imagem 8">
-            <a:extLst>
-              <a:ext uri="{FF2B5EF4-FFF2-40B4-BE49-F238E27FC236}">
-                <a16:creationId xmlns:a16="http://schemas.microsoft.com/office/drawing/2014/main" id="{DB786C8C-3C2B-F11F-D740-1694229F7BCB}"/>
-              </a:ext>
-            </a:extLst>
-          </p:cNvPr>
-          <p:cNvPicPr>
-            <a:picLocks noChangeAspect="1"/>
-          </p:cNvPicPr>
-          <p:nvPr/>
-        </p:nvPicPr>
-        <p:blipFill>
-          <a:blip r:embed="rId2"/>
-          <a:stretch>
-            <a:fillRect/>
-          </a:stretch>
-        </p:blipFill>
-        <p:spPr>
-          <a:xfrm>
-            <a:off x="175969" y="3952446"/>
-            <a:ext cx="6981825" cy="962025"/>
-          </a:xfrm>
-          <a:prstGeom prst="rect">
-            <a:avLst/>
-          </a:prstGeom>
-        </p:spPr>
-      </p:pic>
-      <p:pic>
-        <p:nvPicPr>
-          <p:cNvPr id="19" name="Imagem 18">
-            <a:extLst>
-              <a:ext uri="{FF2B5EF4-FFF2-40B4-BE49-F238E27FC236}">
-                <a16:creationId xmlns:a16="http://schemas.microsoft.com/office/drawing/2014/main" id="{C81B51FE-D556-4BF2-9144-230712B0AE56}"/>
+          <p:cNvPr id="8" name="Imagem 7">
+            <a:extLst>
+              <a:ext uri="{FF2B5EF4-FFF2-40B4-BE49-F238E27FC236}">
+                <a16:creationId xmlns:a16="http://schemas.microsoft.com/office/drawing/2014/main" id="{D63220F5-B73A-6F90-06B1-B72BE5ACCD29}"/>
               </a:ext>
             </a:extLst>
           </p:cNvPr>
@@ -6573,141 +7540,20 @@
         </p:blipFill>
         <p:spPr>
           <a:xfrm>
-            <a:off x="175971" y="1304631"/>
-            <a:ext cx="6848475" cy="990600"/>
+            <a:off x="494922" y="1242238"/>
+            <a:ext cx="10925175" cy="1200150"/>
           </a:xfrm>
           <a:prstGeom prst="rect">
             <a:avLst/>
           </a:prstGeom>
         </p:spPr>
       </p:pic>
-      <p:sp>
-        <p:nvSpPr>
-          <p:cNvPr id="25" name="CaixaDeTexto 24">
-            <a:extLst>
-              <a:ext uri="{FF2B5EF4-FFF2-40B4-BE49-F238E27FC236}">
-                <a16:creationId xmlns:a16="http://schemas.microsoft.com/office/drawing/2014/main" id="{8345AAD8-677D-B2B1-3004-EE0FE3A9CBEF}"/>
-              </a:ext>
-            </a:extLst>
-          </p:cNvPr>
-          <p:cNvSpPr txBox="1"/>
-          <p:nvPr/>
-        </p:nvSpPr>
-        <p:spPr>
-          <a:xfrm>
-            <a:off x="2199861" y="5007731"/>
-            <a:ext cx="9051235" cy="1477328"/>
-          </a:xfrm>
-          <a:prstGeom prst="rect">
-            <a:avLst/>
-          </a:prstGeom>
-          <a:noFill/>
-          <a:ln w="38100">
-            <a:solidFill>
-              <a:srgbClr val="0070C0"/>
-            </a:solidFill>
-          </a:ln>
-        </p:spPr>
-        <p:txBody>
-          <a:bodyPr wrap="square" rtlCol="0">
-            <a:spAutoFit/>
-          </a:bodyPr>
-          <a:lstStyle/>
-          <a:p>
-            <a:r>
-              <a:rPr lang="pt-BR" dirty="0">
-                <a:solidFill>
-                  <a:schemeClr val="bg1"/>
-                </a:solidFill>
-                <a:highlight>
-                  <a:srgbClr val="0000FF"/>
-                </a:highlight>
-              </a:rPr>
-              <a:t>Comando(s) Usado(s) aqui:</a:t>
-            </a:r>
-          </a:p>
-          <a:p>
-            <a:endParaRPr lang="pt-BR" dirty="0">
-              <a:solidFill>
-                <a:schemeClr val="bg1"/>
-              </a:solidFill>
-              <a:highlight>
-                <a:srgbClr val="0000FF"/>
-              </a:highlight>
-            </a:endParaRPr>
-          </a:p>
-          <a:p>
-            <a:r>
-              <a:rPr lang="pt-BR" dirty="0" err="1"/>
-              <a:t>qlik</a:t>
-            </a:r>
-            <a:r>
-              <a:rPr lang="pt-BR" dirty="0"/>
-              <a:t> </a:t>
-            </a:r>
-            <a:r>
-              <a:rPr lang="pt-BR" dirty="0" err="1"/>
-              <a:t>context</a:t>
-            </a:r>
-            <a:r>
-              <a:rPr lang="pt-BR" dirty="0"/>
-              <a:t> </a:t>
-            </a:r>
-            <a:r>
-              <a:rPr lang="pt-BR" dirty="0" err="1"/>
-              <a:t>init</a:t>
-            </a:r>
-            <a:endParaRPr lang="pt-BR" dirty="0"/>
-          </a:p>
-          <a:p>
-            <a:r>
-              <a:rPr lang="pt-BR" dirty="0" err="1"/>
-              <a:t>qlik</a:t>
-            </a:r>
-            <a:r>
-              <a:rPr lang="pt-BR" dirty="0"/>
-              <a:t> </a:t>
-            </a:r>
-            <a:r>
-              <a:rPr lang="pt-BR" dirty="0" err="1"/>
-              <a:t>context</a:t>
-            </a:r>
-            <a:r>
-              <a:rPr lang="pt-BR" dirty="0"/>
-              <a:t> </a:t>
-            </a:r>
-            <a:r>
-              <a:rPr lang="pt-BR" dirty="0" err="1"/>
-              <a:t>ls</a:t>
-            </a:r>
-            <a:endParaRPr lang="pt-BR" dirty="0"/>
-          </a:p>
-          <a:p>
-            <a:r>
-              <a:rPr lang="pt-BR" dirty="0" err="1"/>
-              <a:t>qlik</a:t>
-            </a:r>
-            <a:r>
-              <a:rPr lang="pt-BR" dirty="0"/>
-              <a:t> </a:t>
-            </a:r>
-            <a:r>
-              <a:rPr lang="pt-BR" dirty="0" err="1"/>
-              <a:t>context</a:t>
-            </a:r>
-            <a:r>
-              <a:rPr lang="pt-BR" dirty="0"/>
-              <a:t> use xxxx.us.qlikcloud.com 	</a:t>
-            </a:r>
-          </a:p>
-        </p:txBody>
-      </p:sp>
       <p:pic>
         <p:nvPicPr>
-          <p:cNvPr id="26" name="Imagem 25">
-            <a:extLst>
-              <a:ext uri="{FF2B5EF4-FFF2-40B4-BE49-F238E27FC236}">
-                <a16:creationId xmlns:a16="http://schemas.microsoft.com/office/drawing/2014/main" id="{041EF441-CBB5-8436-7645-DF1E914E703A}"/>
+          <p:cNvPr id="12" name="Imagem 11">
+            <a:extLst>
+              <a:ext uri="{FF2B5EF4-FFF2-40B4-BE49-F238E27FC236}">
+                <a16:creationId xmlns:a16="http://schemas.microsoft.com/office/drawing/2014/main" id="{54CEDF61-8D9E-CBCA-64A7-B8B6C94A67E5}"/>
               </a:ext>
             </a:extLst>
           </p:cNvPr>
@@ -6724,8 +7570,236 @@
         </p:blipFill>
         <p:spPr>
           <a:xfrm>
-            <a:off x="175969" y="2596802"/>
-            <a:ext cx="7943850" cy="981075"/>
+            <a:off x="0" y="2495974"/>
+            <a:ext cx="12192000" cy="622685"/>
+          </a:xfrm>
+          <a:prstGeom prst="rect">
+            <a:avLst/>
+          </a:prstGeom>
+        </p:spPr>
+      </p:pic>
+      <p:pic>
+        <p:nvPicPr>
+          <p:cNvPr id="14" name="Imagem 13">
+            <a:extLst>
+              <a:ext uri="{FF2B5EF4-FFF2-40B4-BE49-F238E27FC236}">
+                <a16:creationId xmlns:a16="http://schemas.microsoft.com/office/drawing/2014/main" id="{41C8023B-3A06-928E-77B4-649E2E3475C3}"/>
+              </a:ext>
+            </a:extLst>
+          </p:cNvPr>
+          <p:cNvPicPr>
+            <a:picLocks noChangeAspect="1"/>
+          </p:cNvPicPr>
+          <p:nvPr/>
+        </p:nvPicPr>
+        <p:blipFill>
+          <a:blip r:embed="rId5"/>
+          <a:stretch>
+            <a:fillRect/>
+          </a:stretch>
+        </p:blipFill>
+        <p:spPr>
+          <a:xfrm>
+            <a:off x="309392" y="3771405"/>
+            <a:ext cx="3429000" cy="323850"/>
+          </a:xfrm>
+          <a:prstGeom prst="rect">
+            <a:avLst/>
+          </a:prstGeom>
+        </p:spPr>
+      </p:pic>
+      <p:sp>
+        <p:nvSpPr>
+          <p:cNvPr id="15" name="CaixaDeTexto 14">
+            <a:extLst>
+              <a:ext uri="{FF2B5EF4-FFF2-40B4-BE49-F238E27FC236}">
+                <a16:creationId xmlns:a16="http://schemas.microsoft.com/office/drawing/2014/main" id="{46182CE8-8ABB-DD0E-446C-9A1360F32E45}"/>
+              </a:ext>
+            </a:extLst>
+          </p:cNvPr>
+          <p:cNvSpPr txBox="1"/>
+          <p:nvPr/>
+        </p:nvSpPr>
+        <p:spPr>
+          <a:xfrm>
+            <a:off x="175971" y="3347038"/>
+            <a:ext cx="10204174" cy="369332"/>
+          </a:xfrm>
+          <a:prstGeom prst="rect">
+            <a:avLst/>
+          </a:prstGeom>
+          <a:solidFill>
+            <a:srgbClr val="00B050"/>
+          </a:solidFill>
+        </p:spPr>
+        <p:txBody>
+          <a:bodyPr wrap="square">
+            <a:spAutoFit/>
+          </a:bodyPr>
+          <a:lstStyle>
+            <a:defPPr>
+              <a:defRPr lang="pt-BR"/>
+            </a:defPPr>
+            <a:lvl1pPr>
+              <a:buFont typeface="Arial" panose="020B0604020202020204" pitchFamily="34" charset="0"/>
+              <a:buChar char="•"/>
+              <a:defRPr b="1" i="0">
+                <a:solidFill>
+                  <a:schemeClr val="bg1"/>
+                </a:solidFill>
+                <a:effectLst/>
+                <a:latin typeface="-apple-system"/>
+              </a:defRPr>
+            </a:lvl1pPr>
+          </a:lstStyle>
+          <a:p>
+            <a:r>
+              <a:rPr lang="pt-BR" dirty="0" err="1"/>
+              <a:t>Qlik-cli</a:t>
+            </a:r>
+            <a:r>
+              <a:rPr lang="pt-BR" dirty="0"/>
+              <a:t> Instalação: choco </a:t>
+            </a:r>
+            <a:r>
+              <a:rPr lang="pt-BR" dirty="0" err="1"/>
+              <a:t>install</a:t>
+            </a:r>
+            <a:r>
+              <a:rPr lang="pt-BR" dirty="0"/>
+              <a:t> </a:t>
+            </a:r>
+            <a:r>
+              <a:rPr lang="pt-BR" dirty="0" err="1"/>
+              <a:t>qlik-cli</a:t>
+            </a:r>
+            <a:endParaRPr lang="pt-BR" dirty="0"/>
+          </a:p>
+        </p:txBody>
+      </p:sp>
+      <p:pic>
+        <p:nvPicPr>
+          <p:cNvPr id="17" name="Imagem 16">
+            <a:extLst>
+              <a:ext uri="{FF2B5EF4-FFF2-40B4-BE49-F238E27FC236}">
+                <a16:creationId xmlns:a16="http://schemas.microsoft.com/office/drawing/2014/main" id="{51241AC7-7357-68DB-F114-4BDD9532EA19}"/>
+              </a:ext>
+            </a:extLst>
+          </p:cNvPr>
+          <p:cNvPicPr>
+            <a:picLocks noChangeAspect="1"/>
+          </p:cNvPicPr>
+          <p:nvPr/>
+        </p:nvPicPr>
+        <p:blipFill>
+          <a:blip r:embed="rId6"/>
+          <a:stretch>
+            <a:fillRect/>
+          </a:stretch>
+        </p:blipFill>
+        <p:spPr>
+          <a:xfrm>
+            <a:off x="309392" y="4943939"/>
+            <a:ext cx="5353050" cy="1800225"/>
+          </a:xfrm>
+          <a:prstGeom prst="rect">
+            <a:avLst/>
+          </a:prstGeom>
+        </p:spPr>
+      </p:pic>
+      <p:sp>
+        <p:nvSpPr>
+          <p:cNvPr id="18" name="CaixaDeTexto 17">
+            <a:extLst>
+              <a:ext uri="{FF2B5EF4-FFF2-40B4-BE49-F238E27FC236}">
+                <a16:creationId xmlns:a16="http://schemas.microsoft.com/office/drawing/2014/main" id="{108DB891-5E51-730F-8DD5-64FA02B369CF}"/>
+              </a:ext>
+            </a:extLst>
+          </p:cNvPr>
+          <p:cNvSpPr txBox="1"/>
+          <p:nvPr/>
+        </p:nvSpPr>
+        <p:spPr>
+          <a:xfrm>
+            <a:off x="175971" y="4531744"/>
+            <a:ext cx="10204174" cy="369332"/>
+          </a:xfrm>
+          <a:prstGeom prst="rect">
+            <a:avLst/>
+          </a:prstGeom>
+          <a:solidFill>
+            <a:srgbClr val="00B050"/>
+          </a:solidFill>
+        </p:spPr>
+        <p:txBody>
+          <a:bodyPr wrap="square">
+            <a:spAutoFit/>
+          </a:bodyPr>
+          <a:lstStyle>
+            <a:defPPr>
+              <a:defRPr lang="pt-BR"/>
+            </a:defPPr>
+            <a:lvl1pPr>
+              <a:buFont typeface="Arial" panose="020B0604020202020204" pitchFamily="34" charset="0"/>
+              <a:buChar char="•"/>
+              <a:defRPr b="1" i="0">
+                <a:solidFill>
+                  <a:schemeClr val="bg1"/>
+                </a:solidFill>
+                <a:effectLst/>
+                <a:latin typeface="-apple-system"/>
+              </a:defRPr>
+            </a:lvl1pPr>
+          </a:lstStyle>
+          <a:p>
+            <a:r>
+              <a:rPr lang="pt-BR" dirty="0" err="1"/>
+              <a:t>Jq</a:t>
+            </a:r>
+            <a:r>
+              <a:rPr lang="pt-BR" dirty="0"/>
+              <a:t> Instalação: choco </a:t>
+            </a:r>
+            <a:r>
+              <a:rPr lang="pt-BR" dirty="0" err="1"/>
+              <a:t>install</a:t>
+            </a:r>
+            <a:r>
+              <a:rPr lang="pt-BR" dirty="0"/>
+              <a:t> </a:t>
+            </a:r>
+            <a:r>
+              <a:rPr lang="pt-BR" dirty="0" err="1"/>
+              <a:t>jq</a:t>
+            </a:r>
+            <a:endParaRPr lang="pt-BR" dirty="0"/>
+          </a:p>
+        </p:txBody>
+      </p:sp>
+      <p:pic>
+        <p:nvPicPr>
+          <p:cNvPr id="22" name="Imagem 21">
+            <a:extLst>
+              <a:ext uri="{FF2B5EF4-FFF2-40B4-BE49-F238E27FC236}">
+                <a16:creationId xmlns:a16="http://schemas.microsoft.com/office/drawing/2014/main" id="{123C86B9-B592-FB7E-7322-13DEBFA42E19}"/>
+              </a:ext>
+            </a:extLst>
+          </p:cNvPr>
+          <p:cNvPicPr>
+            <a:picLocks noChangeAspect="1"/>
+          </p:cNvPicPr>
+          <p:nvPr/>
+        </p:nvPicPr>
+        <p:blipFill>
+          <a:blip r:embed="rId7"/>
+          <a:stretch>
+            <a:fillRect/>
+          </a:stretch>
+        </p:blipFill>
+        <p:spPr>
+          <a:xfrm>
+            <a:off x="5764696" y="4901076"/>
+            <a:ext cx="4876800" cy="1885950"/>
           </a:xfrm>
           <a:prstGeom prst="rect">
             <a:avLst/>
@@ -6735,7 +7809,7 @@
     </p:spTree>
     <p:extLst>
       <p:ext uri="{BB962C8B-B14F-4D97-AF65-F5344CB8AC3E}">
-        <p14:creationId xmlns:p14="http://schemas.microsoft.com/office/powerpoint/2010/main" val="1950955026"/>
+        <p14:creationId xmlns:p14="http://schemas.microsoft.com/office/powerpoint/2010/main" val="405508154"/>
       </p:ext>
     </p:extLst>
   </p:cSld>
@@ -6764,10 +7838,10 @@
       </p:grpSpPr>
       <p:sp>
         <p:nvSpPr>
-          <p:cNvPr id="10" name="CaixaDeTexto 9">
-            <a:extLst>
-              <a:ext uri="{FF2B5EF4-FFF2-40B4-BE49-F238E27FC236}">
-                <a16:creationId xmlns:a16="http://schemas.microsoft.com/office/drawing/2014/main" id="{38952EC5-1CB2-0121-3039-8CBDA0B801AE}"/>
+          <p:cNvPr id="2" name="CaixaDeTexto 1">
+            <a:extLst>
+              <a:ext uri="{FF2B5EF4-FFF2-40B4-BE49-F238E27FC236}">
+                <a16:creationId xmlns:a16="http://schemas.microsoft.com/office/drawing/2014/main" id="{A771A156-4D14-EB44-E0A8-5DDC603ADB4C}"/>
               </a:ext>
             </a:extLst>
           </p:cNvPr>
@@ -6792,17 +7866,22 @@
           <a:p>
             <a:r>
               <a:rPr lang="pt-BR" sz="4000" dirty="0"/>
-              <a:t>Agradecimentos!</a:t>
-            </a:r>
-          </a:p>
-        </p:txBody>
-      </p:sp>
-      <p:sp>
-        <p:nvSpPr>
-          <p:cNvPr id="8" name="CaixaDeTexto 7">
-            <a:extLst>
-              <a:ext uri="{FF2B5EF4-FFF2-40B4-BE49-F238E27FC236}">
-                <a16:creationId xmlns:a16="http://schemas.microsoft.com/office/drawing/2014/main" id="{4106BB62-0A96-1C77-0339-E9CBB7568BD6}"/>
+              <a:t>Ferramentas para acessar </a:t>
+            </a:r>
+            <a:r>
+              <a:rPr lang="pt-BR" sz="4000" dirty="0" err="1"/>
+              <a:t>qlik-cli</a:t>
+            </a:r>
+            <a:endParaRPr lang="pt-BR" sz="4000" dirty="0"/>
+          </a:p>
+        </p:txBody>
+      </p:sp>
+      <p:sp>
+        <p:nvSpPr>
+          <p:cNvPr id="6" name="CaixaDeTexto 5">
+            <a:extLst>
+              <a:ext uri="{FF2B5EF4-FFF2-40B4-BE49-F238E27FC236}">
+                <a16:creationId xmlns:a16="http://schemas.microsoft.com/office/drawing/2014/main" id="{1290855D-6FB6-2448-3040-E7D73734B1A6}"/>
               </a:ext>
             </a:extLst>
           </p:cNvPr>
@@ -6811,8 +7890,291 @@
         </p:nvSpPr>
         <p:spPr>
           <a:xfrm>
-            <a:off x="175971" y="897343"/>
-            <a:ext cx="11326916" cy="369332"/>
+            <a:off x="175971" y="872906"/>
+            <a:ext cx="10204174" cy="369332"/>
+          </a:xfrm>
+          <a:prstGeom prst="rect">
+            <a:avLst/>
+          </a:prstGeom>
+          <a:solidFill>
+            <a:srgbClr val="00B050"/>
+          </a:solidFill>
+        </p:spPr>
+        <p:txBody>
+          <a:bodyPr wrap="square">
+            <a:spAutoFit/>
+          </a:bodyPr>
+          <a:lstStyle/>
+          <a:p>
+            <a:pPr algn="l">
+              <a:buFont typeface="Arial" panose="020B0604020202020204" pitchFamily="34" charset="0"/>
+              <a:buChar char="•"/>
+            </a:pPr>
+            <a:r>
+              <a:rPr lang="pt-BR" b="1" i="0" dirty="0">
+                <a:solidFill>
+                  <a:schemeClr val="bg1"/>
+                </a:solidFill>
+                <a:effectLst/>
+                <a:latin typeface="-apple-system"/>
+              </a:rPr>
+              <a:t>CMD</a:t>
+            </a:r>
+            <a:endParaRPr lang="pt-BR" b="0" i="0" dirty="0">
+              <a:solidFill>
+                <a:schemeClr val="bg1"/>
+              </a:solidFill>
+              <a:effectLst/>
+              <a:latin typeface="-apple-system"/>
+            </a:endParaRPr>
+          </a:p>
+        </p:txBody>
+      </p:sp>
+      <p:sp>
+        <p:nvSpPr>
+          <p:cNvPr id="15" name="CaixaDeTexto 14">
+            <a:extLst>
+              <a:ext uri="{FF2B5EF4-FFF2-40B4-BE49-F238E27FC236}">
+                <a16:creationId xmlns:a16="http://schemas.microsoft.com/office/drawing/2014/main" id="{46182CE8-8ABB-DD0E-446C-9A1360F32E45}"/>
+              </a:ext>
+            </a:extLst>
+          </p:cNvPr>
+          <p:cNvSpPr txBox="1"/>
+          <p:nvPr/>
+        </p:nvSpPr>
+        <p:spPr>
+          <a:xfrm>
+            <a:off x="175971" y="3207845"/>
+            <a:ext cx="10204174" cy="369332"/>
+          </a:xfrm>
+          <a:prstGeom prst="rect">
+            <a:avLst/>
+          </a:prstGeom>
+          <a:solidFill>
+            <a:srgbClr val="00B050"/>
+          </a:solidFill>
+        </p:spPr>
+        <p:txBody>
+          <a:bodyPr wrap="square">
+            <a:spAutoFit/>
+          </a:bodyPr>
+          <a:lstStyle>
+            <a:defPPr>
+              <a:defRPr lang="pt-BR"/>
+            </a:defPPr>
+            <a:lvl1pPr>
+              <a:buFont typeface="Arial" panose="020B0604020202020204" pitchFamily="34" charset="0"/>
+              <a:buChar char="•"/>
+              <a:defRPr b="1" i="0">
+                <a:solidFill>
+                  <a:schemeClr val="bg1"/>
+                </a:solidFill>
+                <a:effectLst/>
+                <a:latin typeface="-apple-system"/>
+              </a:defRPr>
+            </a:lvl1pPr>
+          </a:lstStyle>
+          <a:p>
+            <a:r>
+              <a:rPr lang="pt-BR" dirty="0" err="1"/>
+              <a:t>PowerShell</a:t>
+            </a:r>
+            <a:endParaRPr lang="pt-BR" dirty="0"/>
+          </a:p>
+        </p:txBody>
+      </p:sp>
+      <p:sp>
+        <p:nvSpPr>
+          <p:cNvPr id="18" name="CaixaDeTexto 17">
+            <a:extLst>
+              <a:ext uri="{FF2B5EF4-FFF2-40B4-BE49-F238E27FC236}">
+                <a16:creationId xmlns:a16="http://schemas.microsoft.com/office/drawing/2014/main" id="{108DB891-5E51-730F-8DD5-64FA02B369CF}"/>
+              </a:ext>
+            </a:extLst>
+          </p:cNvPr>
+          <p:cNvSpPr txBox="1"/>
+          <p:nvPr/>
+        </p:nvSpPr>
+        <p:spPr>
+          <a:xfrm>
+            <a:off x="175971" y="4595038"/>
+            <a:ext cx="10204174" cy="369332"/>
+          </a:xfrm>
+          <a:prstGeom prst="rect">
+            <a:avLst/>
+          </a:prstGeom>
+          <a:solidFill>
+            <a:srgbClr val="00B050"/>
+          </a:solidFill>
+        </p:spPr>
+        <p:txBody>
+          <a:bodyPr wrap="square">
+            <a:spAutoFit/>
+          </a:bodyPr>
+          <a:lstStyle>
+            <a:defPPr>
+              <a:defRPr lang="pt-BR"/>
+            </a:defPPr>
+            <a:lvl1pPr>
+              <a:buFont typeface="Arial" panose="020B0604020202020204" pitchFamily="34" charset="0"/>
+              <a:buChar char="•"/>
+              <a:defRPr b="1" i="0">
+                <a:solidFill>
+                  <a:schemeClr val="bg1"/>
+                </a:solidFill>
+                <a:effectLst/>
+                <a:latin typeface="-apple-system"/>
+              </a:defRPr>
+            </a:lvl1pPr>
+          </a:lstStyle>
+          <a:p>
+            <a:r>
+              <a:rPr lang="pt-BR" dirty="0" err="1"/>
+              <a:t>PowerShell</a:t>
+            </a:r>
+            <a:r>
+              <a:rPr lang="pt-BR" dirty="0"/>
+              <a:t> ISE</a:t>
+            </a:r>
+          </a:p>
+        </p:txBody>
+      </p:sp>
+      <p:pic>
+        <p:nvPicPr>
+          <p:cNvPr id="4" name="Imagem 3">
+            <a:extLst>
+              <a:ext uri="{FF2B5EF4-FFF2-40B4-BE49-F238E27FC236}">
+                <a16:creationId xmlns:a16="http://schemas.microsoft.com/office/drawing/2014/main" id="{30A9F7E9-A85B-A0E1-26EC-AF24892B9577}"/>
+              </a:ext>
+            </a:extLst>
+          </p:cNvPr>
+          <p:cNvPicPr>
+            <a:picLocks noChangeAspect="1"/>
+          </p:cNvPicPr>
+          <p:nvPr/>
+        </p:nvPicPr>
+        <p:blipFill>
+          <a:blip r:embed="rId2"/>
+          <a:stretch>
+            <a:fillRect/>
+          </a:stretch>
+        </p:blipFill>
+        <p:spPr>
+          <a:xfrm>
+            <a:off x="435665" y="1342259"/>
+            <a:ext cx="7239000" cy="1695450"/>
+          </a:xfrm>
+          <a:prstGeom prst="rect">
+            <a:avLst/>
+          </a:prstGeom>
+        </p:spPr>
+      </p:pic>
+      <p:pic>
+        <p:nvPicPr>
+          <p:cNvPr id="7" name="Imagem 6">
+            <a:extLst>
+              <a:ext uri="{FF2B5EF4-FFF2-40B4-BE49-F238E27FC236}">
+                <a16:creationId xmlns:a16="http://schemas.microsoft.com/office/drawing/2014/main" id="{F9D1D18F-1052-FC8B-17B4-2FA70127D998}"/>
+              </a:ext>
+            </a:extLst>
+          </p:cNvPr>
+          <p:cNvPicPr>
+            <a:picLocks noChangeAspect="1"/>
+          </p:cNvPicPr>
+          <p:nvPr/>
+        </p:nvPicPr>
+        <p:blipFill>
+          <a:blip r:embed="rId3"/>
+          <a:stretch>
+            <a:fillRect/>
+          </a:stretch>
+        </p:blipFill>
+        <p:spPr>
+          <a:xfrm>
+            <a:off x="435665" y="3699157"/>
+            <a:ext cx="6296025" cy="628650"/>
+          </a:xfrm>
+          <a:prstGeom prst="rect">
+            <a:avLst/>
+          </a:prstGeom>
+        </p:spPr>
+      </p:pic>
+      <p:pic>
+        <p:nvPicPr>
+          <p:cNvPr id="10" name="Imagem 9">
+            <a:extLst>
+              <a:ext uri="{FF2B5EF4-FFF2-40B4-BE49-F238E27FC236}">
+                <a16:creationId xmlns:a16="http://schemas.microsoft.com/office/drawing/2014/main" id="{59F9A93C-667B-A526-10FD-EA5A2A4B3F61}"/>
+              </a:ext>
+            </a:extLst>
+          </p:cNvPr>
+          <p:cNvPicPr>
+            <a:picLocks noChangeAspect="1"/>
+          </p:cNvPicPr>
+          <p:nvPr/>
+        </p:nvPicPr>
+        <p:blipFill>
+          <a:blip r:embed="rId4"/>
+          <a:stretch>
+            <a:fillRect/>
+          </a:stretch>
+        </p:blipFill>
+        <p:spPr>
+          <a:xfrm>
+            <a:off x="435665" y="5086350"/>
+            <a:ext cx="6943725" cy="1771650"/>
+          </a:xfrm>
+          <a:prstGeom prst="rect">
+            <a:avLst/>
+          </a:prstGeom>
+        </p:spPr>
+      </p:pic>
+    </p:spTree>
+    <p:extLst>
+      <p:ext uri="{BB962C8B-B14F-4D97-AF65-F5344CB8AC3E}">
+        <p14:creationId xmlns:p14="http://schemas.microsoft.com/office/powerpoint/2010/main" val="2551532246"/>
+      </p:ext>
+    </p:extLst>
+  </p:cSld>
+  <p:clrMapOvr>
+    <a:masterClrMapping/>
+  </p:clrMapOvr>
+</p:sld>
+</file>
+
+<file path=ppt/slides/slide9.xml><?xml version="1.0" encoding="utf-8"?>
+<p:sld xmlns:a="http://schemas.openxmlformats.org/drawingml/2006/main" xmlns:r="http://schemas.openxmlformats.org/officeDocument/2006/relationships" xmlns:p="http://schemas.openxmlformats.org/presentationml/2006/main">
+  <p:cSld>
+    <p:spTree>
+      <p:nvGrpSpPr>
+        <p:cNvPr id="1" name=""/>
+        <p:cNvGrpSpPr/>
+        <p:nvPr/>
+      </p:nvGrpSpPr>
+      <p:grpSpPr>
+        <a:xfrm>
+          <a:off x="0" y="0"/>
+          <a:ext cx="0" cy="0"/>
+          <a:chOff x="0" y="0"/>
+          <a:chExt cx="0" cy="0"/>
+        </a:xfrm>
+      </p:grpSpPr>
+      <p:sp>
+        <p:nvSpPr>
+          <p:cNvPr id="2" name="CaixaDeTexto 1">
+            <a:extLst>
+              <a:ext uri="{FF2B5EF4-FFF2-40B4-BE49-F238E27FC236}">
+                <a16:creationId xmlns:a16="http://schemas.microsoft.com/office/drawing/2014/main" id="{A771A156-4D14-EB44-E0A8-5DDC603ADB4C}"/>
+              </a:ext>
+            </a:extLst>
+          </p:cNvPr>
+          <p:cNvSpPr txBox="1"/>
+          <p:nvPr/>
+        </p:nvSpPr>
+        <p:spPr>
+          <a:xfrm>
+            <a:off x="175971" y="189457"/>
+            <a:ext cx="11177451" cy="707886"/>
           </a:xfrm>
           <a:prstGeom prst="rect">
             <a:avLst/>
@@ -6826,8 +8188,324 @@
           <a:lstStyle/>
           <a:p>
             <a:r>
+              <a:rPr lang="pt-BR" sz="4000" dirty="0"/>
+              <a:t>Help/Documentação </a:t>
+            </a:r>
+            <a:r>
+              <a:rPr lang="pt-BR" sz="4000" dirty="0" err="1"/>
+              <a:t>qlik-cli</a:t>
+            </a:r>
+            <a:endParaRPr lang="pt-BR" sz="4000" dirty="0"/>
+          </a:p>
+        </p:txBody>
+      </p:sp>
+      <p:sp>
+        <p:nvSpPr>
+          <p:cNvPr id="4" name="CaixaDeTexto 3">
+            <a:extLst>
+              <a:ext uri="{FF2B5EF4-FFF2-40B4-BE49-F238E27FC236}">
+                <a16:creationId xmlns:a16="http://schemas.microsoft.com/office/drawing/2014/main" id="{C1C610E1-596D-1393-1198-C66C9D2E66BA}"/>
+              </a:ext>
+            </a:extLst>
+          </p:cNvPr>
+          <p:cNvSpPr txBox="1"/>
+          <p:nvPr/>
+        </p:nvSpPr>
+        <p:spPr>
+          <a:xfrm>
+            <a:off x="175971" y="941416"/>
+            <a:ext cx="10204174" cy="369332"/>
+          </a:xfrm>
+          <a:prstGeom prst="rect">
+            <a:avLst/>
+          </a:prstGeom>
+          <a:noFill/>
+        </p:spPr>
+        <p:txBody>
+          <a:bodyPr wrap="square">
+            <a:spAutoFit/>
+          </a:bodyPr>
+          <a:lstStyle/>
+          <a:p>
+            <a:pPr algn="l">
+              <a:buFont typeface="Arial" panose="020B0604020202020204" pitchFamily="34" charset="0"/>
+              <a:buChar char="•"/>
+            </a:pPr>
+            <a:r>
+              <a:rPr lang="pt-BR" b="0" i="0" dirty="0" err="1">
+                <a:solidFill>
+                  <a:srgbClr val="24292F"/>
+                </a:solidFill>
+                <a:effectLst/>
+                <a:latin typeface="-apple-system"/>
+              </a:rPr>
+              <a:t>Qlik-cli</a:t>
+            </a:r>
+            <a:r>
+              <a:rPr lang="pt-BR" b="0" i="0" dirty="0">
+                <a:solidFill>
+                  <a:srgbClr val="24292F"/>
+                </a:solidFill>
+                <a:effectLst/>
+                <a:latin typeface="-apple-system"/>
+              </a:rPr>
+              <a:t> - Documentação específica do </a:t>
+            </a:r>
+            <a:r>
+              <a:rPr lang="pt-BR" b="0" i="0" dirty="0" err="1">
+                <a:solidFill>
+                  <a:srgbClr val="24292F"/>
+                </a:solidFill>
+                <a:effectLst/>
+                <a:latin typeface="-apple-system"/>
+              </a:rPr>
+              <a:t>Qlik-Cli</a:t>
+            </a:r>
+            <a:r>
+              <a:rPr lang="pt-BR" b="0" i="0" dirty="0">
+                <a:solidFill>
+                  <a:srgbClr val="24292F"/>
+                </a:solidFill>
+                <a:effectLst/>
+                <a:latin typeface="-apple-system"/>
+              </a:rPr>
+              <a:t>: </a:t>
+            </a:r>
+            <a:r>
+              <a:rPr lang="pt-BR" b="0" i="0" u="none" strike="noStrike" dirty="0">
+                <a:solidFill>
+                  <a:srgbClr val="24292F"/>
+                </a:solidFill>
+                <a:effectLst/>
+                <a:latin typeface="-apple-system"/>
+                <a:hlinkClick r:id="rId2"/>
+              </a:rPr>
+              <a:t>https://qlik.dev/libraries-and-tools/qlik-cli</a:t>
+            </a:r>
+            <a:endParaRPr lang="pt-BR" b="0" i="0" dirty="0">
+              <a:solidFill>
+                <a:srgbClr val="24292F"/>
+              </a:solidFill>
+              <a:effectLst/>
+              <a:latin typeface="-apple-system"/>
+            </a:endParaRPr>
+          </a:p>
+        </p:txBody>
+      </p:sp>
+      <p:pic>
+        <p:nvPicPr>
+          <p:cNvPr id="5" name="Imagem 4">
+            <a:extLst>
+              <a:ext uri="{FF2B5EF4-FFF2-40B4-BE49-F238E27FC236}">
+                <a16:creationId xmlns:a16="http://schemas.microsoft.com/office/drawing/2014/main" id="{2E20E2A6-A725-C755-8161-F4C178FF5E08}"/>
+              </a:ext>
+            </a:extLst>
+          </p:cNvPr>
+          <p:cNvPicPr>
+            <a:picLocks noChangeAspect="1"/>
+          </p:cNvPicPr>
+          <p:nvPr/>
+        </p:nvPicPr>
+        <p:blipFill>
+          <a:blip r:embed="rId3"/>
+          <a:stretch>
+            <a:fillRect/>
+          </a:stretch>
+        </p:blipFill>
+        <p:spPr>
+          <a:xfrm>
+            <a:off x="175971" y="1378012"/>
+            <a:ext cx="3514725" cy="2838450"/>
+          </a:xfrm>
+          <a:prstGeom prst="rect">
+            <a:avLst/>
+          </a:prstGeom>
+        </p:spPr>
+      </p:pic>
+      <p:pic>
+        <p:nvPicPr>
+          <p:cNvPr id="9" name="Imagem 8">
+            <a:extLst>
+              <a:ext uri="{FF2B5EF4-FFF2-40B4-BE49-F238E27FC236}">
+                <a16:creationId xmlns:a16="http://schemas.microsoft.com/office/drawing/2014/main" id="{43B4B1C1-BAD5-268B-EB61-E9677B2D82BA}"/>
+              </a:ext>
+            </a:extLst>
+          </p:cNvPr>
+          <p:cNvPicPr>
+            <a:picLocks noChangeAspect="1"/>
+          </p:cNvPicPr>
+          <p:nvPr/>
+        </p:nvPicPr>
+        <p:blipFill>
+          <a:blip r:embed="rId4"/>
+          <a:stretch>
+            <a:fillRect/>
+          </a:stretch>
+        </p:blipFill>
+        <p:spPr>
+          <a:xfrm>
+            <a:off x="7248146" y="1354821"/>
+            <a:ext cx="2781300" cy="5286375"/>
+          </a:xfrm>
+          <a:prstGeom prst="rect">
+            <a:avLst/>
+          </a:prstGeom>
+        </p:spPr>
+      </p:pic>
+      <p:pic>
+        <p:nvPicPr>
+          <p:cNvPr id="11" name="Imagem 10">
+            <a:extLst>
+              <a:ext uri="{FF2B5EF4-FFF2-40B4-BE49-F238E27FC236}">
+                <a16:creationId xmlns:a16="http://schemas.microsoft.com/office/drawing/2014/main" id="{45C0E6A2-C634-B7FA-9DD1-045F7CFEBF0A}"/>
+              </a:ext>
+            </a:extLst>
+          </p:cNvPr>
+          <p:cNvPicPr>
+            <a:picLocks noChangeAspect="1"/>
+          </p:cNvPicPr>
+          <p:nvPr/>
+        </p:nvPicPr>
+        <p:blipFill>
+          <a:blip r:embed="rId5"/>
+          <a:stretch>
+            <a:fillRect/>
+          </a:stretch>
+        </p:blipFill>
+        <p:spPr>
+          <a:xfrm>
+            <a:off x="4269271" y="1378012"/>
+            <a:ext cx="2400300" cy="2733675"/>
+          </a:xfrm>
+          <a:prstGeom prst="rect">
+            <a:avLst/>
+          </a:prstGeom>
+        </p:spPr>
+      </p:pic>
+      <p:sp>
+        <p:nvSpPr>
+          <p:cNvPr id="12" name="CaixaDeTexto 11">
+            <a:extLst>
+              <a:ext uri="{FF2B5EF4-FFF2-40B4-BE49-F238E27FC236}">
+                <a16:creationId xmlns:a16="http://schemas.microsoft.com/office/drawing/2014/main" id="{57A5375F-9D05-13E5-297B-61D17333D775}"/>
+              </a:ext>
+            </a:extLst>
+          </p:cNvPr>
+          <p:cNvSpPr txBox="1"/>
+          <p:nvPr/>
+        </p:nvSpPr>
+        <p:spPr>
+          <a:xfrm>
+            <a:off x="175971" y="4401996"/>
+            <a:ext cx="6493600" cy="2031325"/>
+          </a:xfrm>
+          <a:prstGeom prst="rect">
+            <a:avLst/>
+          </a:prstGeom>
+          <a:noFill/>
+          <a:ln w="38100">
+            <a:solidFill>
+              <a:srgbClr val="0070C0"/>
+            </a:solidFill>
+          </a:ln>
+        </p:spPr>
+        <p:txBody>
+          <a:bodyPr wrap="square" rtlCol="0">
+            <a:spAutoFit/>
+          </a:bodyPr>
+          <a:lstStyle/>
+          <a:p>
+            <a:r>
+              <a:rPr lang="pt-BR" dirty="0">
+                <a:solidFill>
+                  <a:schemeClr val="bg1"/>
+                </a:solidFill>
+                <a:highlight>
+                  <a:srgbClr val="0000FF"/>
+                </a:highlight>
+              </a:rPr>
+              <a:t>Comando(s) Usado(s) aqui:</a:t>
+            </a:r>
+          </a:p>
+          <a:p>
+            <a:endParaRPr lang="pt-BR" dirty="0"/>
+          </a:p>
+          <a:p>
+            <a:r>
+              <a:rPr lang="pt-BR" dirty="0" err="1"/>
+              <a:t>qlik</a:t>
+            </a:r>
+            <a:r>
               <a:rPr lang="pt-BR" dirty="0"/>
-              <a:t>Isso é só uma pequena parte do que é possível fazer.</a:t>
+              <a:t> --help</a:t>
+            </a:r>
+          </a:p>
+          <a:p>
+            <a:r>
+              <a:rPr lang="pt-BR" dirty="0" err="1"/>
+              <a:t>qlik</a:t>
+            </a:r>
+            <a:r>
+              <a:rPr lang="pt-BR" dirty="0"/>
+              <a:t> -h</a:t>
+            </a:r>
+          </a:p>
+          <a:p>
+            <a:r>
+              <a:rPr lang="pt-BR" dirty="0" err="1"/>
+              <a:t>qlik</a:t>
+            </a:r>
+            <a:r>
+              <a:rPr lang="pt-BR" dirty="0"/>
+              <a:t> </a:t>
+            </a:r>
+            <a:r>
+              <a:rPr lang="pt-BR" dirty="0" err="1"/>
+              <a:t>context</a:t>
+            </a:r>
+            <a:r>
+              <a:rPr lang="pt-BR" dirty="0"/>
+              <a:t> </a:t>
+            </a:r>
+            <a:r>
+              <a:rPr lang="pt-BR" dirty="0" err="1">
+                <a:highlight>
+                  <a:srgbClr val="FFFF00"/>
+                </a:highlight>
+              </a:rPr>
+              <a:t>xpto</a:t>
+            </a:r>
+            <a:r>
+              <a:rPr lang="pt-BR" dirty="0">
+                <a:highlight>
+                  <a:srgbClr val="FFFF00"/>
+                </a:highlight>
+              </a:rPr>
+              <a:t> (Ao digitar errado ele traz o help)</a:t>
+            </a:r>
+          </a:p>
+          <a:p>
+            <a:r>
+              <a:rPr lang="pt-BR" dirty="0" err="1"/>
+              <a:t>cls</a:t>
+            </a:r>
+            <a:r>
+              <a:rPr lang="pt-BR" dirty="0"/>
+              <a:t> </a:t>
+            </a:r>
+            <a:r>
+              <a:rPr lang="pt-BR" dirty="0">
+                <a:highlight>
+                  <a:srgbClr val="FFFF00"/>
+                </a:highlight>
+              </a:rPr>
+              <a:t>(Limpar Tela)</a:t>
+            </a:r>
+          </a:p>
+          <a:p>
+            <a:r>
+              <a:rPr lang="pt-BR" dirty="0"/>
+              <a:t>	</a:t>
             </a:r>
           </a:p>
         </p:txBody>
@@ -6835,7 +8513,7 @@
     </p:spTree>
     <p:extLst>
       <p:ext uri="{BB962C8B-B14F-4D97-AF65-F5344CB8AC3E}">
-        <p14:creationId xmlns:p14="http://schemas.microsoft.com/office/powerpoint/2010/main" val="3050591549"/>
+        <p14:creationId xmlns:p14="http://schemas.microsoft.com/office/powerpoint/2010/main" val="2661070752"/>
       </p:ext>
     </p:extLst>
   </p:cSld>
@@ -7433,4 +9111,10 @@
     </a:ext>
   </a:extLst>
 </a:theme>
+</file>
+
+<file path=docMetadata/LabelInfo.xml><?xml version="1.0" encoding="utf-8"?>
+<clbl:labelList xmlns:clbl="http://schemas.microsoft.com/office/2020/mipLabelMetadata">
+  <clbl:label id="{90754b47-c413-4aa1-bfc3-c33089241f4f}" enabled="1" method="Standard" siteId="{e339bd4b-2e3b-4035-a452-2112d502f2ff}" contentBits="0" removed="0"/>
+</clbl:labelList>
 </file>